--- a/AgriPV-raytracing-training/4 - Prompt and approach for MA.pptx
+++ b/AgriPV-raytracing-training/4 - Prompt and approach for MA.pptx
@@ -5,13 +5,20 @@
     <p:sldMasterId id="2147483648" r:id="rId1"/>
   </p:sldMasterIdLst>
   <p:notesMasterIdLst>
-    <p:notesMasterId r:id="rId6"/>
+    <p:notesMasterId r:id="rId13"/>
   </p:notesMasterIdLst>
   <p:sldIdLst>
     <p:sldId id="257" r:id="rId2"/>
     <p:sldId id="258" r:id="rId3"/>
     <p:sldId id="259" r:id="rId4"/>
     <p:sldId id="260" r:id="rId5"/>
+    <p:sldId id="261" r:id="rId6"/>
+    <p:sldId id="262" r:id="rId7"/>
+    <p:sldId id="264" r:id="rId8"/>
+    <p:sldId id="2554" r:id="rId9"/>
+    <p:sldId id="265" r:id="rId10"/>
+    <p:sldId id="266" r:id="rId11"/>
+    <p:sldId id="263" r:id="rId12"/>
   </p:sldIdLst>
   <p:sldSz cx="12192000" cy="6858000"/>
   <p:notesSz cx="6858000" cy="9144000"/>
@@ -200,7 +207,7 @@
           <a:p>
             <a:fld id="{67BD6A78-4D4F-4E81-9737-ED27AA20309E}" type="datetimeFigureOut">
               <a:rPr lang="en-US" smtClean="0"/>
-              <a:t>11/16/2023</a:t>
+              <a:t>11/29/2023</a:t>
             </a:fld>
             <a:endParaRPr lang="en-US"/>
           </a:p>
@@ -782,7 +789,7 @@
           <a:p>
             <a:fld id="{303198BD-DED5-4EA6-B50F-BB497082CE91}" type="datetimeFigureOut">
               <a:rPr lang="en-US" smtClean="0"/>
-              <a:t>11/16/2023</a:t>
+              <a:t>11/29/2023</a:t>
             </a:fld>
             <a:endParaRPr lang="en-US"/>
           </a:p>
@@ -980,7 +987,7 @@
           <a:p>
             <a:fld id="{303198BD-DED5-4EA6-B50F-BB497082CE91}" type="datetimeFigureOut">
               <a:rPr lang="en-US" smtClean="0"/>
-              <a:t>11/16/2023</a:t>
+              <a:t>11/29/2023</a:t>
             </a:fld>
             <a:endParaRPr lang="en-US"/>
           </a:p>
@@ -1188,7 +1195,7 @@
           <a:p>
             <a:fld id="{303198BD-DED5-4EA6-B50F-BB497082CE91}" type="datetimeFigureOut">
               <a:rPr lang="en-US" smtClean="0"/>
-              <a:t>11/16/2023</a:t>
+              <a:t>11/29/2023</a:t>
             </a:fld>
             <a:endParaRPr lang="en-US"/>
           </a:p>
@@ -1252,6 +1259,139 @@
     <p:extLst>
       <p:ext uri="{BB962C8B-B14F-4D97-AF65-F5344CB8AC3E}">
         <p14:creationId xmlns:p14="http://schemas.microsoft.com/office/powerpoint/2010/main" val="570929406"/>
+      </p:ext>
+    </p:extLst>
+  </p:cSld>
+  <p:clrMapOvr>
+    <a:masterClrMapping/>
+  </p:clrMapOvr>
+</p:sldLayout>
+</file>
+
+<file path=ppt/slideLayouts/slideLayout12.xml><?xml version="1.0" encoding="utf-8"?>
+<p:sldLayout xmlns:a="http://schemas.openxmlformats.org/drawingml/2006/main" xmlns:r="http://schemas.openxmlformats.org/officeDocument/2006/relationships" xmlns:p="http://schemas.openxmlformats.org/presentationml/2006/main" userDrawn="1">
+  <p:cSld name="Simple Slide - Any Content">
+    <p:spTree>
+      <p:nvGrpSpPr>
+        <p:cNvPr id="1" name=""/>
+        <p:cNvGrpSpPr/>
+        <p:nvPr/>
+      </p:nvGrpSpPr>
+      <p:grpSpPr>
+        <a:xfrm>
+          <a:off x="0" y="0"/>
+          <a:ext cx="0" cy="0"/>
+          <a:chOff x="0" y="0"/>
+          <a:chExt cx="0" cy="0"/>
+        </a:xfrm>
+      </p:grpSpPr>
+      <p:sp>
+        <p:nvSpPr>
+          <p:cNvPr id="4" name="Title 3"/>
+          <p:cNvSpPr>
+            <a:spLocks noGrp="1"/>
+          </p:cNvSpPr>
+          <p:nvPr>
+            <p:ph type="title" hasCustomPrompt="1"/>
+          </p:nvPr>
+        </p:nvSpPr>
+        <p:spPr>
+          <a:xfrm>
+            <a:off x="609599" y="1"/>
+            <a:ext cx="10982476" cy="1035352"/>
+          </a:xfrm>
+        </p:spPr>
+        <p:txBody>
+          <a:bodyPr/>
+          <a:lstStyle/>
+          <a:p>
+            <a:r>
+              <a:rPr lang="en-US"/>
+              <a:t>Simple Slide</a:t>
+            </a:r>
+          </a:p>
+        </p:txBody>
+      </p:sp>
+      <p:sp>
+        <p:nvSpPr>
+          <p:cNvPr id="5" name="TextBox 4"/>
+          <p:cNvSpPr txBox="1"/>
+          <p:nvPr userDrawn="1"/>
+        </p:nvSpPr>
+        <p:spPr>
+          <a:xfrm>
+            <a:off x="8948936" y="6454019"/>
+            <a:ext cx="3039363" cy="256545"/>
+          </a:xfrm>
+          <a:prstGeom prst="rect">
+            <a:avLst/>
+          </a:prstGeom>
+          <a:noFill/>
+        </p:spPr>
+        <p:txBody>
+          <a:bodyPr wrap="square" rtlCol="0">
+            <a:spAutoFit/>
+          </a:bodyPr>
+          <a:lstStyle/>
+          <a:p>
+            <a:pPr marL="0" marR="0" indent="0" algn="r" defTabSz="609585" rtl="0" eaLnBrk="1" fontAlgn="auto" latinLnBrk="0" hangingPunct="1">
+              <a:lnSpc>
+                <a:spcPct val="100000"/>
+              </a:lnSpc>
+              <a:spcBef>
+                <a:spcPts val="0"/>
+              </a:spcBef>
+              <a:spcAft>
+                <a:spcPts val="0"/>
+              </a:spcAft>
+              <a:buClrTx/>
+              <a:buSzTx/>
+              <a:buFontTx/>
+              <a:buNone/>
+              <a:tabLst/>
+              <a:defRPr/>
+            </a:pPr>
+            <a:r>
+              <a:rPr lang="en-US" sz="1067"/>
+              <a:t>NREL</a:t>
+            </a:r>
+            <a:r>
+              <a:rPr lang="en-US" sz="1067" baseline="0"/>
+              <a:t>    </a:t>
+            </a:r>
+            <a:r>
+              <a:rPr lang="en-US" sz="1067"/>
+              <a:t>|    </a:t>
+            </a:r>
+            <a:fld id="{BFD71CF8-5198-8441-A7C0-DC22FD64CBE4}" type="slidenum">
+              <a:rPr lang="en-US" sz="1067"/>
+              <a:pPr marL="0" marR="0" indent="0" algn="r" defTabSz="609585" rtl="0" eaLnBrk="1" fontAlgn="auto" latinLnBrk="0" hangingPunct="1">
+                <a:lnSpc>
+                  <a:spcPct val="100000"/>
+                </a:lnSpc>
+                <a:spcBef>
+                  <a:spcPts val="0"/>
+                </a:spcBef>
+                <a:spcAft>
+                  <a:spcPts val="0"/>
+                </a:spcAft>
+                <a:buClrTx/>
+                <a:buSzTx/>
+                <a:buFontTx/>
+                <a:buNone/>
+                <a:tabLst/>
+                <a:defRPr/>
+              </a:pPr>
+              <a:t>‹#›</a:t>
+            </a:fld>
+            <a:endParaRPr lang="en-US" sz="1067"/>
+          </a:p>
+        </p:txBody>
+      </p:sp>
+    </p:spTree>
+    <p:extLst>
+      <p:ext uri="{BB962C8B-B14F-4D97-AF65-F5344CB8AC3E}">
+        <p14:creationId xmlns:p14="http://schemas.microsoft.com/office/powerpoint/2010/main" val="2986797190"/>
       </p:ext>
     </p:extLst>
   </p:cSld>
@@ -1386,7 +1526,7 @@
           <a:p>
             <a:fld id="{303198BD-DED5-4EA6-B50F-BB497082CE91}" type="datetimeFigureOut">
               <a:rPr lang="en-US" smtClean="0"/>
-              <a:t>11/16/2023</a:t>
+              <a:t>11/29/2023</a:t>
             </a:fld>
             <a:endParaRPr lang="en-US"/>
           </a:p>
@@ -1661,7 +1801,7 @@
           <a:p>
             <a:fld id="{303198BD-DED5-4EA6-B50F-BB497082CE91}" type="datetimeFigureOut">
               <a:rPr lang="en-US" smtClean="0"/>
-              <a:t>11/16/2023</a:t>
+              <a:t>11/29/2023</a:t>
             </a:fld>
             <a:endParaRPr lang="en-US"/>
           </a:p>
@@ -1926,7 +2066,7 @@
           <a:p>
             <a:fld id="{303198BD-DED5-4EA6-B50F-BB497082CE91}" type="datetimeFigureOut">
               <a:rPr lang="en-US" smtClean="0"/>
-              <a:t>11/16/2023</a:t>
+              <a:t>11/29/2023</a:t>
             </a:fld>
             <a:endParaRPr lang="en-US"/>
           </a:p>
@@ -2338,7 +2478,7 @@
           <a:p>
             <a:fld id="{303198BD-DED5-4EA6-B50F-BB497082CE91}" type="datetimeFigureOut">
               <a:rPr lang="en-US" smtClean="0"/>
-              <a:t>11/16/2023</a:t>
+              <a:t>11/29/2023</a:t>
             </a:fld>
             <a:endParaRPr lang="en-US"/>
           </a:p>
@@ -2479,7 +2619,7 @@
           <a:p>
             <a:fld id="{303198BD-DED5-4EA6-B50F-BB497082CE91}" type="datetimeFigureOut">
               <a:rPr lang="en-US" smtClean="0"/>
-              <a:t>11/16/2023</a:t>
+              <a:t>11/29/2023</a:t>
             </a:fld>
             <a:endParaRPr lang="en-US"/>
           </a:p>
@@ -2592,7 +2732,7 @@
           <a:p>
             <a:fld id="{303198BD-DED5-4EA6-B50F-BB497082CE91}" type="datetimeFigureOut">
               <a:rPr lang="en-US" smtClean="0"/>
-              <a:t>11/16/2023</a:t>
+              <a:t>11/29/2023</a:t>
             </a:fld>
             <a:endParaRPr lang="en-US"/>
           </a:p>
@@ -2903,7 +3043,7 @@
           <a:p>
             <a:fld id="{303198BD-DED5-4EA6-B50F-BB497082CE91}" type="datetimeFigureOut">
               <a:rPr lang="en-US" smtClean="0"/>
-              <a:t>11/16/2023</a:t>
+              <a:t>11/29/2023</a:t>
             </a:fld>
             <a:endParaRPr lang="en-US"/>
           </a:p>
@@ -3191,7 +3331,7 @@
           <a:p>
             <a:fld id="{303198BD-DED5-4EA6-B50F-BB497082CE91}" type="datetimeFigureOut">
               <a:rPr lang="en-US" smtClean="0"/>
-              <a:t>11/16/2023</a:t>
+              <a:t>11/29/2023</a:t>
             </a:fld>
             <a:endParaRPr lang="en-US"/>
           </a:p>
@@ -3432,7 +3572,7 @@
           <a:p>
             <a:fld id="{303198BD-DED5-4EA6-B50F-BB497082CE91}" type="datetimeFigureOut">
               <a:rPr lang="en-US" smtClean="0"/>
-              <a:t>11/16/2023</a:t>
+              <a:t>11/29/2023</a:t>
             </a:fld>
             <a:endParaRPr lang="en-US"/>
           </a:p>
@@ -3548,6 +3688,7 @@
     <p:sldLayoutId id="2147483657" r:id="rId9"/>
     <p:sldLayoutId id="2147483658" r:id="rId10"/>
     <p:sldLayoutId id="2147483659" r:id="rId11"/>
+    <p:sldLayoutId id="2147483660" r:id="rId12"/>
   </p:sldLayoutIdLst>
   <p:txStyles>
     <p:titleStyle>
@@ -4551,6 +4692,1588 @@
 </p:sld>
 </file>
 
+<file path=ppt/slides/slide10.xml><?xml version="1.0" encoding="utf-8"?>
+<p:sld xmlns:a="http://schemas.openxmlformats.org/drawingml/2006/main" xmlns:r="http://schemas.openxmlformats.org/officeDocument/2006/relationships" xmlns:p="http://schemas.openxmlformats.org/presentationml/2006/main">
+  <p:cSld>
+    <p:spTree>
+      <p:nvGrpSpPr>
+        <p:cNvPr id="1" name=""/>
+        <p:cNvGrpSpPr/>
+        <p:nvPr/>
+      </p:nvGrpSpPr>
+      <p:grpSpPr>
+        <a:xfrm>
+          <a:off x="0" y="0"/>
+          <a:ext cx="0" cy="0"/>
+          <a:chOff x="0" y="0"/>
+          <a:chExt cx="0" cy="0"/>
+        </a:xfrm>
+      </p:grpSpPr>
+      <p:cxnSp>
+        <p:nvCxnSpPr>
+          <p:cNvPr id="5" name="Straight Connector 4">
+            <a:extLst>
+              <a:ext uri="{FF2B5EF4-FFF2-40B4-BE49-F238E27FC236}">
+                <a16:creationId xmlns:a16="http://schemas.microsoft.com/office/drawing/2014/main" id="{018CF28F-1E7A-E0C4-E4BB-E9AC5F78EAD5}"/>
+              </a:ext>
+            </a:extLst>
+          </p:cNvPr>
+          <p:cNvCxnSpPr>
+            <a:cxnSpLocks/>
+          </p:cNvCxnSpPr>
+          <p:nvPr/>
+        </p:nvCxnSpPr>
+        <p:spPr>
+          <a:xfrm>
+            <a:off x="1878496" y="1272208"/>
+            <a:ext cx="0" cy="3955775"/>
+          </a:xfrm>
+          <a:prstGeom prst="line">
+            <a:avLst/>
+          </a:prstGeom>
+        </p:spPr>
+        <p:style>
+          <a:lnRef idx="1">
+            <a:schemeClr val="accent1"/>
+          </a:lnRef>
+          <a:fillRef idx="0">
+            <a:schemeClr val="accent1"/>
+          </a:fillRef>
+          <a:effectRef idx="0">
+            <a:schemeClr val="accent1"/>
+          </a:effectRef>
+          <a:fontRef idx="minor">
+            <a:schemeClr val="tx1"/>
+          </a:fontRef>
+        </p:style>
+      </p:cxnSp>
+      <p:cxnSp>
+        <p:nvCxnSpPr>
+          <p:cNvPr id="7" name="Straight Connector 6">
+            <a:extLst>
+              <a:ext uri="{FF2B5EF4-FFF2-40B4-BE49-F238E27FC236}">
+                <a16:creationId xmlns:a16="http://schemas.microsoft.com/office/drawing/2014/main" id="{6B7C6B11-3454-B7F8-F0DB-235604288D3F}"/>
+              </a:ext>
+            </a:extLst>
+          </p:cNvPr>
+          <p:cNvCxnSpPr>
+            <a:cxnSpLocks/>
+          </p:cNvCxnSpPr>
+          <p:nvPr/>
+        </p:nvCxnSpPr>
+        <p:spPr>
+          <a:xfrm flipH="1">
+            <a:off x="1911627" y="5227983"/>
+            <a:ext cx="7530547" cy="0"/>
+          </a:xfrm>
+          <a:prstGeom prst="line">
+            <a:avLst/>
+          </a:prstGeom>
+        </p:spPr>
+        <p:style>
+          <a:lnRef idx="1">
+            <a:schemeClr val="accent1"/>
+          </a:lnRef>
+          <a:fillRef idx="0">
+            <a:schemeClr val="accent1"/>
+          </a:fillRef>
+          <a:effectRef idx="0">
+            <a:schemeClr val="accent1"/>
+          </a:effectRef>
+          <a:fontRef idx="minor">
+            <a:schemeClr val="tx1"/>
+          </a:fontRef>
+        </p:style>
+      </p:cxnSp>
+      <p:sp>
+        <p:nvSpPr>
+          <p:cNvPr id="9" name="TextBox 8">
+            <a:extLst>
+              <a:ext uri="{FF2B5EF4-FFF2-40B4-BE49-F238E27FC236}">
+                <a16:creationId xmlns:a16="http://schemas.microsoft.com/office/drawing/2014/main" id="{E60C272F-A638-11F3-FE1D-3257B763CF83}"/>
+              </a:ext>
+            </a:extLst>
+          </p:cNvPr>
+          <p:cNvSpPr txBox="1"/>
+          <p:nvPr/>
+        </p:nvSpPr>
+        <p:spPr>
+          <a:xfrm>
+            <a:off x="4675368" y="5923722"/>
+            <a:ext cx="2331719" cy="369332"/>
+          </a:xfrm>
+          <a:prstGeom prst="rect">
+            <a:avLst/>
+          </a:prstGeom>
+          <a:noFill/>
+        </p:spPr>
+        <p:txBody>
+          <a:bodyPr wrap="square" rtlCol="0">
+            <a:spAutoFit/>
+          </a:bodyPr>
+          <a:lstStyle/>
+          <a:p>
+            <a:r>
+              <a:rPr lang="en-US" dirty="0"/>
+              <a:t>hour</a:t>
+            </a:r>
+          </a:p>
+        </p:txBody>
+      </p:sp>
+      <p:sp>
+        <p:nvSpPr>
+          <p:cNvPr id="10" name="Freeform: Shape 9">
+            <a:extLst>
+              <a:ext uri="{FF2B5EF4-FFF2-40B4-BE49-F238E27FC236}">
+                <a16:creationId xmlns:a16="http://schemas.microsoft.com/office/drawing/2014/main" id="{20D3D8BA-6DC7-0FAF-FADF-96A049194439}"/>
+              </a:ext>
+            </a:extLst>
+          </p:cNvPr>
+          <p:cNvSpPr/>
+          <p:nvPr/>
+        </p:nvSpPr>
+        <p:spPr>
+          <a:xfrm>
+            <a:off x="2027583" y="2117035"/>
+            <a:ext cx="6261652" cy="2971800"/>
+          </a:xfrm>
+          <a:custGeom>
+            <a:avLst/>
+            <a:gdLst>
+              <a:gd name="connsiteX0" fmla="*/ 0 w 6261652"/>
+              <a:gd name="connsiteY0" fmla="*/ 2971800 h 2971800"/>
+              <a:gd name="connsiteX1" fmla="*/ 139147 w 6261652"/>
+              <a:gd name="connsiteY1" fmla="*/ 2951922 h 2971800"/>
+              <a:gd name="connsiteX2" fmla="*/ 327991 w 6261652"/>
+              <a:gd name="connsiteY2" fmla="*/ 2912165 h 2971800"/>
+              <a:gd name="connsiteX3" fmla="*/ 556591 w 6261652"/>
+              <a:gd name="connsiteY3" fmla="*/ 2892287 h 2971800"/>
+              <a:gd name="connsiteX4" fmla="*/ 705678 w 6261652"/>
+              <a:gd name="connsiteY4" fmla="*/ 2862469 h 2971800"/>
+              <a:gd name="connsiteX5" fmla="*/ 1033669 w 6261652"/>
+              <a:gd name="connsiteY5" fmla="*/ 2763078 h 2971800"/>
+              <a:gd name="connsiteX6" fmla="*/ 1222513 w 6261652"/>
+              <a:gd name="connsiteY6" fmla="*/ 2653748 h 2971800"/>
+              <a:gd name="connsiteX7" fmla="*/ 1311965 w 6261652"/>
+              <a:gd name="connsiteY7" fmla="*/ 2604052 h 2971800"/>
+              <a:gd name="connsiteX8" fmla="*/ 1520687 w 6261652"/>
+              <a:gd name="connsiteY8" fmla="*/ 2454965 h 2971800"/>
+              <a:gd name="connsiteX9" fmla="*/ 1769165 w 6261652"/>
+              <a:gd name="connsiteY9" fmla="*/ 2107095 h 2971800"/>
+              <a:gd name="connsiteX10" fmla="*/ 1838739 w 6261652"/>
+              <a:gd name="connsiteY10" fmla="*/ 2007704 h 2971800"/>
+              <a:gd name="connsiteX11" fmla="*/ 2017643 w 6261652"/>
+              <a:gd name="connsiteY11" fmla="*/ 1709530 h 2971800"/>
+              <a:gd name="connsiteX12" fmla="*/ 2186608 w 6261652"/>
+              <a:gd name="connsiteY12" fmla="*/ 1361661 h 2971800"/>
+              <a:gd name="connsiteX13" fmla="*/ 2216426 w 6261652"/>
+              <a:gd name="connsiteY13" fmla="*/ 1292087 h 2971800"/>
+              <a:gd name="connsiteX14" fmla="*/ 2256182 w 6261652"/>
+              <a:gd name="connsiteY14" fmla="*/ 1212574 h 2971800"/>
+              <a:gd name="connsiteX15" fmla="*/ 2276060 w 6261652"/>
+              <a:gd name="connsiteY15" fmla="*/ 1152939 h 2971800"/>
+              <a:gd name="connsiteX16" fmla="*/ 2345634 w 6261652"/>
+              <a:gd name="connsiteY16" fmla="*/ 964095 h 2971800"/>
+              <a:gd name="connsiteX17" fmla="*/ 2395330 w 6261652"/>
+              <a:gd name="connsiteY17" fmla="*/ 795130 h 2971800"/>
+              <a:gd name="connsiteX18" fmla="*/ 2534478 w 6261652"/>
+              <a:gd name="connsiteY18" fmla="*/ 506895 h 2971800"/>
+              <a:gd name="connsiteX19" fmla="*/ 2584174 w 6261652"/>
+              <a:gd name="connsiteY19" fmla="*/ 417443 h 2971800"/>
+              <a:gd name="connsiteX20" fmla="*/ 2633869 w 6261652"/>
+              <a:gd name="connsiteY20" fmla="*/ 327991 h 2971800"/>
+              <a:gd name="connsiteX21" fmla="*/ 2683565 w 6261652"/>
+              <a:gd name="connsiteY21" fmla="*/ 258417 h 2971800"/>
+              <a:gd name="connsiteX22" fmla="*/ 2723321 w 6261652"/>
+              <a:gd name="connsiteY22" fmla="*/ 208722 h 2971800"/>
+              <a:gd name="connsiteX23" fmla="*/ 2763078 w 6261652"/>
+              <a:gd name="connsiteY23" fmla="*/ 149087 h 2971800"/>
+              <a:gd name="connsiteX24" fmla="*/ 2812774 w 6261652"/>
+              <a:gd name="connsiteY24" fmla="*/ 99391 h 2971800"/>
+              <a:gd name="connsiteX25" fmla="*/ 2842591 w 6261652"/>
+              <a:gd name="connsiteY25" fmla="*/ 59635 h 2971800"/>
+              <a:gd name="connsiteX26" fmla="*/ 2961860 w 6261652"/>
+              <a:gd name="connsiteY26" fmla="*/ 19878 h 2971800"/>
+              <a:gd name="connsiteX27" fmla="*/ 3001617 w 6261652"/>
+              <a:gd name="connsiteY27" fmla="*/ 0 h 2971800"/>
+              <a:gd name="connsiteX28" fmla="*/ 3051313 w 6261652"/>
+              <a:gd name="connsiteY28" fmla="*/ 9939 h 2971800"/>
+              <a:gd name="connsiteX29" fmla="*/ 3110947 w 6261652"/>
+              <a:gd name="connsiteY29" fmla="*/ 19878 h 2971800"/>
+              <a:gd name="connsiteX30" fmla="*/ 3140765 w 6261652"/>
+              <a:gd name="connsiteY30" fmla="*/ 59635 h 2971800"/>
+              <a:gd name="connsiteX31" fmla="*/ 3200400 w 6261652"/>
+              <a:gd name="connsiteY31" fmla="*/ 119269 h 2971800"/>
+              <a:gd name="connsiteX32" fmla="*/ 3399182 w 6261652"/>
+              <a:gd name="connsiteY32" fmla="*/ 367748 h 2971800"/>
+              <a:gd name="connsiteX33" fmla="*/ 3588026 w 6261652"/>
+              <a:gd name="connsiteY33" fmla="*/ 695739 h 2971800"/>
+              <a:gd name="connsiteX34" fmla="*/ 3657600 w 6261652"/>
+              <a:gd name="connsiteY34" fmla="*/ 815008 h 2971800"/>
+              <a:gd name="connsiteX35" fmla="*/ 3727174 w 6261652"/>
+              <a:gd name="connsiteY35" fmla="*/ 964095 h 2971800"/>
+              <a:gd name="connsiteX36" fmla="*/ 3906078 w 6261652"/>
+              <a:gd name="connsiteY36" fmla="*/ 1302026 h 2971800"/>
+              <a:gd name="connsiteX37" fmla="*/ 3965713 w 6261652"/>
+              <a:gd name="connsiteY37" fmla="*/ 1441174 h 2971800"/>
+              <a:gd name="connsiteX38" fmla="*/ 4164495 w 6261652"/>
+              <a:gd name="connsiteY38" fmla="*/ 1808922 h 2971800"/>
+              <a:gd name="connsiteX39" fmla="*/ 4333460 w 6261652"/>
+              <a:gd name="connsiteY39" fmla="*/ 2057400 h 2971800"/>
+              <a:gd name="connsiteX40" fmla="*/ 4482547 w 6261652"/>
+              <a:gd name="connsiteY40" fmla="*/ 2266122 h 2971800"/>
+              <a:gd name="connsiteX41" fmla="*/ 4651513 w 6261652"/>
+              <a:gd name="connsiteY41" fmla="*/ 2405269 h 2971800"/>
+              <a:gd name="connsiteX42" fmla="*/ 4740965 w 6261652"/>
+              <a:gd name="connsiteY42" fmla="*/ 2454965 h 2971800"/>
+              <a:gd name="connsiteX43" fmla="*/ 4880113 w 6261652"/>
+              <a:gd name="connsiteY43" fmla="*/ 2524539 h 2971800"/>
+              <a:gd name="connsiteX44" fmla="*/ 5377069 w 6261652"/>
+              <a:gd name="connsiteY44" fmla="*/ 2693504 h 2971800"/>
+              <a:gd name="connsiteX45" fmla="*/ 5804452 w 6261652"/>
+              <a:gd name="connsiteY45" fmla="*/ 2782956 h 2971800"/>
+              <a:gd name="connsiteX46" fmla="*/ 5953539 w 6261652"/>
+              <a:gd name="connsiteY46" fmla="*/ 2792895 h 2971800"/>
+              <a:gd name="connsiteX47" fmla="*/ 6261652 w 6261652"/>
+              <a:gd name="connsiteY47" fmla="*/ 2812774 h 2971800"/>
+            </a:gdLst>
+            <a:ahLst/>
+            <a:cxnLst>
+              <a:cxn ang="0">
+                <a:pos x="connsiteX0" y="connsiteY0"/>
+              </a:cxn>
+              <a:cxn ang="0">
+                <a:pos x="connsiteX1" y="connsiteY1"/>
+              </a:cxn>
+              <a:cxn ang="0">
+                <a:pos x="connsiteX2" y="connsiteY2"/>
+              </a:cxn>
+              <a:cxn ang="0">
+                <a:pos x="connsiteX3" y="connsiteY3"/>
+              </a:cxn>
+              <a:cxn ang="0">
+                <a:pos x="connsiteX4" y="connsiteY4"/>
+              </a:cxn>
+              <a:cxn ang="0">
+                <a:pos x="connsiteX5" y="connsiteY5"/>
+              </a:cxn>
+              <a:cxn ang="0">
+                <a:pos x="connsiteX6" y="connsiteY6"/>
+              </a:cxn>
+              <a:cxn ang="0">
+                <a:pos x="connsiteX7" y="connsiteY7"/>
+              </a:cxn>
+              <a:cxn ang="0">
+                <a:pos x="connsiteX8" y="connsiteY8"/>
+              </a:cxn>
+              <a:cxn ang="0">
+                <a:pos x="connsiteX9" y="connsiteY9"/>
+              </a:cxn>
+              <a:cxn ang="0">
+                <a:pos x="connsiteX10" y="connsiteY10"/>
+              </a:cxn>
+              <a:cxn ang="0">
+                <a:pos x="connsiteX11" y="connsiteY11"/>
+              </a:cxn>
+              <a:cxn ang="0">
+                <a:pos x="connsiteX12" y="connsiteY12"/>
+              </a:cxn>
+              <a:cxn ang="0">
+                <a:pos x="connsiteX13" y="connsiteY13"/>
+              </a:cxn>
+              <a:cxn ang="0">
+                <a:pos x="connsiteX14" y="connsiteY14"/>
+              </a:cxn>
+              <a:cxn ang="0">
+                <a:pos x="connsiteX15" y="connsiteY15"/>
+              </a:cxn>
+              <a:cxn ang="0">
+                <a:pos x="connsiteX16" y="connsiteY16"/>
+              </a:cxn>
+              <a:cxn ang="0">
+                <a:pos x="connsiteX17" y="connsiteY17"/>
+              </a:cxn>
+              <a:cxn ang="0">
+                <a:pos x="connsiteX18" y="connsiteY18"/>
+              </a:cxn>
+              <a:cxn ang="0">
+                <a:pos x="connsiteX19" y="connsiteY19"/>
+              </a:cxn>
+              <a:cxn ang="0">
+                <a:pos x="connsiteX20" y="connsiteY20"/>
+              </a:cxn>
+              <a:cxn ang="0">
+                <a:pos x="connsiteX21" y="connsiteY21"/>
+              </a:cxn>
+              <a:cxn ang="0">
+                <a:pos x="connsiteX22" y="connsiteY22"/>
+              </a:cxn>
+              <a:cxn ang="0">
+                <a:pos x="connsiteX23" y="connsiteY23"/>
+              </a:cxn>
+              <a:cxn ang="0">
+                <a:pos x="connsiteX24" y="connsiteY24"/>
+              </a:cxn>
+              <a:cxn ang="0">
+                <a:pos x="connsiteX25" y="connsiteY25"/>
+              </a:cxn>
+              <a:cxn ang="0">
+                <a:pos x="connsiteX26" y="connsiteY26"/>
+              </a:cxn>
+              <a:cxn ang="0">
+                <a:pos x="connsiteX27" y="connsiteY27"/>
+              </a:cxn>
+              <a:cxn ang="0">
+                <a:pos x="connsiteX28" y="connsiteY28"/>
+              </a:cxn>
+              <a:cxn ang="0">
+                <a:pos x="connsiteX29" y="connsiteY29"/>
+              </a:cxn>
+              <a:cxn ang="0">
+                <a:pos x="connsiteX30" y="connsiteY30"/>
+              </a:cxn>
+              <a:cxn ang="0">
+                <a:pos x="connsiteX31" y="connsiteY31"/>
+              </a:cxn>
+              <a:cxn ang="0">
+                <a:pos x="connsiteX32" y="connsiteY32"/>
+              </a:cxn>
+              <a:cxn ang="0">
+                <a:pos x="connsiteX33" y="connsiteY33"/>
+              </a:cxn>
+              <a:cxn ang="0">
+                <a:pos x="connsiteX34" y="connsiteY34"/>
+              </a:cxn>
+              <a:cxn ang="0">
+                <a:pos x="connsiteX35" y="connsiteY35"/>
+              </a:cxn>
+              <a:cxn ang="0">
+                <a:pos x="connsiteX36" y="connsiteY36"/>
+              </a:cxn>
+              <a:cxn ang="0">
+                <a:pos x="connsiteX37" y="connsiteY37"/>
+              </a:cxn>
+              <a:cxn ang="0">
+                <a:pos x="connsiteX38" y="connsiteY38"/>
+              </a:cxn>
+              <a:cxn ang="0">
+                <a:pos x="connsiteX39" y="connsiteY39"/>
+              </a:cxn>
+              <a:cxn ang="0">
+                <a:pos x="connsiteX40" y="connsiteY40"/>
+              </a:cxn>
+              <a:cxn ang="0">
+                <a:pos x="connsiteX41" y="connsiteY41"/>
+              </a:cxn>
+              <a:cxn ang="0">
+                <a:pos x="connsiteX42" y="connsiteY42"/>
+              </a:cxn>
+              <a:cxn ang="0">
+                <a:pos x="connsiteX43" y="connsiteY43"/>
+              </a:cxn>
+              <a:cxn ang="0">
+                <a:pos x="connsiteX44" y="connsiteY44"/>
+              </a:cxn>
+              <a:cxn ang="0">
+                <a:pos x="connsiteX45" y="connsiteY45"/>
+              </a:cxn>
+              <a:cxn ang="0">
+                <a:pos x="connsiteX46" y="connsiteY46"/>
+              </a:cxn>
+              <a:cxn ang="0">
+                <a:pos x="connsiteX47" y="connsiteY47"/>
+              </a:cxn>
+            </a:cxnLst>
+            <a:rect l="l" t="t" r="r" b="b"/>
+            <a:pathLst>
+              <a:path w="6261652" h="2971800">
+                <a:moveTo>
+                  <a:pt x="0" y="2971800"/>
+                </a:moveTo>
+                <a:cubicBezTo>
+                  <a:pt x="145594" y="2942681"/>
+                  <a:pt x="-85159" y="2987339"/>
+                  <a:pt x="139147" y="2951922"/>
+                </a:cubicBezTo>
+                <a:cubicBezTo>
+                  <a:pt x="308856" y="2925125"/>
+                  <a:pt x="169065" y="2940211"/>
+                  <a:pt x="327991" y="2912165"/>
+                </a:cubicBezTo>
+                <a:cubicBezTo>
+                  <a:pt x="396487" y="2900078"/>
+                  <a:pt x="493549" y="2896490"/>
+                  <a:pt x="556591" y="2892287"/>
+                </a:cubicBezTo>
+                <a:cubicBezTo>
+                  <a:pt x="606287" y="2882348"/>
+                  <a:pt x="656997" y="2876561"/>
+                  <a:pt x="705678" y="2862469"/>
+                </a:cubicBezTo>
+                <a:cubicBezTo>
+                  <a:pt x="1136076" y="2737879"/>
+                  <a:pt x="784021" y="2813007"/>
+                  <a:pt x="1033669" y="2763078"/>
+                </a:cubicBezTo>
+                <a:cubicBezTo>
+                  <a:pt x="1227265" y="2666279"/>
+                  <a:pt x="1042109" y="2763994"/>
+                  <a:pt x="1222513" y="2653748"/>
+                </a:cubicBezTo>
+                <a:cubicBezTo>
+                  <a:pt x="1251618" y="2635962"/>
+                  <a:pt x="1283584" y="2622973"/>
+                  <a:pt x="1311965" y="2604052"/>
+                </a:cubicBezTo>
+                <a:cubicBezTo>
+                  <a:pt x="1383105" y="2556625"/>
+                  <a:pt x="1469867" y="2523722"/>
+                  <a:pt x="1520687" y="2454965"/>
+                </a:cubicBezTo>
+                <a:cubicBezTo>
+                  <a:pt x="1794835" y="2084058"/>
+                  <a:pt x="1598373" y="2357590"/>
+                  <a:pt x="1769165" y="2107095"/>
+                </a:cubicBezTo>
+                <a:cubicBezTo>
+                  <a:pt x="1791947" y="2073682"/>
+                  <a:pt x="1817932" y="2042382"/>
+                  <a:pt x="1838739" y="2007704"/>
+                </a:cubicBezTo>
+                <a:cubicBezTo>
+                  <a:pt x="1898374" y="1908313"/>
+                  <a:pt x="1967002" y="1813791"/>
+                  <a:pt x="2017643" y="1709530"/>
+                </a:cubicBezTo>
+                <a:cubicBezTo>
+                  <a:pt x="2073965" y="1593574"/>
+                  <a:pt x="2131185" y="1478049"/>
+                  <a:pt x="2186608" y="1361661"/>
+                </a:cubicBezTo>
+                <a:cubicBezTo>
+                  <a:pt x="2197456" y="1338880"/>
+                  <a:pt x="2205142" y="1314655"/>
+                  <a:pt x="2216426" y="1292087"/>
+                </a:cubicBezTo>
+                <a:cubicBezTo>
+                  <a:pt x="2229678" y="1265583"/>
+                  <a:pt x="2244509" y="1239811"/>
+                  <a:pt x="2256182" y="1212574"/>
+                </a:cubicBezTo>
+                <a:cubicBezTo>
+                  <a:pt x="2264436" y="1193315"/>
+                  <a:pt x="2268703" y="1172558"/>
+                  <a:pt x="2276060" y="1152939"/>
+                </a:cubicBezTo>
+                <a:cubicBezTo>
+                  <a:pt x="2322194" y="1029915"/>
+                  <a:pt x="2309198" y="1082511"/>
+                  <a:pt x="2345634" y="964095"/>
+                </a:cubicBezTo>
+                <a:cubicBezTo>
+                  <a:pt x="2362899" y="907984"/>
+                  <a:pt x="2372750" y="849321"/>
+                  <a:pt x="2395330" y="795130"/>
+                </a:cubicBezTo>
+                <a:cubicBezTo>
+                  <a:pt x="2465204" y="627436"/>
+                  <a:pt x="2431286" y="698537"/>
+                  <a:pt x="2534478" y="506895"/>
+                </a:cubicBezTo>
+                <a:cubicBezTo>
+                  <a:pt x="2550649" y="476862"/>
+                  <a:pt x="2567609" y="447260"/>
+                  <a:pt x="2584174" y="417443"/>
+                </a:cubicBezTo>
+                <a:cubicBezTo>
+                  <a:pt x="2600739" y="387626"/>
+                  <a:pt x="2614043" y="355747"/>
+                  <a:pt x="2633869" y="327991"/>
+                </a:cubicBezTo>
+                <a:cubicBezTo>
+                  <a:pt x="2650434" y="304800"/>
+                  <a:pt x="2666465" y="281217"/>
+                  <a:pt x="2683565" y="258417"/>
+                </a:cubicBezTo>
+                <a:cubicBezTo>
+                  <a:pt x="2696293" y="241446"/>
+                  <a:pt x="2710844" y="225878"/>
+                  <a:pt x="2723321" y="208722"/>
+                </a:cubicBezTo>
+                <a:cubicBezTo>
+                  <a:pt x="2737373" y="189401"/>
+                  <a:pt x="2747949" y="167577"/>
+                  <a:pt x="2763078" y="149087"/>
+                </a:cubicBezTo>
+                <a:cubicBezTo>
+                  <a:pt x="2777913" y="130956"/>
+                  <a:pt x="2797210" y="116900"/>
+                  <a:pt x="2812774" y="99391"/>
+                </a:cubicBezTo>
+                <a:cubicBezTo>
+                  <a:pt x="2823779" y="87010"/>
+                  <a:pt x="2827975" y="67430"/>
+                  <a:pt x="2842591" y="59635"/>
+                </a:cubicBezTo>
+                <a:cubicBezTo>
+                  <a:pt x="2879568" y="39914"/>
+                  <a:pt x="2924377" y="38619"/>
+                  <a:pt x="2961860" y="19878"/>
+                </a:cubicBezTo>
+                <a:lnTo>
+                  <a:pt x="3001617" y="0"/>
+                </a:lnTo>
+                <a:lnTo>
+                  <a:pt x="3051313" y="9939"/>
+                </a:lnTo>
+                <a:cubicBezTo>
+                  <a:pt x="3071140" y="13544"/>
+                  <a:pt x="3093331" y="10091"/>
+                  <a:pt x="3110947" y="19878"/>
+                </a:cubicBezTo>
+                <a:cubicBezTo>
+                  <a:pt x="3125428" y="27923"/>
+                  <a:pt x="3129683" y="47322"/>
+                  <a:pt x="3140765" y="59635"/>
+                </a:cubicBezTo>
+                <a:cubicBezTo>
+                  <a:pt x="3159571" y="80530"/>
+                  <a:pt x="3181332" y="98612"/>
+                  <a:pt x="3200400" y="119269"/>
+                </a:cubicBezTo>
+                <a:cubicBezTo>
+                  <a:pt x="3251138" y="174236"/>
+                  <a:pt x="3384892" y="342741"/>
+                  <a:pt x="3399182" y="367748"/>
+                </a:cubicBezTo>
+                <a:cubicBezTo>
+                  <a:pt x="3541249" y="616364"/>
+                  <a:pt x="3478098" y="507292"/>
+                  <a:pt x="3588026" y="695739"/>
+                </a:cubicBezTo>
+                <a:cubicBezTo>
+                  <a:pt x="3611217" y="735495"/>
+                  <a:pt x="3638136" y="773300"/>
+                  <a:pt x="3657600" y="815008"/>
+                </a:cubicBezTo>
+                <a:cubicBezTo>
+                  <a:pt x="3680791" y="864704"/>
+                  <a:pt x="3702251" y="915245"/>
+                  <a:pt x="3727174" y="964095"/>
+                </a:cubicBezTo>
+                <a:cubicBezTo>
+                  <a:pt x="3785099" y="1077627"/>
+                  <a:pt x="3855871" y="1184876"/>
+                  <a:pt x="3906078" y="1302026"/>
+                </a:cubicBezTo>
+                <a:cubicBezTo>
+                  <a:pt x="3925956" y="1348409"/>
+                  <a:pt x="3943637" y="1395796"/>
+                  <a:pt x="3965713" y="1441174"/>
+                </a:cubicBezTo>
+                <a:cubicBezTo>
+                  <a:pt x="3993989" y="1499298"/>
+                  <a:pt x="4114256" y="1730549"/>
+                  <a:pt x="4164495" y="1808922"/>
+                </a:cubicBezTo>
+                <a:cubicBezTo>
+                  <a:pt x="4218549" y="1893246"/>
+                  <a:pt x="4276816" y="1974794"/>
+                  <a:pt x="4333460" y="2057400"/>
+                </a:cubicBezTo>
+                <a:cubicBezTo>
+                  <a:pt x="4344748" y="2073862"/>
+                  <a:pt x="4472990" y="2257627"/>
+                  <a:pt x="4482547" y="2266122"/>
+                </a:cubicBezTo>
+                <a:cubicBezTo>
+                  <a:pt x="4539648" y="2316878"/>
+                  <a:pt x="4587515" y="2363858"/>
+                  <a:pt x="4651513" y="2405269"/>
+                </a:cubicBezTo>
+                <a:cubicBezTo>
+                  <a:pt x="4680151" y="2423799"/>
+                  <a:pt x="4710724" y="2439187"/>
+                  <a:pt x="4740965" y="2454965"/>
+                </a:cubicBezTo>
+                <a:cubicBezTo>
+                  <a:pt x="4786941" y="2478953"/>
+                  <a:pt x="4832515" y="2503956"/>
+                  <a:pt x="4880113" y="2524539"/>
+                </a:cubicBezTo>
+                <a:cubicBezTo>
+                  <a:pt x="5055613" y="2600431"/>
+                  <a:pt x="5189862" y="2644969"/>
+                  <a:pt x="5377069" y="2693504"/>
+                </a:cubicBezTo>
+                <a:cubicBezTo>
+                  <a:pt x="5416773" y="2703798"/>
+                  <a:pt x="5720924" y="2772178"/>
+                  <a:pt x="5804452" y="2782956"/>
+                </a:cubicBezTo>
+                <a:cubicBezTo>
+                  <a:pt x="5853848" y="2789330"/>
+                  <a:pt x="5903843" y="2789582"/>
+                  <a:pt x="5953539" y="2792895"/>
+                </a:cubicBezTo>
+                <a:cubicBezTo>
+                  <a:pt x="6148443" y="2820739"/>
+                  <a:pt x="6045833" y="2812774"/>
+                  <a:pt x="6261652" y="2812774"/>
+                </a:cubicBezTo>
+              </a:path>
+            </a:pathLst>
+          </a:custGeom>
+          <a:noFill/>
+        </p:spPr>
+        <p:style>
+          <a:lnRef idx="2">
+            <a:schemeClr val="accent1">
+              <a:shade val="15000"/>
+            </a:schemeClr>
+          </a:lnRef>
+          <a:fillRef idx="1">
+            <a:schemeClr val="accent1"/>
+          </a:fillRef>
+          <a:effectRef idx="0">
+            <a:schemeClr val="accent1"/>
+          </a:effectRef>
+          <a:fontRef idx="minor">
+            <a:schemeClr val="lt1"/>
+          </a:fontRef>
+        </p:style>
+        <p:txBody>
+          <a:bodyPr rtlCol="0" anchor="ctr"/>
+          <a:lstStyle/>
+          <a:p>
+            <a:pPr algn="ctr"/>
+            <a:endParaRPr lang="en-US"/>
+          </a:p>
+        </p:txBody>
+      </p:sp>
+      <p:sp>
+        <p:nvSpPr>
+          <p:cNvPr id="11" name="Freeform: Shape 10">
+            <a:extLst>
+              <a:ext uri="{FF2B5EF4-FFF2-40B4-BE49-F238E27FC236}">
+                <a16:creationId xmlns:a16="http://schemas.microsoft.com/office/drawing/2014/main" id="{F5CB0131-FF4B-A4FA-259D-03D01F43AC98}"/>
+              </a:ext>
+            </a:extLst>
+          </p:cNvPr>
+          <p:cNvSpPr/>
+          <p:nvPr/>
+        </p:nvSpPr>
+        <p:spPr>
+          <a:xfrm>
+            <a:off x="2097157" y="1997765"/>
+            <a:ext cx="7404665" cy="3130826"/>
+          </a:xfrm>
+          <a:custGeom>
+            <a:avLst/>
+            <a:gdLst>
+              <a:gd name="connsiteX0" fmla="*/ 0 w 7404665"/>
+              <a:gd name="connsiteY0" fmla="*/ 3081131 h 3130826"/>
+              <a:gd name="connsiteX1" fmla="*/ 139147 w 7404665"/>
+              <a:gd name="connsiteY1" fmla="*/ 2971800 h 3130826"/>
+              <a:gd name="connsiteX2" fmla="*/ 228600 w 7404665"/>
+              <a:gd name="connsiteY2" fmla="*/ 2902226 h 3130826"/>
+              <a:gd name="connsiteX3" fmla="*/ 258417 w 7404665"/>
+              <a:gd name="connsiteY3" fmla="*/ 2862470 h 3130826"/>
+              <a:gd name="connsiteX4" fmla="*/ 337930 w 7404665"/>
+              <a:gd name="connsiteY4" fmla="*/ 2713383 h 3130826"/>
+              <a:gd name="connsiteX5" fmla="*/ 437321 w 7404665"/>
+              <a:gd name="connsiteY5" fmla="*/ 2484783 h 3130826"/>
+              <a:gd name="connsiteX6" fmla="*/ 506895 w 7404665"/>
+              <a:gd name="connsiteY6" fmla="*/ 2365513 h 3130826"/>
+              <a:gd name="connsiteX7" fmla="*/ 646043 w 7404665"/>
+              <a:gd name="connsiteY7" fmla="*/ 2057400 h 3130826"/>
+              <a:gd name="connsiteX8" fmla="*/ 775252 w 7404665"/>
+              <a:gd name="connsiteY8" fmla="*/ 1818861 h 3130826"/>
+              <a:gd name="connsiteX9" fmla="*/ 1023730 w 7404665"/>
+              <a:gd name="connsiteY9" fmla="*/ 1361661 h 3130826"/>
+              <a:gd name="connsiteX10" fmla="*/ 1272208 w 7404665"/>
+              <a:gd name="connsiteY10" fmla="*/ 854765 h 3130826"/>
+              <a:gd name="connsiteX11" fmla="*/ 1371600 w 7404665"/>
+              <a:gd name="connsiteY11" fmla="*/ 655983 h 3130826"/>
+              <a:gd name="connsiteX12" fmla="*/ 1451113 w 7404665"/>
+              <a:gd name="connsiteY12" fmla="*/ 536713 h 3130826"/>
+              <a:gd name="connsiteX13" fmla="*/ 1510747 w 7404665"/>
+              <a:gd name="connsiteY13" fmla="*/ 417444 h 3130826"/>
+              <a:gd name="connsiteX14" fmla="*/ 1560443 w 7404665"/>
+              <a:gd name="connsiteY14" fmla="*/ 337931 h 3130826"/>
+              <a:gd name="connsiteX15" fmla="*/ 1580321 w 7404665"/>
+              <a:gd name="connsiteY15" fmla="*/ 298174 h 3130826"/>
+              <a:gd name="connsiteX16" fmla="*/ 1610139 w 7404665"/>
+              <a:gd name="connsiteY16" fmla="*/ 268357 h 3130826"/>
+              <a:gd name="connsiteX17" fmla="*/ 1630017 w 7404665"/>
+              <a:gd name="connsiteY17" fmla="*/ 238539 h 3130826"/>
+              <a:gd name="connsiteX18" fmla="*/ 1659834 w 7404665"/>
+              <a:gd name="connsiteY18" fmla="*/ 188844 h 3130826"/>
+              <a:gd name="connsiteX19" fmla="*/ 1699591 w 7404665"/>
+              <a:gd name="connsiteY19" fmla="*/ 159026 h 3130826"/>
+              <a:gd name="connsiteX20" fmla="*/ 1739347 w 7404665"/>
+              <a:gd name="connsiteY20" fmla="*/ 109331 h 3130826"/>
+              <a:gd name="connsiteX21" fmla="*/ 1769165 w 7404665"/>
+              <a:gd name="connsiteY21" fmla="*/ 79513 h 3130826"/>
+              <a:gd name="connsiteX22" fmla="*/ 1789043 w 7404665"/>
+              <a:gd name="connsiteY22" fmla="*/ 49696 h 3130826"/>
+              <a:gd name="connsiteX23" fmla="*/ 1868556 w 7404665"/>
+              <a:gd name="connsiteY23" fmla="*/ 0 h 3130826"/>
+              <a:gd name="connsiteX24" fmla="*/ 1908313 w 7404665"/>
+              <a:gd name="connsiteY24" fmla="*/ 1739348 h 3130826"/>
+              <a:gd name="connsiteX25" fmla="*/ 1948069 w 7404665"/>
+              <a:gd name="connsiteY25" fmla="*/ 2007705 h 3130826"/>
+              <a:gd name="connsiteX26" fmla="*/ 2057400 w 7404665"/>
+              <a:gd name="connsiteY26" fmla="*/ 2385392 h 3130826"/>
+              <a:gd name="connsiteX27" fmla="*/ 2087217 w 7404665"/>
+              <a:gd name="connsiteY27" fmla="*/ 2425148 h 3130826"/>
+              <a:gd name="connsiteX28" fmla="*/ 2226365 w 7404665"/>
+              <a:gd name="connsiteY28" fmla="*/ 2643809 h 3130826"/>
+              <a:gd name="connsiteX29" fmla="*/ 2405269 w 7404665"/>
+              <a:gd name="connsiteY29" fmla="*/ 2872409 h 3130826"/>
+              <a:gd name="connsiteX30" fmla="*/ 2613991 w 7404665"/>
+              <a:gd name="connsiteY30" fmla="*/ 2981739 h 3130826"/>
+              <a:gd name="connsiteX31" fmla="*/ 2723321 w 7404665"/>
+              <a:gd name="connsiteY31" fmla="*/ 2991678 h 3130826"/>
+              <a:gd name="connsiteX32" fmla="*/ 3021495 w 7404665"/>
+              <a:gd name="connsiteY32" fmla="*/ 2971800 h 3130826"/>
+              <a:gd name="connsiteX33" fmla="*/ 3180521 w 7404665"/>
+              <a:gd name="connsiteY33" fmla="*/ 2842592 h 3130826"/>
+              <a:gd name="connsiteX34" fmla="*/ 3319669 w 7404665"/>
+              <a:gd name="connsiteY34" fmla="*/ 2663687 h 3130826"/>
+              <a:gd name="connsiteX35" fmla="*/ 3548269 w 7404665"/>
+              <a:gd name="connsiteY35" fmla="*/ 2126974 h 3130826"/>
+              <a:gd name="connsiteX36" fmla="*/ 3578086 w 7404665"/>
+              <a:gd name="connsiteY36" fmla="*/ 1928192 h 3130826"/>
+              <a:gd name="connsiteX37" fmla="*/ 3637721 w 7404665"/>
+              <a:gd name="connsiteY37" fmla="*/ 1649896 h 3130826"/>
+              <a:gd name="connsiteX38" fmla="*/ 3697356 w 7404665"/>
+              <a:gd name="connsiteY38" fmla="*/ 1222513 h 3130826"/>
+              <a:gd name="connsiteX39" fmla="*/ 3796747 w 7404665"/>
+              <a:gd name="connsiteY39" fmla="*/ 655983 h 3130826"/>
+              <a:gd name="connsiteX40" fmla="*/ 3816626 w 7404665"/>
+              <a:gd name="connsiteY40" fmla="*/ 556592 h 3130826"/>
+              <a:gd name="connsiteX41" fmla="*/ 3826565 w 7404665"/>
+              <a:gd name="connsiteY41" fmla="*/ 496957 h 3130826"/>
+              <a:gd name="connsiteX42" fmla="*/ 3906078 w 7404665"/>
+              <a:gd name="connsiteY42" fmla="*/ 427383 h 3130826"/>
+              <a:gd name="connsiteX43" fmla="*/ 4015408 w 7404665"/>
+              <a:gd name="connsiteY43" fmla="*/ 655983 h 3130826"/>
+              <a:gd name="connsiteX44" fmla="*/ 4244008 w 7404665"/>
+              <a:gd name="connsiteY44" fmla="*/ 1202635 h 3130826"/>
+              <a:gd name="connsiteX45" fmla="*/ 4452730 w 7404665"/>
+              <a:gd name="connsiteY45" fmla="*/ 1610139 h 3130826"/>
+              <a:gd name="connsiteX46" fmla="*/ 4581939 w 7404665"/>
+              <a:gd name="connsiteY46" fmla="*/ 1878496 h 3130826"/>
+              <a:gd name="connsiteX47" fmla="*/ 4959626 w 7404665"/>
+              <a:gd name="connsiteY47" fmla="*/ 2524539 h 3130826"/>
+              <a:gd name="connsiteX48" fmla="*/ 5357191 w 7404665"/>
+              <a:gd name="connsiteY48" fmla="*/ 2832652 h 3130826"/>
+              <a:gd name="connsiteX49" fmla="*/ 6202017 w 7404665"/>
+              <a:gd name="connsiteY49" fmla="*/ 3041374 h 3130826"/>
+              <a:gd name="connsiteX50" fmla="*/ 7146234 w 7404665"/>
+              <a:gd name="connsiteY50" fmla="*/ 3130826 h 3130826"/>
+              <a:gd name="connsiteX51" fmla="*/ 7325139 w 7404665"/>
+              <a:gd name="connsiteY51" fmla="*/ 3110948 h 3130826"/>
+              <a:gd name="connsiteX52" fmla="*/ 7404652 w 7404665"/>
+              <a:gd name="connsiteY52" fmla="*/ 3061252 h 3130826"/>
+            </a:gdLst>
+            <a:ahLst/>
+            <a:cxnLst>
+              <a:cxn ang="0">
+                <a:pos x="connsiteX0" y="connsiteY0"/>
+              </a:cxn>
+              <a:cxn ang="0">
+                <a:pos x="connsiteX1" y="connsiteY1"/>
+              </a:cxn>
+              <a:cxn ang="0">
+                <a:pos x="connsiteX2" y="connsiteY2"/>
+              </a:cxn>
+              <a:cxn ang="0">
+                <a:pos x="connsiteX3" y="connsiteY3"/>
+              </a:cxn>
+              <a:cxn ang="0">
+                <a:pos x="connsiteX4" y="connsiteY4"/>
+              </a:cxn>
+              <a:cxn ang="0">
+                <a:pos x="connsiteX5" y="connsiteY5"/>
+              </a:cxn>
+              <a:cxn ang="0">
+                <a:pos x="connsiteX6" y="connsiteY6"/>
+              </a:cxn>
+              <a:cxn ang="0">
+                <a:pos x="connsiteX7" y="connsiteY7"/>
+              </a:cxn>
+              <a:cxn ang="0">
+                <a:pos x="connsiteX8" y="connsiteY8"/>
+              </a:cxn>
+              <a:cxn ang="0">
+                <a:pos x="connsiteX9" y="connsiteY9"/>
+              </a:cxn>
+              <a:cxn ang="0">
+                <a:pos x="connsiteX10" y="connsiteY10"/>
+              </a:cxn>
+              <a:cxn ang="0">
+                <a:pos x="connsiteX11" y="connsiteY11"/>
+              </a:cxn>
+              <a:cxn ang="0">
+                <a:pos x="connsiteX12" y="connsiteY12"/>
+              </a:cxn>
+              <a:cxn ang="0">
+                <a:pos x="connsiteX13" y="connsiteY13"/>
+              </a:cxn>
+              <a:cxn ang="0">
+                <a:pos x="connsiteX14" y="connsiteY14"/>
+              </a:cxn>
+              <a:cxn ang="0">
+                <a:pos x="connsiteX15" y="connsiteY15"/>
+              </a:cxn>
+              <a:cxn ang="0">
+                <a:pos x="connsiteX16" y="connsiteY16"/>
+              </a:cxn>
+              <a:cxn ang="0">
+                <a:pos x="connsiteX17" y="connsiteY17"/>
+              </a:cxn>
+              <a:cxn ang="0">
+                <a:pos x="connsiteX18" y="connsiteY18"/>
+              </a:cxn>
+              <a:cxn ang="0">
+                <a:pos x="connsiteX19" y="connsiteY19"/>
+              </a:cxn>
+              <a:cxn ang="0">
+                <a:pos x="connsiteX20" y="connsiteY20"/>
+              </a:cxn>
+              <a:cxn ang="0">
+                <a:pos x="connsiteX21" y="connsiteY21"/>
+              </a:cxn>
+              <a:cxn ang="0">
+                <a:pos x="connsiteX22" y="connsiteY22"/>
+              </a:cxn>
+              <a:cxn ang="0">
+                <a:pos x="connsiteX23" y="connsiteY23"/>
+              </a:cxn>
+              <a:cxn ang="0">
+                <a:pos x="connsiteX24" y="connsiteY24"/>
+              </a:cxn>
+              <a:cxn ang="0">
+                <a:pos x="connsiteX25" y="connsiteY25"/>
+              </a:cxn>
+              <a:cxn ang="0">
+                <a:pos x="connsiteX26" y="connsiteY26"/>
+              </a:cxn>
+              <a:cxn ang="0">
+                <a:pos x="connsiteX27" y="connsiteY27"/>
+              </a:cxn>
+              <a:cxn ang="0">
+                <a:pos x="connsiteX28" y="connsiteY28"/>
+              </a:cxn>
+              <a:cxn ang="0">
+                <a:pos x="connsiteX29" y="connsiteY29"/>
+              </a:cxn>
+              <a:cxn ang="0">
+                <a:pos x="connsiteX30" y="connsiteY30"/>
+              </a:cxn>
+              <a:cxn ang="0">
+                <a:pos x="connsiteX31" y="connsiteY31"/>
+              </a:cxn>
+              <a:cxn ang="0">
+                <a:pos x="connsiteX32" y="connsiteY32"/>
+              </a:cxn>
+              <a:cxn ang="0">
+                <a:pos x="connsiteX33" y="connsiteY33"/>
+              </a:cxn>
+              <a:cxn ang="0">
+                <a:pos x="connsiteX34" y="connsiteY34"/>
+              </a:cxn>
+              <a:cxn ang="0">
+                <a:pos x="connsiteX35" y="connsiteY35"/>
+              </a:cxn>
+              <a:cxn ang="0">
+                <a:pos x="connsiteX36" y="connsiteY36"/>
+              </a:cxn>
+              <a:cxn ang="0">
+                <a:pos x="connsiteX37" y="connsiteY37"/>
+              </a:cxn>
+              <a:cxn ang="0">
+                <a:pos x="connsiteX38" y="connsiteY38"/>
+              </a:cxn>
+              <a:cxn ang="0">
+                <a:pos x="connsiteX39" y="connsiteY39"/>
+              </a:cxn>
+              <a:cxn ang="0">
+                <a:pos x="connsiteX40" y="connsiteY40"/>
+              </a:cxn>
+              <a:cxn ang="0">
+                <a:pos x="connsiteX41" y="connsiteY41"/>
+              </a:cxn>
+              <a:cxn ang="0">
+                <a:pos x="connsiteX42" y="connsiteY42"/>
+              </a:cxn>
+              <a:cxn ang="0">
+                <a:pos x="connsiteX43" y="connsiteY43"/>
+              </a:cxn>
+              <a:cxn ang="0">
+                <a:pos x="connsiteX44" y="connsiteY44"/>
+              </a:cxn>
+              <a:cxn ang="0">
+                <a:pos x="connsiteX45" y="connsiteY45"/>
+              </a:cxn>
+              <a:cxn ang="0">
+                <a:pos x="connsiteX46" y="connsiteY46"/>
+              </a:cxn>
+              <a:cxn ang="0">
+                <a:pos x="connsiteX47" y="connsiteY47"/>
+              </a:cxn>
+              <a:cxn ang="0">
+                <a:pos x="connsiteX48" y="connsiteY48"/>
+              </a:cxn>
+              <a:cxn ang="0">
+                <a:pos x="connsiteX49" y="connsiteY49"/>
+              </a:cxn>
+              <a:cxn ang="0">
+                <a:pos x="connsiteX50" y="connsiteY50"/>
+              </a:cxn>
+              <a:cxn ang="0">
+                <a:pos x="connsiteX51" y="connsiteY51"/>
+              </a:cxn>
+              <a:cxn ang="0">
+                <a:pos x="connsiteX52" y="connsiteY52"/>
+              </a:cxn>
+            </a:cxnLst>
+            <a:rect l="l" t="t" r="r" b="b"/>
+            <a:pathLst>
+              <a:path w="7404665" h="3130826">
+                <a:moveTo>
+                  <a:pt x="0" y="3081131"/>
+                </a:moveTo>
+                <a:lnTo>
+                  <a:pt x="139147" y="2971800"/>
+                </a:lnTo>
+                <a:cubicBezTo>
+                  <a:pt x="168895" y="2948519"/>
+                  <a:pt x="205935" y="2932446"/>
+                  <a:pt x="228600" y="2902226"/>
+                </a:cubicBezTo>
+                <a:cubicBezTo>
+                  <a:pt x="238539" y="2888974"/>
+                  <a:pt x="249524" y="2876445"/>
+                  <a:pt x="258417" y="2862470"/>
+                </a:cubicBezTo>
+                <a:cubicBezTo>
+                  <a:pt x="282210" y="2825081"/>
+                  <a:pt x="320248" y="2752537"/>
+                  <a:pt x="337930" y="2713383"/>
+                </a:cubicBezTo>
+                <a:cubicBezTo>
+                  <a:pt x="372129" y="2637657"/>
+                  <a:pt x="395454" y="2556555"/>
+                  <a:pt x="437321" y="2484783"/>
+                </a:cubicBezTo>
+                <a:cubicBezTo>
+                  <a:pt x="460512" y="2445026"/>
+                  <a:pt x="486697" y="2406871"/>
+                  <a:pt x="506895" y="2365513"/>
+                </a:cubicBezTo>
+                <a:cubicBezTo>
+                  <a:pt x="556348" y="2264251"/>
+                  <a:pt x="592369" y="2156489"/>
+                  <a:pt x="646043" y="2057400"/>
+                </a:cubicBezTo>
+                <a:cubicBezTo>
+                  <a:pt x="689113" y="1977887"/>
+                  <a:pt x="731139" y="1897800"/>
+                  <a:pt x="775252" y="1818861"/>
+                </a:cubicBezTo>
+                <a:cubicBezTo>
+                  <a:pt x="885605" y="1621388"/>
+                  <a:pt x="882010" y="1692341"/>
+                  <a:pt x="1023730" y="1361661"/>
+                </a:cubicBezTo>
+                <a:cubicBezTo>
+                  <a:pt x="1222095" y="898811"/>
+                  <a:pt x="1054646" y="1261511"/>
+                  <a:pt x="1272208" y="854765"/>
+                </a:cubicBezTo>
+                <a:cubicBezTo>
+                  <a:pt x="1307149" y="789441"/>
+                  <a:pt x="1335280" y="720551"/>
+                  <a:pt x="1371600" y="655983"/>
+                </a:cubicBezTo>
+                <a:cubicBezTo>
+                  <a:pt x="1395025" y="614338"/>
+                  <a:pt x="1427037" y="577986"/>
+                  <a:pt x="1451113" y="536713"/>
+                </a:cubicBezTo>
+                <a:cubicBezTo>
+                  <a:pt x="1473509" y="498319"/>
+                  <a:pt x="1489326" y="456391"/>
+                  <a:pt x="1510747" y="417444"/>
+                </a:cubicBezTo>
+                <a:cubicBezTo>
+                  <a:pt x="1525809" y="390058"/>
+                  <a:pt x="1544694" y="364929"/>
+                  <a:pt x="1560443" y="337931"/>
+                </a:cubicBezTo>
+                <a:cubicBezTo>
+                  <a:pt x="1567909" y="325133"/>
+                  <a:pt x="1571709" y="310231"/>
+                  <a:pt x="1580321" y="298174"/>
+                </a:cubicBezTo>
+                <a:cubicBezTo>
+                  <a:pt x="1588491" y="286736"/>
+                  <a:pt x="1601140" y="279155"/>
+                  <a:pt x="1610139" y="268357"/>
+                </a:cubicBezTo>
+                <a:cubicBezTo>
+                  <a:pt x="1617786" y="259180"/>
+                  <a:pt x="1623686" y="248669"/>
+                  <a:pt x="1630017" y="238539"/>
+                </a:cubicBezTo>
+                <a:cubicBezTo>
+                  <a:pt x="1640255" y="222157"/>
+                  <a:pt x="1647113" y="203382"/>
+                  <a:pt x="1659834" y="188844"/>
+                </a:cubicBezTo>
+                <a:cubicBezTo>
+                  <a:pt x="1670742" y="176377"/>
+                  <a:pt x="1687877" y="170740"/>
+                  <a:pt x="1699591" y="159026"/>
+                </a:cubicBezTo>
+                <a:cubicBezTo>
+                  <a:pt x="1714591" y="144026"/>
+                  <a:pt x="1725378" y="125296"/>
+                  <a:pt x="1739347" y="109331"/>
+                </a:cubicBezTo>
+                <a:cubicBezTo>
+                  <a:pt x="1748603" y="98753"/>
+                  <a:pt x="1760166" y="90311"/>
+                  <a:pt x="1769165" y="79513"/>
+                </a:cubicBezTo>
+                <a:cubicBezTo>
+                  <a:pt x="1776812" y="70336"/>
+                  <a:pt x="1780596" y="58143"/>
+                  <a:pt x="1789043" y="49696"/>
+                </a:cubicBezTo>
+                <a:cubicBezTo>
+                  <a:pt x="1814849" y="23890"/>
+                  <a:pt x="1837063" y="15747"/>
+                  <a:pt x="1868556" y="0"/>
+                </a:cubicBezTo>
+                <a:cubicBezTo>
+                  <a:pt x="1971954" y="620400"/>
+                  <a:pt x="1839276" y="-193686"/>
+                  <a:pt x="1908313" y="1739348"/>
+                </a:cubicBezTo>
+                <a:cubicBezTo>
+                  <a:pt x="1911541" y="1829719"/>
+                  <a:pt x="1929748" y="1919152"/>
+                  <a:pt x="1948069" y="2007705"/>
+                </a:cubicBezTo>
+                <a:cubicBezTo>
+                  <a:pt x="1956309" y="2047534"/>
+                  <a:pt x="2004253" y="2287956"/>
+                  <a:pt x="2057400" y="2385392"/>
+                </a:cubicBezTo>
+                <a:cubicBezTo>
+                  <a:pt x="2065332" y="2399934"/>
+                  <a:pt x="2078152" y="2411284"/>
+                  <a:pt x="2087217" y="2425148"/>
+                </a:cubicBezTo>
+                <a:cubicBezTo>
+                  <a:pt x="2134496" y="2497457"/>
+                  <a:pt x="2179529" y="2571213"/>
+                  <a:pt x="2226365" y="2643809"/>
+                </a:cubicBezTo>
+                <a:cubicBezTo>
+                  <a:pt x="2267245" y="2707172"/>
+                  <a:pt x="2352416" y="2837174"/>
+                  <a:pt x="2405269" y="2872409"/>
+                </a:cubicBezTo>
+                <a:cubicBezTo>
+                  <a:pt x="2481891" y="2923491"/>
+                  <a:pt x="2520130" y="2957254"/>
+                  <a:pt x="2613991" y="2981739"/>
+                </a:cubicBezTo>
+                <a:cubicBezTo>
+                  <a:pt x="2649400" y="2990976"/>
+                  <a:pt x="2686878" y="2988365"/>
+                  <a:pt x="2723321" y="2991678"/>
+                </a:cubicBezTo>
+                <a:cubicBezTo>
+                  <a:pt x="2822712" y="2985052"/>
+                  <a:pt x="2924434" y="2994199"/>
+                  <a:pt x="3021495" y="2971800"/>
+                </a:cubicBezTo>
+                <a:cubicBezTo>
+                  <a:pt x="3033595" y="2969008"/>
+                  <a:pt x="3164309" y="2857646"/>
+                  <a:pt x="3180521" y="2842592"/>
+                </a:cubicBezTo>
+                <a:cubicBezTo>
+                  <a:pt x="3248885" y="2779111"/>
+                  <a:pt x="3274310" y="2752433"/>
+                  <a:pt x="3319669" y="2663687"/>
+                </a:cubicBezTo>
+                <a:cubicBezTo>
+                  <a:pt x="3473247" y="2363209"/>
+                  <a:pt x="3457497" y="2386322"/>
+                  <a:pt x="3548269" y="2126974"/>
+                </a:cubicBezTo>
+                <a:cubicBezTo>
+                  <a:pt x="3558208" y="2060713"/>
+                  <a:pt x="3565738" y="1994046"/>
+                  <a:pt x="3578086" y="1928192"/>
+                </a:cubicBezTo>
+                <a:cubicBezTo>
+                  <a:pt x="3595570" y="1834946"/>
+                  <a:pt x="3621911" y="1743441"/>
+                  <a:pt x="3637721" y="1649896"/>
+                </a:cubicBezTo>
+                <a:cubicBezTo>
+                  <a:pt x="3661692" y="1508066"/>
+                  <a:pt x="3674630" y="1364548"/>
+                  <a:pt x="3697356" y="1222513"/>
+                </a:cubicBezTo>
+                <a:cubicBezTo>
+                  <a:pt x="3727647" y="1033194"/>
+                  <a:pt x="3759145" y="843987"/>
+                  <a:pt x="3796747" y="655983"/>
+                </a:cubicBezTo>
+                <a:cubicBezTo>
+                  <a:pt x="3803373" y="622853"/>
+                  <a:pt x="3810399" y="589800"/>
+                  <a:pt x="3816626" y="556592"/>
+                </a:cubicBezTo>
+                <a:cubicBezTo>
+                  <a:pt x="3820340" y="536785"/>
+                  <a:pt x="3817553" y="514982"/>
+                  <a:pt x="3826565" y="496957"/>
+                </a:cubicBezTo>
+                <a:cubicBezTo>
+                  <a:pt x="3836860" y="476366"/>
+                  <a:pt x="3887721" y="441150"/>
+                  <a:pt x="3906078" y="427383"/>
+                </a:cubicBezTo>
+                <a:cubicBezTo>
+                  <a:pt x="3942521" y="503583"/>
+                  <a:pt x="3982820" y="578056"/>
+                  <a:pt x="4015408" y="655983"/>
+                </a:cubicBezTo>
+                <a:cubicBezTo>
+                  <a:pt x="4091608" y="838200"/>
+                  <a:pt x="4153969" y="1026844"/>
+                  <a:pt x="4244008" y="1202635"/>
+                </a:cubicBezTo>
+                <a:cubicBezTo>
+                  <a:pt x="4313582" y="1338470"/>
+                  <a:pt x="4384478" y="1473635"/>
+                  <a:pt x="4452730" y="1610139"/>
+                </a:cubicBezTo>
+                <a:cubicBezTo>
+                  <a:pt x="4497130" y="1698939"/>
+                  <a:pt x="4537539" y="1789696"/>
+                  <a:pt x="4581939" y="1878496"/>
+                </a:cubicBezTo>
+                <a:cubicBezTo>
+                  <a:pt x="4658036" y="2030690"/>
+                  <a:pt x="4871269" y="2441091"/>
+                  <a:pt x="4959626" y="2524539"/>
+                </a:cubicBezTo>
+                <a:cubicBezTo>
+                  <a:pt x="5122573" y="2678435"/>
+                  <a:pt x="5152285" y="2727817"/>
+                  <a:pt x="5357191" y="2832652"/>
+                </a:cubicBezTo>
+                <a:cubicBezTo>
+                  <a:pt x="5581147" y="2947234"/>
+                  <a:pt x="6036269" y="3019274"/>
+                  <a:pt x="6202017" y="3041374"/>
+                </a:cubicBezTo>
+                <a:cubicBezTo>
+                  <a:pt x="6913351" y="3136218"/>
+                  <a:pt x="6597905" y="3115160"/>
+                  <a:pt x="7146234" y="3130826"/>
+                </a:cubicBezTo>
+                <a:cubicBezTo>
+                  <a:pt x="7205869" y="3124200"/>
+                  <a:pt x="7266674" y="3124440"/>
+                  <a:pt x="7325139" y="3110948"/>
+                </a:cubicBezTo>
+                <a:cubicBezTo>
+                  <a:pt x="7407616" y="3091915"/>
+                  <a:pt x="7404652" y="3098342"/>
+                  <a:pt x="7404652" y="3061252"/>
+                </a:cubicBezTo>
+              </a:path>
+            </a:pathLst>
+          </a:custGeom>
+        </p:spPr>
+        <p:style>
+          <a:lnRef idx="1">
+            <a:schemeClr val="accent2"/>
+          </a:lnRef>
+          <a:fillRef idx="0">
+            <a:schemeClr val="accent2"/>
+          </a:fillRef>
+          <a:effectRef idx="0">
+            <a:schemeClr val="accent2"/>
+          </a:effectRef>
+          <a:fontRef idx="minor">
+            <a:schemeClr val="tx1"/>
+          </a:fontRef>
+        </p:style>
+        <p:txBody>
+          <a:bodyPr rtlCol="0" anchor="ctr"/>
+          <a:lstStyle/>
+          <a:p>
+            <a:pPr algn="ctr"/>
+            <a:endParaRPr lang="en-US"/>
+          </a:p>
+        </p:txBody>
+      </p:sp>
+      <p:sp>
+        <p:nvSpPr>
+          <p:cNvPr id="12" name="Freeform: Shape 11">
+            <a:extLst>
+              <a:ext uri="{FF2B5EF4-FFF2-40B4-BE49-F238E27FC236}">
+                <a16:creationId xmlns:a16="http://schemas.microsoft.com/office/drawing/2014/main" id="{2F5BEAD9-3AD4-C3DE-3AAD-E0DC650429C3}"/>
+              </a:ext>
+            </a:extLst>
+          </p:cNvPr>
+          <p:cNvSpPr/>
+          <p:nvPr/>
+        </p:nvSpPr>
+        <p:spPr>
+          <a:xfrm>
+            <a:off x="2266122" y="2117035"/>
+            <a:ext cx="7195930" cy="2961861"/>
+          </a:xfrm>
+          <a:custGeom>
+            <a:avLst/>
+            <a:gdLst>
+              <a:gd name="connsiteX0" fmla="*/ 0 w 7404652"/>
+              <a:gd name="connsiteY0" fmla="*/ 2683566 h 2683566"/>
+              <a:gd name="connsiteX1" fmla="*/ 198783 w 7404652"/>
+              <a:gd name="connsiteY1" fmla="*/ 2474844 h 2683566"/>
+              <a:gd name="connsiteX2" fmla="*/ 357809 w 7404652"/>
+              <a:gd name="connsiteY2" fmla="*/ 2276061 h 2683566"/>
+              <a:gd name="connsiteX3" fmla="*/ 765313 w 7404652"/>
+              <a:gd name="connsiteY3" fmla="*/ 1679713 h 2683566"/>
+              <a:gd name="connsiteX4" fmla="*/ 904461 w 7404652"/>
+              <a:gd name="connsiteY4" fmla="*/ 1431235 h 2683566"/>
+              <a:gd name="connsiteX5" fmla="*/ 1063487 w 7404652"/>
+              <a:gd name="connsiteY5" fmla="*/ 1063487 h 2683566"/>
+              <a:gd name="connsiteX6" fmla="*/ 1143000 w 7404652"/>
+              <a:gd name="connsiteY6" fmla="*/ 884583 h 2683566"/>
+              <a:gd name="connsiteX7" fmla="*/ 1441174 w 7404652"/>
+              <a:gd name="connsiteY7" fmla="*/ 407505 h 2683566"/>
+              <a:gd name="connsiteX8" fmla="*/ 1689652 w 7404652"/>
+              <a:gd name="connsiteY8" fmla="*/ 99392 h 2683566"/>
+              <a:gd name="connsiteX9" fmla="*/ 1779104 w 7404652"/>
+              <a:gd name="connsiteY9" fmla="*/ 49696 h 2683566"/>
+              <a:gd name="connsiteX10" fmla="*/ 1818861 w 7404652"/>
+              <a:gd name="connsiteY10" fmla="*/ 19879 h 2683566"/>
+              <a:gd name="connsiteX11" fmla="*/ 1908313 w 7404652"/>
+              <a:gd name="connsiteY11" fmla="*/ 0 h 2683566"/>
+              <a:gd name="connsiteX12" fmla="*/ 2047461 w 7404652"/>
+              <a:gd name="connsiteY12" fmla="*/ 69574 h 2683566"/>
+              <a:gd name="connsiteX13" fmla="*/ 2554357 w 7404652"/>
+              <a:gd name="connsiteY13" fmla="*/ 715618 h 2683566"/>
+              <a:gd name="connsiteX14" fmla="*/ 2902226 w 7404652"/>
+              <a:gd name="connsiteY14" fmla="*/ 1262270 h 2683566"/>
+              <a:gd name="connsiteX15" fmla="*/ 3021496 w 7404652"/>
+              <a:gd name="connsiteY15" fmla="*/ 1451113 h 2683566"/>
+              <a:gd name="connsiteX16" fmla="*/ 3359426 w 7404652"/>
+              <a:gd name="connsiteY16" fmla="*/ 1878496 h 2683566"/>
+              <a:gd name="connsiteX17" fmla="*/ 3737113 w 7404652"/>
+              <a:gd name="connsiteY17" fmla="*/ 2186609 h 2683566"/>
+              <a:gd name="connsiteX18" fmla="*/ 4104861 w 7404652"/>
+              <a:gd name="connsiteY18" fmla="*/ 2385392 h 2683566"/>
+              <a:gd name="connsiteX19" fmla="*/ 4244009 w 7404652"/>
+              <a:gd name="connsiteY19" fmla="*/ 2415209 h 2683566"/>
+              <a:gd name="connsiteX20" fmla="*/ 4591878 w 7404652"/>
+              <a:gd name="connsiteY20" fmla="*/ 2445027 h 2683566"/>
+              <a:gd name="connsiteX21" fmla="*/ 5347252 w 7404652"/>
+              <a:gd name="connsiteY21" fmla="*/ 2584174 h 2683566"/>
+              <a:gd name="connsiteX22" fmla="*/ 6102626 w 7404652"/>
+              <a:gd name="connsiteY22" fmla="*/ 2643809 h 2683566"/>
+              <a:gd name="connsiteX23" fmla="*/ 7305261 w 7404652"/>
+              <a:gd name="connsiteY23" fmla="*/ 2633870 h 2683566"/>
+              <a:gd name="connsiteX24" fmla="*/ 7404652 w 7404652"/>
+              <a:gd name="connsiteY24" fmla="*/ 2623931 h 2683566"/>
+            </a:gdLst>
+            <a:ahLst/>
+            <a:cxnLst>
+              <a:cxn ang="0">
+                <a:pos x="connsiteX0" y="connsiteY0"/>
+              </a:cxn>
+              <a:cxn ang="0">
+                <a:pos x="connsiteX1" y="connsiteY1"/>
+              </a:cxn>
+              <a:cxn ang="0">
+                <a:pos x="connsiteX2" y="connsiteY2"/>
+              </a:cxn>
+              <a:cxn ang="0">
+                <a:pos x="connsiteX3" y="connsiteY3"/>
+              </a:cxn>
+              <a:cxn ang="0">
+                <a:pos x="connsiteX4" y="connsiteY4"/>
+              </a:cxn>
+              <a:cxn ang="0">
+                <a:pos x="connsiteX5" y="connsiteY5"/>
+              </a:cxn>
+              <a:cxn ang="0">
+                <a:pos x="connsiteX6" y="connsiteY6"/>
+              </a:cxn>
+              <a:cxn ang="0">
+                <a:pos x="connsiteX7" y="connsiteY7"/>
+              </a:cxn>
+              <a:cxn ang="0">
+                <a:pos x="connsiteX8" y="connsiteY8"/>
+              </a:cxn>
+              <a:cxn ang="0">
+                <a:pos x="connsiteX9" y="connsiteY9"/>
+              </a:cxn>
+              <a:cxn ang="0">
+                <a:pos x="connsiteX10" y="connsiteY10"/>
+              </a:cxn>
+              <a:cxn ang="0">
+                <a:pos x="connsiteX11" y="connsiteY11"/>
+              </a:cxn>
+              <a:cxn ang="0">
+                <a:pos x="connsiteX12" y="connsiteY12"/>
+              </a:cxn>
+              <a:cxn ang="0">
+                <a:pos x="connsiteX13" y="connsiteY13"/>
+              </a:cxn>
+              <a:cxn ang="0">
+                <a:pos x="connsiteX14" y="connsiteY14"/>
+              </a:cxn>
+              <a:cxn ang="0">
+                <a:pos x="connsiteX15" y="connsiteY15"/>
+              </a:cxn>
+              <a:cxn ang="0">
+                <a:pos x="connsiteX16" y="connsiteY16"/>
+              </a:cxn>
+              <a:cxn ang="0">
+                <a:pos x="connsiteX17" y="connsiteY17"/>
+              </a:cxn>
+              <a:cxn ang="0">
+                <a:pos x="connsiteX18" y="connsiteY18"/>
+              </a:cxn>
+              <a:cxn ang="0">
+                <a:pos x="connsiteX19" y="connsiteY19"/>
+              </a:cxn>
+              <a:cxn ang="0">
+                <a:pos x="connsiteX20" y="connsiteY20"/>
+              </a:cxn>
+              <a:cxn ang="0">
+                <a:pos x="connsiteX21" y="connsiteY21"/>
+              </a:cxn>
+              <a:cxn ang="0">
+                <a:pos x="connsiteX22" y="connsiteY22"/>
+              </a:cxn>
+              <a:cxn ang="0">
+                <a:pos x="connsiteX23" y="connsiteY23"/>
+              </a:cxn>
+              <a:cxn ang="0">
+                <a:pos x="connsiteX24" y="connsiteY24"/>
+              </a:cxn>
+            </a:cxnLst>
+            <a:rect l="l" t="t" r="r" b="b"/>
+            <a:pathLst>
+              <a:path w="7404652" h="2683566">
+                <a:moveTo>
+                  <a:pt x="0" y="2683566"/>
+                </a:moveTo>
+                <a:cubicBezTo>
+                  <a:pt x="101299" y="2602526"/>
+                  <a:pt x="60620" y="2639748"/>
+                  <a:pt x="198783" y="2474844"/>
+                </a:cubicBezTo>
+                <a:cubicBezTo>
+                  <a:pt x="253279" y="2409801"/>
+                  <a:pt x="306264" y="2343467"/>
+                  <a:pt x="357809" y="2276061"/>
+                </a:cubicBezTo>
+                <a:cubicBezTo>
+                  <a:pt x="566483" y="2003179"/>
+                  <a:pt x="596166" y="1965149"/>
+                  <a:pt x="765313" y="1679713"/>
+                </a:cubicBezTo>
+                <a:cubicBezTo>
+                  <a:pt x="813708" y="1598046"/>
+                  <a:pt x="863114" y="1516686"/>
+                  <a:pt x="904461" y="1431235"/>
+                </a:cubicBezTo>
+                <a:cubicBezTo>
+                  <a:pt x="962632" y="1311016"/>
+                  <a:pt x="1010073" y="1185894"/>
+                  <a:pt x="1063487" y="1063487"/>
+                </a:cubicBezTo>
+                <a:cubicBezTo>
+                  <a:pt x="1089587" y="1003674"/>
+                  <a:pt x="1112960" y="942517"/>
+                  <a:pt x="1143000" y="884583"/>
+                </a:cubicBezTo>
+                <a:cubicBezTo>
+                  <a:pt x="1391516" y="405303"/>
+                  <a:pt x="1161094" y="812066"/>
+                  <a:pt x="1441174" y="407505"/>
+                </a:cubicBezTo>
+                <a:cubicBezTo>
+                  <a:pt x="1494521" y="330448"/>
+                  <a:pt x="1619993" y="138092"/>
+                  <a:pt x="1689652" y="99392"/>
+                </a:cubicBezTo>
+                <a:cubicBezTo>
+                  <a:pt x="1719469" y="82827"/>
+                  <a:pt x="1750054" y="67573"/>
+                  <a:pt x="1779104" y="49696"/>
+                </a:cubicBezTo>
+                <a:cubicBezTo>
+                  <a:pt x="1793212" y="41014"/>
+                  <a:pt x="1804045" y="27287"/>
+                  <a:pt x="1818861" y="19879"/>
+                </a:cubicBezTo>
+                <a:cubicBezTo>
+                  <a:pt x="1828216" y="15201"/>
+                  <a:pt x="1903089" y="1045"/>
+                  <a:pt x="1908313" y="0"/>
+                </a:cubicBezTo>
+                <a:cubicBezTo>
+                  <a:pt x="1954696" y="23191"/>
+                  <a:pt x="2007827" y="36133"/>
+                  <a:pt x="2047461" y="69574"/>
+                </a:cubicBezTo>
+                <a:cubicBezTo>
+                  <a:pt x="2188621" y="188678"/>
+                  <a:pt x="2508420" y="646713"/>
+                  <a:pt x="2554357" y="715618"/>
+                </a:cubicBezTo>
+                <a:cubicBezTo>
+                  <a:pt x="2765199" y="1031883"/>
+                  <a:pt x="2612608" y="798882"/>
+                  <a:pt x="2902226" y="1262270"/>
+                </a:cubicBezTo>
+                <a:cubicBezTo>
+                  <a:pt x="2941685" y="1325405"/>
+                  <a:pt x="2975319" y="1392712"/>
+                  <a:pt x="3021496" y="1451113"/>
+                </a:cubicBezTo>
+                <a:cubicBezTo>
+                  <a:pt x="3134139" y="1593574"/>
+                  <a:pt x="3223245" y="1758336"/>
+                  <a:pt x="3359426" y="1878496"/>
+                </a:cubicBezTo>
+                <a:cubicBezTo>
+                  <a:pt x="3469557" y="1975671"/>
+                  <a:pt x="3613530" y="2109902"/>
+                  <a:pt x="3737113" y="2186609"/>
+                </a:cubicBezTo>
+                <a:cubicBezTo>
+                  <a:pt x="3855506" y="2260094"/>
+                  <a:pt x="3968609" y="2356196"/>
+                  <a:pt x="4104861" y="2385392"/>
+                </a:cubicBezTo>
+                <a:cubicBezTo>
+                  <a:pt x="4151244" y="2395331"/>
+                  <a:pt x="4196990" y="2408940"/>
+                  <a:pt x="4244009" y="2415209"/>
+                </a:cubicBezTo>
+                <a:cubicBezTo>
+                  <a:pt x="4549774" y="2455977"/>
+                  <a:pt x="4250625" y="2387553"/>
+                  <a:pt x="4591878" y="2445027"/>
+                </a:cubicBezTo>
+                <a:cubicBezTo>
+                  <a:pt x="4844350" y="2487549"/>
+                  <a:pt x="5092938" y="2554602"/>
+                  <a:pt x="5347252" y="2584174"/>
+                </a:cubicBezTo>
+                <a:cubicBezTo>
+                  <a:pt x="5883283" y="2646504"/>
+                  <a:pt x="5631280" y="2629526"/>
+                  <a:pt x="6102626" y="2643809"/>
+                </a:cubicBezTo>
+                <a:lnTo>
+                  <a:pt x="7305261" y="2633870"/>
+                </a:lnTo>
+                <a:cubicBezTo>
+                  <a:pt x="7417589" y="2631278"/>
+                  <a:pt x="7370307" y="2589586"/>
+                  <a:pt x="7404652" y="2623931"/>
+                </a:cubicBezTo>
+              </a:path>
+            </a:pathLst>
+          </a:custGeom>
+        </p:spPr>
+        <p:style>
+          <a:lnRef idx="1">
+            <a:schemeClr val="accent6"/>
+          </a:lnRef>
+          <a:fillRef idx="0">
+            <a:schemeClr val="accent6"/>
+          </a:fillRef>
+          <a:effectRef idx="0">
+            <a:schemeClr val="accent6"/>
+          </a:effectRef>
+          <a:fontRef idx="minor">
+            <a:schemeClr val="tx1"/>
+          </a:fontRef>
+        </p:style>
+        <p:txBody>
+          <a:bodyPr rtlCol="0" anchor="ctr"/>
+          <a:lstStyle/>
+          <a:p>
+            <a:pPr algn="ctr"/>
+            <a:endParaRPr lang="en-US"/>
+          </a:p>
+        </p:txBody>
+      </p:sp>
+    </p:spTree>
+    <p:extLst>
+      <p:ext uri="{BB962C8B-B14F-4D97-AF65-F5344CB8AC3E}">
+        <p14:creationId xmlns:p14="http://schemas.microsoft.com/office/powerpoint/2010/main" val="2786178279"/>
+      </p:ext>
+    </p:extLst>
+  </p:cSld>
+  <p:clrMapOvr>
+    <a:masterClrMapping/>
+  </p:clrMapOvr>
+</p:sld>
+</file>
+
+<file path=ppt/slides/slide11.xml><?xml version="1.0" encoding="utf-8"?>
+<p:sld xmlns:a="http://schemas.openxmlformats.org/drawingml/2006/main" xmlns:r="http://schemas.openxmlformats.org/officeDocument/2006/relationships" xmlns:p="http://schemas.openxmlformats.org/presentationml/2006/main">
+  <p:cSld>
+    <p:spTree>
+      <p:nvGrpSpPr>
+        <p:cNvPr id="1" name=""/>
+        <p:cNvGrpSpPr/>
+        <p:nvPr/>
+      </p:nvGrpSpPr>
+      <p:grpSpPr>
+        <a:xfrm>
+          <a:off x="0" y="0"/>
+          <a:ext cx="0" cy="0"/>
+          <a:chOff x="0" y="0"/>
+          <a:chExt cx="0" cy="0"/>
+        </a:xfrm>
+      </p:grpSpPr>
+    </p:spTree>
+    <p:extLst>
+      <p:ext uri="{BB962C8B-B14F-4D97-AF65-F5344CB8AC3E}">
+        <p14:creationId xmlns:p14="http://schemas.microsoft.com/office/powerpoint/2010/main" val="2352113212"/>
+      </p:ext>
+    </p:extLst>
+  </p:cSld>
+  <p:clrMapOvr>
+    <a:masterClrMapping/>
+  </p:clrMapOvr>
+</p:sld>
+</file>
+
 <file path=ppt/slides/slide2.xml><?xml version="1.0" encoding="utf-8"?>
 <p:sld xmlns:a="http://schemas.openxmlformats.org/drawingml/2006/main" xmlns:r="http://schemas.openxmlformats.org/officeDocument/2006/relationships" xmlns:p="http://schemas.openxmlformats.org/presentationml/2006/main">
   <p:cSld>
@@ -5718,6 +7441,4116 @@
     <p:extLst>
       <p:ext uri="{BB962C8B-B14F-4D97-AF65-F5344CB8AC3E}">
         <p14:creationId xmlns:p14="http://schemas.microsoft.com/office/powerpoint/2010/main" val="2391575812"/>
+      </p:ext>
+    </p:extLst>
+  </p:cSld>
+  <p:clrMapOvr>
+    <a:masterClrMapping/>
+  </p:clrMapOvr>
+</p:sld>
+</file>
+
+<file path=ppt/slides/slide5.xml><?xml version="1.0" encoding="utf-8"?>
+<p:sld xmlns:a="http://schemas.openxmlformats.org/drawingml/2006/main" xmlns:r="http://schemas.openxmlformats.org/officeDocument/2006/relationships" xmlns:p="http://schemas.openxmlformats.org/presentationml/2006/main">
+  <p:cSld>
+    <p:spTree>
+      <p:nvGrpSpPr>
+        <p:cNvPr id="1" name=""/>
+        <p:cNvGrpSpPr/>
+        <p:nvPr/>
+      </p:nvGrpSpPr>
+      <p:grpSpPr>
+        <a:xfrm>
+          <a:off x="0" y="0"/>
+          <a:ext cx="0" cy="0"/>
+          <a:chOff x="0" y="0"/>
+          <a:chExt cx="0" cy="0"/>
+        </a:xfrm>
+      </p:grpSpPr>
+      <p:pic>
+        <p:nvPicPr>
+          <p:cNvPr id="5" name="Picture 4">
+            <a:extLst>
+              <a:ext uri="{FF2B5EF4-FFF2-40B4-BE49-F238E27FC236}">
+                <a16:creationId xmlns:a16="http://schemas.microsoft.com/office/drawing/2014/main" id="{F0ADD58F-AECB-45DA-D1CD-D242B97BBAEE}"/>
+              </a:ext>
+            </a:extLst>
+          </p:cNvPr>
+          <p:cNvPicPr>
+            <a:picLocks noChangeAspect="1"/>
+          </p:cNvPicPr>
+          <p:nvPr/>
+        </p:nvPicPr>
+        <p:blipFill>
+          <a:blip r:embed="rId2"/>
+          <a:stretch>
+            <a:fillRect/>
+          </a:stretch>
+        </p:blipFill>
+        <p:spPr>
+          <a:xfrm>
+            <a:off x="1935853" y="822463"/>
+            <a:ext cx="8658225" cy="4914900"/>
+          </a:xfrm>
+          <a:prstGeom prst="rect">
+            <a:avLst/>
+          </a:prstGeom>
+        </p:spPr>
+      </p:pic>
+      <p:cxnSp>
+        <p:nvCxnSpPr>
+          <p:cNvPr id="7" name="Straight Arrow Connector 6">
+            <a:extLst>
+              <a:ext uri="{FF2B5EF4-FFF2-40B4-BE49-F238E27FC236}">
+                <a16:creationId xmlns:a16="http://schemas.microsoft.com/office/drawing/2014/main" id="{0AF1E279-A700-BCF5-94DA-F3FE48E4E78A}"/>
+              </a:ext>
+            </a:extLst>
+          </p:cNvPr>
+          <p:cNvCxnSpPr/>
+          <p:nvPr/>
+        </p:nvCxnSpPr>
+        <p:spPr>
+          <a:xfrm flipH="1">
+            <a:off x="4323522" y="4303643"/>
+            <a:ext cx="268356" cy="1888435"/>
+          </a:xfrm>
+          <a:prstGeom prst="straightConnector1">
+            <a:avLst/>
+          </a:prstGeom>
+          <a:ln>
+            <a:tailEnd type="triangle"/>
+          </a:ln>
+        </p:spPr>
+        <p:style>
+          <a:lnRef idx="1">
+            <a:schemeClr val="accent1"/>
+          </a:lnRef>
+          <a:fillRef idx="0">
+            <a:schemeClr val="accent1"/>
+          </a:fillRef>
+          <a:effectRef idx="0">
+            <a:schemeClr val="accent1"/>
+          </a:effectRef>
+          <a:fontRef idx="minor">
+            <a:schemeClr val="tx1"/>
+          </a:fontRef>
+        </p:style>
+      </p:cxnSp>
+      <p:sp>
+        <p:nvSpPr>
+          <p:cNvPr id="8" name="TextBox 7">
+            <a:extLst>
+              <a:ext uri="{FF2B5EF4-FFF2-40B4-BE49-F238E27FC236}">
+                <a16:creationId xmlns:a16="http://schemas.microsoft.com/office/drawing/2014/main" id="{FA6D97BC-E0A6-5CDB-8AE5-1A058F09C853}"/>
+              </a:ext>
+            </a:extLst>
+          </p:cNvPr>
+          <p:cNvSpPr txBox="1"/>
+          <p:nvPr/>
+        </p:nvSpPr>
+        <p:spPr>
+          <a:xfrm>
+            <a:off x="4172679" y="6321287"/>
+            <a:ext cx="301686" cy="369332"/>
+          </a:xfrm>
+          <a:prstGeom prst="rect">
+            <a:avLst/>
+          </a:prstGeom>
+          <a:noFill/>
+        </p:spPr>
+        <p:txBody>
+          <a:bodyPr wrap="none" rtlCol="0">
+            <a:spAutoFit/>
+          </a:bodyPr>
+          <a:lstStyle/>
+          <a:p>
+            <a:r>
+              <a:rPr lang="en-US" dirty="0"/>
+              <a:t>5</a:t>
+            </a:r>
+          </a:p>
+        </p:txBody>
+      </p:sp>
+      <p:cxnSp>
+        <p:nvCxnSpPr>
+          <p:cNvPr id="9" name="Straight Arrow Connector 8">
+            <a:extLst>
+              <a:ext uri="{FF2B5EF4-FFF2-40B4-BE49-F238E27FC236}">
+                <a16:creationId xmlns:a16="http://schemas.microsoft.com/office/drawing/2014/main" id="{B72F8A77-8EE7-03F9-5423-3AFED7DB274D}"/>
+              </a:ext>
+            </a:extLst>
+          </p:cNvPr>
+          <p:cNvCxnSpPr/>
+          <p:nvPr/>
+        </p:nvCxnSpPr>
+        <p:spPr>
+          <a:xfrm flipH="1">
+            <a:off x="3854925" y="4525617"/>
+            <a:ext cx="268356" cy="1888435"/>
+          </a:xfrm>
+          <a:prstGeom prst="straightConnector1">
+            <a:avLst/>
+          </a:prstGeom>
+          <a:ln>
+            <a:tailEnd type="triangle"/>
+          </a:ln>
+        </p:spPr>
+        <p:style>
+          <a:lnRef idx="1">
+            <a:schemeClr val="accent1"/>
+          </a:lnRef>
+          <a:fillRef idx="0">
+            <a:schemeClr val="accent1"/>
+          </a:fillRef>
+          <a:effectRef idx="0">
+            <a:schemeClr val="accent1"/>
+          </a:effectRef>
+          <a:fontRef idx="minor">
+            <a:schemeClr val="tx1"/>
+          </a:fontRef>
+        </p:style>
+      </p:cxnSp>
+      <p:sp>
+        <p:nvSpPr>
+          <p:cNvPr id="10" name="TextBox 9">
+            <a:extLst>
+              <a:ext uri="{FF2B5EF4-FFF2-40B4-BE49-F238E27FC236}">
+                <a16:creationId xmlns:a16="http://schemas.microsoft.com/office/drawing/2014/main" id="{5B24DA5A-01E0-409B-7BF4-256A53B7A865}"/>
+              </a:ext>
+            </a:extLst>
+          </p:cNvPr>
+          <p:cNvSpPr txBox="1"/>
+          <p:nvPr/>
+        </p:nvSpPr>
+        <p:spPr>
+          <a:xfrm>
+            <a:off x="3686258" y="6414052"/>
+            <a:ext cx="198684" cy="369332"/>
+          </a:xfrm>
+          <a:prstGeom prst="rect">
+            <a:avLst/>
+          </a:prstGeom>
+          <a:noFill/>
+        </p:spPr>
+        <p:txBody>
+          <a:bodyPr wrap="square" rtlCol="0">
+            <a:spAutoFit/>
+          </a:bodyPr>
+          <a:lstStyle/>
+          <a:p>
+            <a:r>
+              <a:rPr lang="en-US" dirty="0"/>
+              <a:t>7</a:t>
+            </a:r>
+          </a:p>
+        </p:txBody>
+      </p:sp>
+    </p:spTree>
+    <p:extLst>
+      <p:ext uri="{BB962C8B-B14F-4D97-AF65-F5344CB8AC3E}">
+        <p14:creationId xmlns:p14="http://schemas.microsoft.com/office/powerpoint/2010/main" val="1213427816"/>
+      </p:ext>
+    </p:extLst>
+  </p:cSld>
+  <p:clrMapOvr>
+    <a:masterClrMapping/>
+  </p:clrMapOvr>
+</p:sld>
+</file>
+
+<file path=ppt/slides/slide6.xml><?xml version="1.0" encoding="utf-8"?>
+<p:sld xmlns:a="http://schemas.openxmlformats.org/drawingml/2006/main" xmlns:r="http://schemas.openxmlformats.org/officeDocument/2006/relationships" xmlns:p="http://schemas.openxmlformats.org/presentationml/2006/main">
+  <p:cSld>
+    <p:spTree>
+      <p:nvGrpSpPr>
+        <p:cNvPr id="1" name=""/>
+        <p:cNvGrpSpPr/>
+        <p:nvPr/>
+      </p:nvGrpSpPr>
+      <p:grpSpPr>
+        <a:xfrm>
+          <a:off x="0" y="0"/>
+          <a:ext cx="0" cy="0"/>
+          <a:chOff x="0" y="0"/>
+          <a:chExt cx="0" cy="0"/>
+        </a:xfrm>
+      </p:grpSpPr>
+      <p:sp>
+        <p:nvSpPr>
+          <p:cNvPr id="25" name="Rectangle 24">
+            <a:extLst>
+              <a:ext uri="{FF2B5EF4-FFF2-40B4-BE49-F238E27FC236}">
+                <a16:creationId xmlns:a16="http://schemas.microsoft.com/office/drawing/2014/main" id="{E5B06EC7-53B0-DE85-50A6-05682A8E7474}"/>
+              </a:ext>
+            </a:extLst>
+          </p:cNvPr>
+          <p:cNvSpPr/>
+          <p:nvPr/>
+        </p:nvSpPr>
+        <p:spPr>
+          <a:xfrm>
+            <a:off x="9717532" y="1282470"/>
+            <a:ext cx="217909" cy="2365188"/>
+          </a:xfrm>
+          <a:prstGeom prst="rect">
+            <a:avLst/>
+          </a:prstGeom>
+        </p:spPr>
+        <p:style>
+          <a:lnRef idx="2">
+            <a:schemeClr val="accent6">
+              <a:shade val="15000"/>
+            </a:schemeClr>
+          </a:lnRef>
+          <a:fillRef idx="1">
+            <a:schemeClr val="accent6"/>
+          </a:fillRef>
+          <a:effectRef idx="0">
+            <a:schemeClr val="accent6"/>
+          </a:effectRef>
+          <a:fontRef idx="minor">
+            <a:schemeClr val="lt1"/>
+          </a:fontRef>
+        </p:style>
+        <p:txBody>
+          <a:bodyPr rtlCol="0" anchor="ctr"/>
+          <a:lstStyle/>
+          <a:p>
+            <a:pPr algn="ctr"/>
+            <a:endParaRPr lang="en-US"/>
+          </a:p>
+        </p:txBody>
+      </p:sp>
+      <p:sp>
+        <p:nvSpPr>
+          <p:cNvPr id="26" name="Rectangle 25">
+            <a:extLst>
+              <a:ext uri="{FF2B5EF4-FFF2-40B4-BE49-F238E27FC236}">
+                <a16:creationId xmlns:a16="http://schemas.microsoft.com/office/drawing/2014/main" id="{4DCAAF61-F6DB-CA97-9343-F927343AEF9F}"/>
+              </a:ext>
+            </a:extLst>
+          </p:cNvPr>
+          <p:cNvSpPr/>
+          <p:nvPr/>
+        </p:nvSpPr>
+        <p:spPr>
+          <a:xfrm>
+            <a:off x="9950511" y="1774132"/>
+            <a:ext cx="313673" cy="1873525"/>
+          </a:xfrm>
+          <a:prstGeom prst="rect">
+            <a:avLst/>
+          </a:prstGeom>
+        </p:spPr>
+        <p:style>
+          <a:lnRef idx="2">
+            <a:schemeClr val="accent6">
+              <a:shade val="15000"/>
+            </a:schemeClr>
+          </a:lnRef>
+          <a:fillRef idx="1">
+            <a:schemeClr val="accent6"/>
+          </a:fillRef>
+          <a:effectRef idx="0">
+            <a:schemeClr val="accent6"/>
+          </a:effectRef>
+          <a:fontRef idx="minor">
+            <a:schemeClr val="lt1"/>
+          </a:fontRef>
+        </p:style>
+        <p:txBody>
+          <a:bodyPr rtlCol="0" anchor="ctr"/>
+          <a:lstStyle/>
+          <a:p>
+            <a:pPr algn="ctr"/>
+            <a:endParaRPr lang="en-US"/>
+          </a:p>
+        </p:txBody>
+      </p:sp>
+      <p:sp>
+        <p:nvSpPr>
+          <p:cNvPr id="27" name="Rectangle 26">
+            <a:extLst>
+              <a:ext uri="{FF2B5EF4-FFF2-40B4-BE49-F238E27FC236}">
+                <a16:creationId xmlns:a16="http://schemas.microsoft.com/office/drawing/2014/main" id="{33AC0A11-6B6E-EFF5-775F-BCD591411669}"/>
+              </a:ext>
+            </a:extLst>
+          </p:cNvPr>
+          <p:cNvSpPr/>
+          <p:nvPr/>
+        </p:nvSpPr>
+        <p:spPr>
+          <a:xfrm>
+            <a:off x="10264184" y="1474110"/>
+            <a:ext cx="313673" cy="2153674"/>
+          </a:xfrm>
+          <a:prstGeom prst="rect">
+            <a:avLst/>
+          </a:prstGeom>
+        </p:spPr>
+        <p:style>
+          <a:lnRef idx="2">
+            <a:schemeClr val="accent6">
+              <a:shade val="15000"/>
+            </a:schemeClr>
+          </a:lnRef>
+          <a:fillRef idx="1">
+            <a:schemeClr val="accent6"/>
+          </a:fillRef>
+          <a:effectRef idx="0">
+            <a:schemeClr val="accent6"/>
+          </a:effectRef>
+          <a:fontRef idx="minor">
+            <a:schemeClr val="lt1"/>
+          </a:fontRef>
+        </p:style>
+        <p:txBody>
+          <a:bodyPr rtlCol="0" anchor="ctr"/>
+          <a:lstStyle/>
+          <a:p>
+            <a:pPr algn="ctr"/>
+            <a:endParaRPr lang="en-US"/>
+          </a:p>
+        </p:txBody>
+      </p:sp>
+      <p:cxnSp>
+        <p:nvCxnSpPr>
+          <p:cNvPr id="5" name="Straight Connector 4">
+            <a:extLst>
+              <a:ext uri="{FF2B5EF4-FFF2-40B4-BE49-F238E27FC236}">
+                <a16:creationId xmlns:a16="http://schemas.microsoft.com/office/drawing/2014/main" id="{355EEA0A-6D30-0AEC-0B88-16FB8EC51C53}"/>
+              </a:ext>
+            </a:extLst>
+          </p:cNvPr>
+          <p:cNvCxnSpPr/>
+          <p:nvPr/>
+        </p:nvCxnSpPr>
+        <p:spPr>
+          <a:xfrm>
+            <a:off x="1321904" y="1341783"/>
+            <a:ext cx="0" cy="2295939"/>
+          </a:xfrm>
+          <a:prstGeom prst="line">
+            <a:avLst/>
+          </a:prstGeom>
+        </p:spPr>
+        <p:style>
+          <a:lnRef idx="1">
+            <a:schemeClr val="accent1"/>
+          </a:lnRef>
+          <a:fillRef idx="0">
+            <a:schemeClr val="accent1"/>
+          </a:fillRef>
+          <a:effectRef idx="0">
+            <a:schemeClr val="accent1"/>
+          </a:effectRef>
+          <a:fontRef idx="minor">
+            <a:schemeClr val="tx1"/>
+          </a:fontRef>
+        </p:style>
+      </p:cxnSp>
+      <p:cxnSp>
+        <p:nvCxnSpPr>
+          <p:cNvPr id="6" name="Straight Connector 5">
+            <a:extLst>
+              <a:ext uri="{FF2B5EF4-FFF2-40B4-BE49-F238E27FC236}">
+                <a16:creationId xmlns:a16="http://schemas.microsoft.com/office/drawing/2014/main" id="{AAC60AAE-2CFD-F946-399C-09D33A9EDBDF}"/>
+              </a:ext>
+            </a:extLst>
+          </p:cNvPr>
+          <p:cNvCxnSpPr>
+            <a:cxnSpLocks/>
+          </p:cNvCxnSpPr>
+          <p:nvPr/>
+        </p:nvCxnSpPr>
+        <p:spPr>
+          <a:xfrm flipH="1">
+            <a:off x="1321904" y="3637722"/>
+            <a:ext cx="6311348" cy="0"/>
+          </a:xfrm>
+          <a:prstGeom prst="line">
+            <a:avLst/>
+          </a:prstGeom>
+        </p:spPr>
+        <p:style>
+          <a:lnRef idx="1">
+            <a:schemeClr val="accent1"/>
+          </a:lnRef>
+          <a:fillRef idx="0">
+            <a:schemeClr val="accent1"/>
+          </a:fillRef>
+          <a:effectRef idx="0">
+            <a:schemeClr val="accent1"/>
+          </a:effectRef>
+          <a:fontRef idx="minor">
+            <a:schemeClr val="tx1"/>
+          </a:fontRef>
+        </p:style>
+      </p:cxnSp>
+      <p:sp>
+        <p:nvSpPr>
+          <p:cNvPr id="8" name="TextBox 7">
+            <a:extLst>
+              <a:ext uri="{FF2B5EF4-FFF2-40B4-BE49-F238E27FC236}">
+                <a16:creationId xmlns:a16="http://schemas.microsoft.com/office/drawing/2014/main" id="{60E36909-0C64-86DB-6485-1DE7DEF254AC}"/>
+              </a:ext>
+            </a:extLst>
+          </p:cNvPr>
+          <p:cNvSpPr txBox="1"/>
+          <p:nvPr/>
+        </p:nvSpPr>
+        <p:spPr>
+          <a:xfrm>
+            <a:off x="3061252" y="3965713"/>
+            <a:ext cx="3613618" cy="646331"/>
+          </a:xfrm>
+          <a:prstGeom prst="rect">
+            <a:avLst/>
+          </a:prstGeom>
+          <a:noFill/>
+        </p:spPr>
+        <p:txBody>
+          <a:bodyPr wrap="none" rtlCol="0">
+            <a:spAutoFit/>
+          </a:bodyPr>
+          <a:lstStyle/>
+          <a:p>
+            <a:r>
+              <a:rPr lang="en-US" dirty="0" err="1"/>
+              <a:t>module_x</a:t>
+            </a:r>
+            <a:r>
+              <a:rPr lang="en-US" dirty="0"/>
+              <a:t> </a:t>
+            </a:r>
+          </a:p>
+          <a:p>
+            <a:r>
+              <a:rPr lang="en-US" dirty="0"/>
+              <a:t>(space between modules in the row)</a:t>
+            </a:r>
+          </a:p>
+        </p:txBody>
+      </p:sp>
+      <p:sp>
+        <p:nvSpPr>
+          <p:cNvPr id="9" name="TextBox 8">
+            <a:extLst>
+              <a:ext uri="{FF2B5EF4-FFF2-40B4-BE49-F238E27FC236}">
+                <a16:creationId xmlns:a16="http://schemas.microsoft.com/office/drawing/2014/main" id="{DA9C34E9-3E2D-BF86-E63A-C47C923C7F40}"/>
+              </a:ext>
+            </a:extLst>
+          </p:cNvPr>
+          <p:cNvSpPr txBox="1"/>
+          <p:nvPr/>
+        </p:nvSpPr>
+        <p:spPr>
+          <a:xfrm>
+            <a:off x="3706551" y="3647661"/>
+            <a:ext cx="502061" cy="369332"/>
+          </a:xfrm>
+          <a:prstGeom prst="rect">
+            <a:avLst/>
+          </a:prstGeom>
+          <a:noFill/>
+        </p:spPr>
+        <p:txBody>
+          <a:bodyPr wrap="none" rtlCol="0">
+            <a:spAutoFit/>
+          </a:bodyPr>
+          <a:lstStyle/>
+          <a:p>
+            <a:r>
+              <a:rPr lang="en-US" dirty="0"/>
+              <a:t>4 ft</a:t>
+            </a:r>
+          </a:p>
+        </p:txBody>
+      </p:sp>
+      <p:sp>
+        <p:nvSpPr>
+          <p:cNvPr id="10" name="TextBox 9">
+            <a:extLst>
+              <a:ext uri="{FF2B5EF4-FFF2-40B4-BE49-F238E27FC236}">
+                <a16:creationId xmlns:a16="http://schemas.microsoft.com/office/drawing/2014/main" id="{9FC350D6-8E02-19AF-C077-DB973F584C9C}"/>
+              </a:ext>
+            </a:extLst>
+          </p:cNvPr>
+          <p:cNvSpPr txBox="1"/>
+          <p:nvPr/>
+        </p:nvSpPr>
+        <p:spPr>
+          <a:xfrm>
+            <a:off x="2036778" y="3637722"/>
+            <a:ext cx="502061" cy="369332"/>
+          </a:xfrm>
+          <a:prstGeom prst="rect">
+            <a:avLst/>
+          </a:prstGeom>
+          <a:noFill/>
+        </p:spPr>
+        <p:txBody>
+          <a:bodyPr wrap="none" rtlCol="0">
+            <a:spAutoFit/>
+          </a:bodyPr>
+          <a:lstStyle/>
+          <a:p>
+            <a:r>
+              <a:rPr lang="en-US" dirty="0"/>
+              <a:t>2 ft</a:t>
+            </a:r>
+          </a:p>
+        </p:txBody>
+      </p:sp>
+      <p:sp>
+        <p:nvSpPr>
+          <p:cNvPr id="11" name="TextBox 10">
+            <a:extLst>
+              <a:ext uri="{FF2B5EF4-FFF2-40B4-BE49-F238E27FC236}">
+                <a16:creationId xmlns:a16="http://schemas.microsoft.com/office/drawing/2014/main" id="{85AB6111-79C5-6315-BE9F-0EDB7024CFF5}"/>
+              </a:ext>
+            </a:extLst>
+          </p:cNvPr>
+          <p:cNvSpPr txBox="1"/>
+          <p:nvPr/>
+        </p:nvSpPr>
+        <p:spPr>
+          <a:xfrm>
+            <a:off x="5380684" y="3647661"/>
+            <a:ext cx="502061" cy="369332"/>
+          </a:xfrm>
+          <a:prstGeom prst="rect">
+            <a:avLst/>
+          </a:prstGeom>
+          <a:noFill/>
+        </p:spPr>
+        <p:txBody>
+          <a:bodyPr wrap="none" rtlCol="0">
+            <a:spAutoFit/>
+          </a:bodyPr>
+          <a:lstStyle/>
+          <a:p>
+            <a:r>
+              <a:rPr lang="en-US" dirty="0"/>
+              <a:t>5 ft</a:t>
+            </a:r>
+          </a:p>
+        </p:txBody>
+      </p:sp>
+      <p:sp>
+        <p:nvSpPr>
+          <p:cNvPr id="12" name="Rectangle 11">
+            <a:extLst>
+              <a:ext uri="{FF2B5EF4-FFF2-40B4-BE49-F238E27FC236}">
+                <a16:creationId xmlns:a16="http://schemas.microsoft.com/office/drawing/2014/main" id="{6D180C10-A378-A80C-4399-5602147DCACA}"/>
+              </a:ext>
+            </a:extLst>
+          </p:cNvPr>
+          <p:cNvSpPr/>
+          <p:nvPr/>
+        </p:nvSpPr>
+        <p:spPr>
+          <a:xfrm>
+            <a:off x="1818861" y="2305087"/>
+            <a:ext cx="217909" cy="1342572"/>
+          </a:xfrm>
+          <a:prstGeom prst="rect">
+            <a:avLst/>
+          </a:prstGeom>
+        </p:spPr>
+        <p:style>
+          <a:lnRef idx="2">
+            <a:schemeClr val="accent1">
+              <a:shade val="15000"/>
+            </a:schemeClr>
+          </a:lnRef>
+          <a:fillRef idx="1">
+            <a:schemeClr val="accent1"/>
+          </a:fillRef>
+          <a:effectRef idx="0">
+            <a:schemeClr val="accent1"/>
+          </a:effectRef>
+          <a:fontRef idx="minor">
+            <a:schemeClr val="lt1"/>
+          </a:fontRef>
+        </p:style>
+        <p:txBody>
+          <a:bodyPr rtlCol="0" anchor="ctr"/>
+          <a:lstStyle/>
+          <a:p>
+            <a:pPr algn="ctr"/>
+            <a:endParaRPr lang="en-US"/>
+          </a:p>
+        </p:txBody>
+      </p:sp>
+      <p:sp>
+        <p:nvSpPr>
+          <p:cNvPr id="13" name="Rectangle 12">
+            <a:extLst>
+              <a:ext uri="{FF2B5EF4-FFF2-40B4-BE49-F238E27FC236}">
+                <a16:creationId xmlns:a16="http://schemas.microsoft.com/office/drawing/2014/main" id="{6433ACA7-7F98-B6EF-0D08-23EB16ADB5A5}"/>
+              </a:ext>
+            </a:extLst>
+          </p:cNvPr>
+          <p:cNvSpPr/>
+          <p:nvPr/>
+        </p:nvSpPr>
+        <p:spPr>
+          <a:xfrm>
+            <a:off x="2051840" y="2584173"/>
+            <a:ext cx="313673" cy="1063485"/>
+          </a:xfrm>
+          <a:prstGeom prst="rect">
+            <a:avLst/>
+          </a:prstGeom>
+        </p:spPr>
+        <p:style>
+          <a:lnRef idx="2">
+            <a:schemeClr val="accent1">
+              <a:shade val="15000"/>
+            </a:schemeClr>
+          </a:lnRef>
+          <a:fillRef idx="1">
+            <a:schemeClr val="accent1"/>
+          </a:fillRef>
+          <a:effectRef idx="0">
+            <a:schemeClr val="accent1"/>
+          </a:effectRef>
+          <a:fontRef idx="minor">
+            <a:schemeClr val="lt1"/>
+          </a:fontRef>
+        </p:style>
+        <p:txBody>
+          <a:bodyPr rtlCol="0" anchor="ctr"/>
+          <a:lstStyle/>
+          <a:p>
+            <a:pPr algn="ctr"/>
+            <a:endParaRPr lang="en-US"/>
+          </a:p>
+        </p:txBody>
+      </p:sp>
+      <p:sp>
+        <p:nvSpPr>
+          <p:cNvPr id="14" name="Rectangle 13">
+            <a:extLst>
+              <a:ext uri="{FF2B5EF4-FFF2-40B4-BE49-F238E27FC236}">
+                <a16:creationId xmlns:a16="http://schemas.microsoft.com/office/drawing/2014/main" id="{B8BAF791-7D2D-E0F6-260F-64C396AC608F}"/>
+              </a:ext>
+            </a:extLst>
+          </p:cNvPr>
+          <p:cNvSpPr/>
+          <p:nvPr/>
+        </p:nvSpPr>
+        <p:spPr>
+          <a:xfrm>
+            <a:off x="2365513" y="2405277"/>
+            <a:ext cx="313673" cy="1222508"/>
+          </a:xfrm>
+          <a:prstGeom prst="rect">
+            <a:avLst/>
+          </a:prstGeom>
+        </p:spPr>
+        <p:style>
+          <a:lnRef idx="2">
+            <a:schemeClr val="accent1">
+              <a:shade val="15000"/>
+            </a:schemeClr>
+          </a:lnRef>
+          <a:fillRef idx="1">
+            <a:schemeClr val="accent1"/>
+          </a:fillRef>
+          <a:effectRef idx="0">
+            <a:schemeClr val="accent1"/>
+          </a:effectRef>
+          <a:fontRef idx="minor">
+            <a:schemeClr val="lt1"/>
+          </a:fontRef>
+        </p:style>
+        <p:txBody>
+          <a:bodyPr rtlCol="0" anchor="ctr"/>
+          <a:lstStyle/>
+          <a:p>
+            <a:pPr algn="ctr"/>
+            <a:endParaRPr lang="en-US"/>
+          </a:p>
+        </p:txBody>
+      </p:sp>
+      <p:sp>
+        <p:nvSpPr>
+          <p:cNvPr id="15" name="Rectangle 14">
+            <a:extLst>
+              <a:ext uri="{FF2B5EF4-FFF2-40B4-BE49-F238E27FC236}">
+                <a16:creationId xmlns:a16="http://schemas.microsoft.com/office/drawing/2014/main" id="{F476DA95-3715-1431-758D-60AD0D46F318}"/>
+              </a:ext>
+            </a:extLst>
+          </p:cNvPr>
+          <p:cNvSpPr/>
+          <p:nvPr/>
+        </p:nvSpPr>
+        <p:spPr>
+          <a:xfrm>
+            <a:off x="3505123" y="1854688"/>
+            <a:ext cx="217909" cy="1788003"/>
+          </a:xfrm>
+          <a:prstGeom prst="rect">
+            <a:avLst/>
+          </a:prstGeom>
+        </p:spPr>
+        <p:style>
+          <a:lnRef idx="2">
+            <a:schemeClr val="accent1">
+              <a:shade val="15000"/>
+            </a:schemeClr>
+          </a:lnRef>
+          <a:fillRef idx="1">
+            <a:schemeClr val="accent1"/>
+          </a:fillRef>
+          <a:effectRef idx="0">
+            <a:schemeClr val="accent1"/>
+          </a:effectRef>
+          <a:fontRef idx="minor">
+            <a:schemeClr val="lt1"/>
+          </a:fontRef>
+        </p:style>
+        <p:txBody>
+          <a:bodyPr rtlCol="0" anchor="ctr"/>
+          <a:lstStyle/>
+          <a:p>
+            <a:pPr algn="ctr"/>
+            <a:endParaRPr lang="en-US"/>
+          </a:p>
+        </p:txBody>
+      </p:sp>
+      <p:sp>
+        <p:nvSpPr>
+          <p:cNvPr id="16" name="Rectangle 15">
+            <a:extLst>
+              <a:ext uri="{FF2B5EF4-FFF2-40B4-BE49-F238E27FC236}">
+                <a16:creationId xmlns:a16="http://schemas.microsoft.com/office/drawing/2014/main" id="{5ED3887F-53C2-1D2B-4ED2-F63B5B935C22}"/>
+              </a:ext>
+            </a:extLst>
+          </p:cNvPr>
+          <p:cNvSpPr/>
+          <p:nvPr/>
+        </p:nvSpPr>
+        <p:spPr>
+          <a:xfrm>
+            <a:off x="3738102" y="2226369"/>
+            <a:ext cx="313673" cy="1416322"/>
+          </a:xfrm>
+          <a:prstGeom prst="rect">
+            <a:avLst/>
+          </a:prstGeom>
+        </p:spPr>
+        <p:style>
+          <a:lnRef idx="2">
+            <a:schemeClr val="accent1">
+              <a:shade val="15000"/>
+            </a:schemeClr>
+          </a:lnRef>
+          <a:fillRef idx="1">
+            <a:schemeClr val="accent1"/>
+          </a:fillRef>
+          <a:effectRef idx="0">
+            <a:schemeClr val="accent1"/>
+          </a:effectRef>
+          <a:fontRef idx="minor">
+            <a:schemeClr val="lt1"/>
+          </a:fontRef>
+        </p:style>
+        <p:txBody>
+          <a:bodyPr rtlCol="0" anchor="ctr"/>
+          <a:lstStyle/>
+          <a:p>
+            <a:pPr algn="ctr"/>
+            <a:endParaRPr lang="en-US"/>
+          </a:p>
+        </p:txBody>
+      </p:sp>
+      <p:sp>
+        <p:nvSpPr>
+          <p:cNvPr id="17" name="Rectangle 16">
+            <a:extLst>
+              <a:ext uri="{FF2B5EF4-FFF2-40B4-BE49-F238E27FC236}">
+                <a16:creationId xmlns:a16="http://schemas.microsoft.com/office/drawing/2014/main" id="{8F463CB4-5C35-12EE-7F4E-0788894B62B7}"/>
+              </a:ext>
+            </a:extLst>
+          </p:cNvPr>
+          <p:cNvSpPr/>
+          <p:nvPr/>
+        </p:nvSpPr>
+        <p:spPr>
+          <a:xfrm>
+            <a:off x="4051775" y="1994712"/>
+            <a:ext cx="313673" cy="1628105"/>
+          </a:xfrm>
+          <a:prstGeom prst="rect">
+            <a:avLst/>
+          </a:prstGeom>
+        </p:spPr>
+        <p:style>
+          <a:lnRef idx="2">
+            <a:schemeClr val="accent1">
+              <a:shade val="15000"/>
+            </a:schemeClr>
+          </a:lnRef>
+          <a:fillRef idx="1">
+            <a:schemeClr val="accent1"/>
+          </a:fillRef>
+          <a:effectRef idx="0">
+            <a:schemeClr val="accent1"/>
+          </a:effectRef>
+          <a:fontRef idx="minor">
+            <a:schemeClr val="lt1"/>
+          </a:fontRef>
+        </p:style>
+        <p:txBody>
+          <a:bodyPr rtlCol="0" anchor="ctr"/>
+          <a:lstStyle/>
+          <a:p>
+            <a:pPr algn="ctr"/>
+            <a:endParaRPr lang="en-US"/>
+          </a:p>
+        </p:txBody>
+      </p:sp>
+      <p:sp>
+        <p:nvSpPr>
+          <p:cNvPr id="18" name="Rectangle 17">
+            <a:extLst>
+              <a:ext uri="{FF2B5EF4-FFF2-40B4-BE49-F238E27FC236}">
+                <a16:creationId xmlns:a16="http://schemas.microsoft.com/office/drawing/2014/main" id="{73D03FC0-56BD-8F90-2B98-E2B828661BA9}"/>
+              </a:ext>
+            </a:extLst>
+          </p:cNvPr>
+          <p:cNvSpPr/>
+          <p:nvPr/>
+        </p:nvSpPr>
+        <p:spPr>
+          <a:xfrm>
+            <a:off x="5179256" y="1277504"/>
+            <a:ext cx="217909" cy="2365188"/>
+          </a:xfrm>
+          <a:prstGeom prst="rect">
+            <a:avLst/>
+          </a:prstGeom>
+        </p:spPr>
+        <p:style>
+          <a:lnRef idx="2">
+            <a:schemeClr val="accent1">
+              <a:shade val="15000"/>
+            </a:schemeClr>
+          </a:lnRef>
+          <a:fillRef idx="1">
+            <a:schemeClr val="accent1"/>
+          </a:fillRef>
+          <a:effectRef idx="0">
+            <a:schemeClr val="accent1"/>
+          </a:effectRef>
+          <a:fontRef idx="minor">
+            <a:schemeClr val="lt1"/>
+          </a:fontRef>
+        </p:style>
+        <p:txBody>
+          <a:bodyPr rtlCol="0" anchor="ctr"/>
+          <a:lstStyle/>
+          <a:p>
+            <a:pPr algn="ctr"/>
+            <a:endParaRPr lang="en-US"/>
+          </a:p>
+        </p:txBody>
+      </p:sp>
+      <p:sp>
+        <p:nvSpPr>
+          <p:cNvPr id="19" name="Rectangle 18">
+            <a:extLst>
+              <a:ext uri="{FF2B5EF4-FFF2-40B4-BE49-F238E27FC236}">
+                <a16:creationId xmlns:a16="http://schemas.microsoft.com/office/drawing/2014/main" id="{B8168AC8-4AC4-2F8E-2289-57093AA1E5D8}"/>
+              </a:ext>
+            </a:extLst>
+          </p:cNvPr>
+          <p:cNvSpPr/>
+          <p:nvPr/>
+        </p:nvSpPr>
+        <p:spPr>
+          <a:xfrm>
+            <a:off x="5412235" y="1769166"/>
+            <a:ext cx="313673" cy="1873525"/>
+          </a:xfrm>
+          <a:prstGeom prst="rect">
+            <a:avLst/>
+          </a:prstGeom>
+        </p:spPr>
+        <p:style>
+          <a:lnRef idx="2">
+            <a:schemeClr val="accent1">
+              <a:shade val="15000"/>
+            </a:schemeClr>
+          </a:lnRef>
+          <a:fillRef idx="1">
+            <a:schemeClr val="accent1"/>
+          </a:fillRef>
+          <a:effectRef idx="0">
+            <a:schemeClr val="accent1"/>
+          </a:effectRef>
+          <a:fontRef idx="minor">
+            <a:schemeClr val="lt1"/>
+          </a:fontRef>
+        </p:style>
+        <p:txBody>
+          <a:bodyPr rtlCol="0" anchor="ctr"/>
+          <a:lstStyle/>
+          <a:p>
+            <a:pPr algn="ctr"/>
+            <a:endParaRPr lang="en-US"/>
+          </a:p>
+        </p:txBody>
+      </p:sp>
+      <p:sp>
+        <p:nvSpPr>
+          <p:cNvPr id="20" name="Rectangle 19">
+            <a:extLst>
+              <a:ext uri="{FF2B5EF4-FFF2-40B4-BE49-F238E27FC236}">
+                <a16:creationId xmlns:a16="http://schemas.microsoft.com/office/drawing/2014/main" id="{759A33CB-F4AB-8677-DB55-63AA1C023898}"/>
+              </a:ext>
+            </a:extLst>
+          </p:cNvPr>
+          <p:cNvSpPr/>
+          <p:nvPr/>
+        </p:nvSpPr>
+        <p:spPr>
+          <a:xfrm>
+            <a:off x="5725908" y="1469144"/>
+            <a:ext cx="313673" cy="2153674"/>
+          </a:xfrm>
+          <a:prstGeom prst="rect">
+            <a:avLst/>
+          </a:prstGeom>
+        </p:spPr>
+        <p:style>
+          <a:lnRef idx="2">
+            <a:schemeClr val="accent1">
+              <a:shade val="15000"/>
+            </a:schemeClr>
+          </a:lnRef>
+          <a:fillRef idx="1">
+            <a:schemeClr val="accent1"/>
+          </a:fillRef>
+          <a:effectRef idx="0">
+            <a:schemeClr val="accent1"/>
+          </a:effectRef>
+          <a:fontRef idx="minor">
+            <a:schemeClr val="lt1"/>
+          </a:fontRef>
+        </p:style>
+        <p:txBody>
+          <a:bodyPr rtlCol="0" anchor="ctr"/>
+          <a:lstStyle/>
+          <a:p>
+            <a:pPr algn="ctr"/>
+            <a:endParaRPr lang="en-US"/>
+          </a:p>
+        </p:txBody>
+      </p:sp>
+      <p:sp>
+        <p:nvSpPr>
+          <p:cNvPr id="22" name="Rectangle 21">
+            <a:extLst>
+              <a:ext uri="{FF2B5EF4-FFF2-40B4-BE49-F238E27FC236}">
+                <a16:creationId xmlns:a16="http://schemas.microsoft.com/office/drawing/2014/main" id="{EAF26E2C-E346-4A43-D917-CA708AC35CD2}"/>
+              </a:ext>
+            </a:extLst>
+          </p:cNvPr>
+          <p:cNvSpPr/>
+          <p:nvPr/>
+        </p:nvSpPr>
+        <p:spPr>
+          <a:xfrm>
+            <a:off x="9726039" y="2375460"/>
+            <a:ext cx="217909" cy="1342572"/>
+          </a:xfrm>
+          <a:prstGeom prst="rect">
+            <a:avLst/>
+          </a:prstGeom>
+        </p:spPr>
+        <p:style>
+          <a:lnRef idx="2">
+            <a:schemeClr val="accent1">
+              <a:shade val="15000"/>
+            </a:schemeClr>
+          </a:lnRef>
+          <a:fillRef idx="1">
+            <a:schemeClr val="accent1"/>
+          </a:fillRef>
+          <a:effectRef idx="0">
+            <a:schemeClr val="accent1"/>
+          </a:effectRef>
+          <a:fontRef idx="minor">
+            <a:schemeClr val="lt1"/>
+          </a:fontRef>
+        </p:style>
+        <p:txBody>
+          <a:bodyPr rtlCol="0" anchor="ctr"/>
+          <a:lstStyle/>
+          <a:p>
+            <a:pPr algn="ctr"/>
+            <a:endParaRPr lang="en-US"/>
+          </a:p>
+        </p:txBody>
+      </p:sp>
+      <p:sp>
+        <p:nvSpPr>
+          <p:cNvPr id="23" name="Rectangle 22">
+            <a:extLst>
+              <a:ext uri="{FF2B5EF4-FFF2-40B4-BE49-F238E27FC236}">
+                <a16:creationId xmlns:a16="http://schemas.microsoft.com/office/drawing/2014/main" id="{61F36A03-4CF1-3F98-4421-EC5BC6E7BBDD}"/>
+              </a:ext>
+            </a:extLst>
+          </p:cNvPr>
+          <p:cNvSpPr/>
+          <p:nvPr/>
+        </p:nvSpPr>
+        <p:spPr>
+          <a:xfrm>
+            <a:off x="9959018" y="2654546"/>
+            <a:ext cx="313673" cy="1063485"/>
+          </a:xfrm>
+          <a:prstGeom prst="rect">
+            <a:avLst/>
+          </a:prstGeom>
+        </p:spPr>
+        <p:style>
+          <a:lnRef idx="2">
+            <a:schemeClr val="accent1">
+              <a:shade val="15000"/>
+            </a:schemeClr>
+          </a:lnRef>
+          <a:fillRef idx="1">
+            <a:schemeClr val="accent1"/>
+          </a:fillRef>
+          <a:effectRef idx="0">
+            <a:schemeClr val="accent1"/>
+          </a:effectRef>
+          <a:fontRef idx="minor">
+            <a:schemeClr val="lt1"/>
+          </a:fontRef>
+        </p:style>
+        <p:txBody>
+          <a:bodyPr rtlCol="0" anchor="ctr"/>
+          <a:lstStyle/>
+          <a:p>
+            <a:pPr algn="ctr"/>
+            <a:endParaRPr lang="en-US"/>
+          </a:p>
+        </p:txBody>
+      </p:sp>
+      <p:sp>
+        <p:nvSpPr>
+          <p:cNvPr id="24" name="Rectangle 23">
+            <a:extLst>
+              <a:ext uri="{FF2B5EF4-FFF2-40B4-BE49-F238E27FC236}">
+                <a16:creationId xmlns:a16="http://schemas.microsoft.com/office/drawing/2014/main" id="{2E625C11-3EC6-699C-131D-88BF6D2D5693}"/>
+              </a:ext>
+            </a:extLst>
+          </p:cNvPr>
+          <p:cNvSpPr/>
+          <p:nvPr/>
+        </p:nvSpPr>
+        <p:spPr>
+          <a:xfrm>
+            <a:off x="10272691" y="2475650"/>
+            <a:ext cx="313673" cy="1222508"/>
+          </a:xfrm>
+          <a:prstGeom prst="rect">
+            <a:avLst/>
+          </a:prstGeom>
+        </p:spPr>
+        <p:style>
+          <a:lnRef idx="2">
+            <a:schemeClr val="accent1">
+              <a:shade val="15000"/>
+            </a:schemeClr>
+          </a:lnRef>
+          <a:fillRef idx="1">
+            <a:schemeClr val="accent1"/>
+          </a:fillRef>
+          <a:effectRef idx="0">
+            <a:schemeClr val="accent1"/>
+          </a:effectRef>
+          <a:fontRef idx="minor">
+            <a:schemeClr val="lt1"/>
+          </a:fontRef>
+        </p:style>
+        <p:txBody>
+          <a:bodyPr rtlCol="0" anchor="ctr"/>
+          <a:lstStyle/>
+          <a:p>
+            <a:pPr algn="ctr"/>
+            <a:endParaRPr lang="en-US"/>
+          </a:p>
+        </p:txBody>
+      </p:sp>
+      <p:sp>
+        <p:nvSpPr>
+          <p:cNvPr id="28" name="TextBox 27">
+            <a:extLst>
+              <a:ext uri="{FF2B5EF4-FFF2-40B4-BE49-F238E27FC236}">
+                <a16:creationId xmlns:a16="http://schemas.microsoft.com/office/drawing/2014/main" id="{20B67AD4-C38C-3CC7-3302-36E191E14996}"/>
+              </a:ext>
+            </a:extLst>
+          </p:cNvPr>
+          <p:cNvSpPr txBox="1"/>
+          <p:nvPr/>
+        </p:nvSpPr>
+        <p:spPr>
+          <a:xfrm>
+            <a:off x="2365513" y="457200"/>
+            <a:ext cx="1013419" cy="369332"/>
+          </a:xfrm>
+          <a:prstGeom prst="rect">
+            <a:avLst/>
+          </a:prstGeom>
+          <a:noFill/>
+        </p:spPr>
+        <p:txBody>
+          <a:bodyPr wrap="none" rtlCol="0">
+            <a:spAutoFit/>
+          </a:bodyPr>
+          <a:lstStyle/>
+          <a:p>
+            <a:r>
+              <a:rPr lang="en-US" dirty="0"/>
+              <a:t>Seasonal</a:t>
+            </a:r>
+          </a:p>
+        </p:txBody>
+      </p:sp>
+    </p:spTree>
+    <p:extLst>
+      <p:ext uri="{BB962C8B-B14F-4D97-AF65-F5344CB8AC3E}">
+        <p14:creationId xmlns:p14="http://schemas.microsoft.com/office/powerpoint/2010/main" val="1710208196"/>
+      </p:ext>
+    </p:extLst>
+  </p:cSld>
+  <p:clrMapOvr>
+    <a:masterClrMapping/>
+  </p:clrMapOvr>
+</p:sld>
+</file>
+
+<file path=ppt/slides/slide7.xml><?xml version="1.0" encoding="utf-8"?>
+<p:sld xmlns:a="http://schemas.openxmlformats.org/drawingml/2006/main" xmlns:r="http://schemas.openxmlformats.org/officeDocument/2006/relationships" xmlns:p="http://schemas.openxmlformats.org/presentationml/2006/main">
+  <p:cSld>
+    <p:spTree>
+      <p:nvGrpSpPr>
+        <p:cNvPr id="1" name=""/>
+        <p:cNvGrpSpPr/>
+        <p:nvPr/>
+      </p:nvGrpSpPr>
+      <p:grpSpPr>
+        <a:xfrm>
+          <a:off x="0" y="0"/>
+          <a:ext cx="0" cy="0"/>
+          <a:chOff x="0" y="0"/>
+          <a:chExt cx="0" cy="0"/>
+        </a:xfrm>
+      </p:grpSpPr>
+      <p:sp>
+        <p:nvSpPr>
+          <p:cNvPr id="25" name="Rectangle 24">
+            <a:extLst>
+              <a:ext uri="{FF2B5EF4-FFF2-40B4-BE49-F238E27FC236}">
+                <a16:creationId xmlns:a16="http://schemas.microsoft.com/office/drawing/2014/main" id="{E5B06EC7-53B0-DE85-50A6-05682A8E7474}"/>
+              </a:ext>
+            </a:extLst>
+          </p:cNvPr>
+          <p:cNvSpPr/>
+          <p:nvPr/>
+        </p:nvSpPr>
+        <p:spPr>
+          <a:xfrm>
+            <a:off x="9717532" y="1282470"/>
+            <a:ext cx="217909" cy="2365188"/>
+          </a:xfrm>
+          <a:prstGeom prst="rect">
+            <a:avLst/>
+          </a:prstGeom>
+        </p:spPr>
+        <p:style>
+          <a:lnRef idx="2">
+            <a:schemeClr val="accent6">
+              <a:shade val="15000"/>
+            </a:schemeClr>
+          </a:lnRef>
+          <a:fillRef idx="1">
+            <a:schemeClr val="accent6"/>
+          </a:fillRef>
+          <a:effectRef idx="0">
+            <a:schemeClr val="accent6"/>
+          </a:effectRef>
+          <a:fontRef idx="minor">
+            <a:schemeClr val="lt1"/>
+          </a:fontRef>
+        </p:style>
+        <p:txBody>
+          <a:bodyPr rtlCol="0" anchor="ctr"/>
+          <a:lstStyle/>
+          <a:p>
+            <a:pPr algn="ctr"/>
+            <a:endParaRPr lang="en-US"/>
+          </a:p>
+        </p:txBody>
+      </p:sp>
+      <p:sp>
+        <p:nvSpPr>
+          <p:cNvPr id="26" name="Rectangle 25">
+            <a:extLst>
+              <a:ext uri="{FF2B5EF4-FFF2-40B4-BE49-F238E27FC236}">
+                <a16:creationId xmlns:a16="http://schemas.microsoft.com/office/drawing/2014/main" id="{4DCAAF61-F6DB-CA97-9343-F927343AEF9F}"/>
+              </a:ext>
+            </a:extLst>
+          </p:cNvPr>
+          <p:cNvSpPr/>
+          <p:nvPr/>
+        </p:nvSpPr>
+        <p:spPr>
+          <a:xfrm>
+            <a:off x="9950511" y="1774132"/>
+            <a:ext cx="313673" cy="1873525"/>
+          </a:xfrm>
+          <a:prstGeom prst="rect">
+            <a:avLst/>
+          </a:prstGeom>
+        </p:spPr>
+        <p:style>
+          <a:lnRef idx="2">
+            <a:schemeClr val="accent6">
+              <a:shade val="15000"/>
+            </a:schemeClr>
+          </a:lnRef>
+          <a:fillRef idx="1">
+            <a:schemeClr val="accent6"/>
+          </a:fillRef>
+          <a:effectRef idx="0">
+            <a:schemeClr val="accent6"/>
+          </a:effectRef>
+          <a:fontRef idx="minor">
+            <a:schemeClr val="lt1"/>
+          </a:fontRef>
+        </p:style>
+        <p:txBody>
+          <a:bodyPr rtlCol="0" anchor="ctr"/>
+          <a:lstStyle/>
+          <a:p>
+            <a:pPr algn="ctr"/>
+            <a:endParaRPr lang="en-US"/>
+          </a:p>
+        </p:txBody>
+      </p:sp>
+      <p:sp>
+        <p:nvSpPr>
+          <p:cNvPr id="27" name="Rectangle 26">
+            <a:extLst>
+              <a:ext uri="{FF2B5EF4-FFF2-40B4-BE49-F238E27FC236}">
+                <a16:creationId xmlns:a16="http://schemas.microsoft.com/office/drawing/2014/main" id="{33AC0A11-6B6E-EFF5-775F-BCD591411669}"/>
+              </a:ext>
+            </a:extLst>
+          </p:cNvPr>
+          <p:cNvSpPr/>
+          <p:nvPr/>
+        </p:nvSpPr>
+        <p:spPr>
+          <a:xfrm>
+            <a:off x="10264184" y="1474110"/>
+            <a:ext cx="313673" cy="2153674"/>
+          </a:xfrm>
+          <a:prstGeom prst="rect">
+            <a:avLst/>
+          </a:prstGeom>
+        </p:spPr>
+        <p:style>
+          <a:lnRef idx="2">
+            <a:schemeClr val="accent6">
+              <a:shade val="15000"/>
+            </a:schemeClr>
+          </a:lnRef>
+          <a:fillRef idx="1">
+            <a:schemeClr val="accent6"/>
+          </a:fillRef>
+          <a:effectRef idx="0">
+            <a:schemeClr val="accent6"/>
+          </a:effectRef>
+          <a:fontRef idx="minor">
+            <a:schemeClr val="lt1"/>
+          </a:fontRef>
+        </p:style>
+        <p:txBody>
+          <a:bodyPr rtlCol="0" anchor="ctr"/>
+          <a:lstStyle/>
+          <a:p>
+            <a:pPr algn="ctr"/>
+            <a:endParaRPr lang="en-US"/>
+          </a:p>
+        </p:txBody>
+      </p:sp>
+      <p:cxnSp>
+        <p:nvCxnSpPr>
+          <p:cNvPr id="5" name="Straight Connector 4">
+            <a:extLst>
+              <a:ext uri="{FF2B5EF4-FFF2-40B4-BE49-F238E27FC236}">
+                <a16:creationId xmlns:a16="http://schemas.microsoft.com/office/drawing/2014/main" id="{355EEA0A-6D30-0AEC-0B88-16FB8EC51C53}"/>
+              </a:ext>
+            </a:extLst>
+          </p:cNvPr>
+          <p:cNvCxnSpPr/>
+          <p:nvPr/>
+        </p:nvCxnSpPr>
+        <p:spPr>
+          <a:xfrm>
+            <a:off x="1321904" y="1341783"/>
+            <a:ext cx="0" cy="2295939"/>
+          </a:xfrm>
+          <a:prstGeom prst="line">
+            <a:avLst/>
+          </a:prstGeom>
+        </p:spPr>
+        <p:style>
+          <a:lnRef idx="1">
+            <a:schemeClr val="accent1"/>
+          </a:lnRef>
+          <a:fillRef idx="0">
+            <a:schemeClr val="accent1"/>
+          </a:fillRef>
+          <a:effectRef idx="0">
+            <a:schemeClr val="accent1"/>
+          </a:effectRef>
+          <a:fontRef idx="minor">
+            <a:schemeClr val="tx1"/>
+          </a:fontRef>
+        </p:style>
+      </p:cxnSp>
+      <p:cxnSp>
+        <p:nvCxnSpPr>
+          <p:cNvPr id="6" name="Straight Connector 5">
+            <a:extLst>
+              <a:ext uri="{FF2B5EF4-FFF2-40B4-BE49-F238E27FC236}">
+                <a16:creationId xmlns:a16="http://schemas.microsoft.com/office/drawing/2014/main" id="{AAC60AAE-2CFD-F946-399C-09D33A9EDBDF}"/>
+              </a:ext>
+            </a:extLst>
+          </p:cNvPr>
+          <p:cNvCxnSpPr>
+            <a:cxnSpLocks/>
+          </p:cNvCxnSpPr>
+          <p:nvPr/>
+        </p:nvCxnSpPr>
+        <p:spPr>
+          <a:xfrm flipH="1">
+            <a:off x="1321904" y="3637722"/>
+            <a:ext cx="6311348" cy="0"/>
+          </a:xfrm>
+          <a:prstGeom prst="line">
+            <a:avLst/>
+          </a:prstGeom>
+        </p:spPr>
+        <p:style>
+          <a:lnRef idx="1">
+            <a:schemeClr val="accent1"/>
+          </a:lnRef>
+          <a:fillRef idx="0">
+            <a:schemeClr val="accent1"/>
+          </a:fillRef>
+          <a:effectRef idx="0">
+            <a:schemeClr val="accent1"/>
+          </a:effectRef>
+          <a:fontRef idx="minor">
+            <a:schemeClr val="tx1"/>
+          </a:fontRef>
+        </p:style>
+      </p:cxnSp>
+      <p:sp>
+        <p:nvSpPr>
+          <p:cNvPr id="8" name="TextBox 7">
+            <a:extLst>
+              <a:ext uri="{FF2B5EF4-FFF2-40B4-BE49-F238E27FC236}">
+                <a16:creationId xmlns:a16="http://schemas.microsoft.com/office/drawing/2014/main" id="{60E36909-0C64-86DB-6485-1DE7DEF254AC}"/>
+              </a:ext>
+            </a:extLst>
+          </p:cNvPr>
+          <p:cNvSpPr txBox="1"/>
+          <p:nvPr/>
+        </p:nvSpPr>
+        <p:spPr>
+          <a:xfrm>
+            <a:off x="3061252" y="3965713"/>
+            <a:ext cx="964816" cy="369332"/>
+          </a:xfrm>
+          <a:prstGeom prst="rect">
+            <a:avLst/>
+          </a:prstGeom>
+          <a:noFill/>
+        </p:spPr>
+        <p:txBody>
+          <a:bodyPr wrap="none" rtlCol="0">
+            <a:spAutoFit/>
+          </a:bodyPr>
+          <a:lstStyle/>
+          <a:p>
+            <a:r>
+              <a:rPr lang="en-US" dirty="0"/>
+              <a:t>Months </a:t>
+            </a:r>
+          </a:p>
+        </p:txBody>
+      </p:sp>
+      <p:sp>
+        <p:nvSpPr>
+          <p:cNvPr id="9" name="TextBox 8">
+            <a:extLst>
+              <a:ext uri="{FF2B5EF4-FFF2-40B4-BE49-F238E27FC236}">
+                <a16:creationId xmlns:a16="http://schemas.microsoft.com/office/drawing/2014/main" id="{DA9C34E9-3E2D-BF86-E63A-C47C923C7F40}"/>
+              </a:ext>
+            </a:extLst>
+          </p:cNvPr>
+          <p:cNvSpPr txBox="1"/>
+          <p:nvPr/>
+        </p:nvSpPr>
+        <p:spPr>
+          <a:xfrm>
+            <a:off x="3706551" y="3647661"/>
+            <a:ext cx="702436" cy="369332"/>
+          </a:xfrm>
+          <a:prstGeom prst="rect">
+            <a:avLst/>
+          </a:prstGeom>
+          <a:noFill/>
+        </p:spPr>
+        <p:txBody>
+          <a:bodyPr wrap="none" rtlCol="0">
+            <a:spAutoFit/>
+          </a:bodyPr>
+          <a:lstStyle/>
+          <a:p>
+            <a:r>
+              <a:rPr lang="en-US" dirty="0"/>
+              <a:t>Jun ft</a:t>
+            </a:r>
+          </a:p>
+        </p:txBody>
+      </p:sp>
+      <p:sp>
+        <p:nvSpPr>
+          <p:cNvPr id="10" name="TextBox 9">
+            <a:extLst>
+              <a:ext uri="{FF2B5EF4-FFF2-40B4-BE49-F238E27FC236}">
+                <a16:creationId xmlns:a16="http://schemas.microsoft.com/office/drawing/2014/main" id="{9FC350D6-8E02-19AF-C077-DB973F584C9C}"/>
+              </a:ext>
+            </a:extLst>
+          </p:cNvPr>
+          <p:cNvSpPr txBox="1"/>
+          <p:nvPr/>
+        </p:nvSpPr>
+        <p:spPr>
+          <a:xfrm>
+            <a:off x="2036778" y="3637722"/>
+            <a:ext cx="792718" cy="369332"/>
+          </a:xfrm>
+          <a:prstGeom prst="rect">
+            <a:avLst/>
+          </a:prstGeom>
+          <a:noFill/>
+        </p:spPr>
+        <p:txBody>
+          <a:bodyPr wrap="none" rtlCol="0">
+            <a:spAutoFit/>
+          </a:bodyPr>
+          <a:lstStyle/>
+          <a:p>
+            <a:r>
+              <a:rPr lang="en-US" dirty="0"/>
+              <a:t>May ft</a:t>
+            </a:r>
+          </a:p>
+        </p:txBody>
+      </p:sp>
+      <p:sp>
+        <p:nvSpPr>
+          <p:cNvPr id="11" name="TextBox 10">
+            <a:extLst>
+              <a:ext uri="{FF2B5EF4-FFF2-40B4-BE49-F238E27FC236}">
+                <a16:creationId xmlns:a16="http://schemas.microsoft.com/office/drawing/2014/main" id="{85AB6111-79C5-6315-BE9F-0EDB7024CFF5}"/>
+              </a:ext>
+            </a:extLst>
+          </p:cNvPr>
+          <p:cNvSpPr txBox="1"/>
+          <p:nvPr/>
+        </p:nvSpPr>
+        <p:spPr>
+          <a:xfrm>
+            <a:off x="5380684" y="3647661"/>
+            <a:ext cx="502061" cy="369332"/>
+          </a:xfrm>
+          <a:prstGeom prst="rect">
+            <a:avLst/>
+          </a:prstGeom>
+          <a:noFill/>
+        </p:spPr>
+        <p:txBody>
+          <a:bodyPr wrap="none" rtlCol="0">
+            <a:spAutoFit/>
+          </a:bodyPr>
+          <a:lstStyle/>
+          <a:p>
+            <a:r>
+              <a:rPr lang="en-US" dirty="0"/>
+              <a:t>5 ft</a:t>
+            </a:r>
+          </a:p>
+        </p:txBody>
+      </p:sp>
+      <p:sp>
+        <p:nvSpPr>
+          <p:cNvPr id="12" name="Rectangle 11">
+            <a:extLst>
+              <a:ext uri="{FF2B5EF4-FFF2-40B4-BE49-F238E27FC236}">
+                <a16:creationId xmlns:a16="http://schemas.microsoft.com/office/drawing/2014/main" id="{6D180C10-A378-A80C-4399-5602147DCACA}"/>
+              </a:ext>
+            </a:extLst>
+          </p:cNvPr>
+          <p:cNvSpPr/>
+          <p:nvPr/>
+        </p:nvSpPr>
+        <p:spPr>
+          <a:xfrm>
+            <a:off x="1818861" y="2295148"/>
+            <a:ext cx="217909" cy="1342572"/>
+          </a:xfrm>
+          <a:prstGeom prst="rect">
+            <a:avLst/>
+          </a:prstGeom>
+        </p:spPr>
+        <p:style>
+          <a:lnRef idx="2">
+            <a:schemeClr val="accent1">
+              <a:shade val="15000"/>
+            </a:schemeClr>
+          </a:lnRef>
+          <a:fillRef idx="1">
+            <a:schemeClr val="accent1"/>
+          </a:fillRef>
+          <a:effectRef idx="0">
+            <a:schemeClr val="accent1"/>
+          </a:effectRef>
+          <a:fontRef idx="minor">
+            <a:schemeClr val="lt1"/>
+          </a:fontRef>
+        </p:style>
+        <p:txBody>
+          <a:bodyPr rtlCol="0" anchor="ctr"/>
+          <a:lstStyle/>
+          <a:p>
+            <a:pPr algn="ctr"/>
+            <a:endParaRPr lang="en-US"/>
+          </a:p>
+        </p:txBody>
+      </p:sp>
+      <p:sp>
+        <p:nvSpPr>
+          <p:cNvPr id="13" name="Rectangle 12">
+            <a:extLst>
+              <a:ext uri="{FF2B5EF4-FFF2-40B4-BE49-F238E27FC236}">
+                <a16:creationId xmlns:a16="http://schemas.microsoft.com/office/drawing/2014/main" id="{6433ACA7-7F98-B6EF-0D08-23EB16ADB5A5}"/>
+              </a:ext>
+            </a:extLst>
+          </p:cNvPr>
+          <p:cNvSpPr/>
+          <p:nvPr/>
+        </p:nvSpPr>
+        <p:spPr>
+          <a:xfrm>
+            <a:off x="2051840" y="2584173"/>
+            <a:ext cx="313673" cy="1063485"/>
+          </a:xfrm>
+          <a:prstGeom prst="rect">
+            <a:avLst/>
+          </a:prstGeom>
+        </p:spPr>
+        <p:style>
+          <a:lnRef idx="2">
+            <a:schemeClr val="accent1">
+              <a:shade val="15000"/>
+            </a:schemeClr>
+          </a:lnRef>
+          <a:fillRef idx="1">
+            <a:schemeClr val="accent1"/>
+          </a:fillRef>
+          <a:effectRef idx="0">
+            <a:schemeClr val="accent1"/>
+          </a:effectRef>
+          <a:fontRef idx="minor">
+            <a:schemeClr val="lt1"/>
+          </a:fontRef>
+        </p:style>
+        <p:txBody>
+          <a:bodyPr rtlCol="0" anchor="ctr"/>
+          <a:lstStyle/>
+          <a:p>
+            <a:pPr algn="ctr"/>
+            <a:endParaRPr lang="en-US"/>
+          </a:p>
+        </p:txBody>
+      </p:sp>
+      <p:sp>
+        <p:nvSpPr>
+          <p:cNvPr id="14" name="Rectangle 13">
+            <a:extLst>
+              <a:ext uri="{FF2B5EF4-FFF2-40B4-BE49-F238E27FC236}">
+                <a16:creationId xmlns:a16="http://schemas.microsoft.com/office/drawing/2014/main" id="{B8BAF791-7D2D-E0F6-260F-64C396AC608F}"/>
+              </a:ext>
+            </a:extLst>
+          </p:cNvPr>
+          <p:cNvSpPr/>
+          <p:nvPr/>
+        </p:nvSpPr>
+        <p:spPr>
+          <a:xfrm>
+            <a:off x="2365513" y="2405277"/>
+            <a:ext cx="313673" cy="1222508"/>
+          </a:xfrm>
+          <a:prstGeom prst="rect">
+            <a:avLst/>
+          </a:prstGeom>
+        </p:spPr>
+        <p:style>
+          <a:lnRef idx="2">
+            <a:schemeClr val="accent1">
+              <a:shade val="15000"/>
+            </a:schemeClr>
+          </a:lnRef>
+          <a:fillRef idx="1">
+            <a:schemeClr val="accent1"/>
+          </a:fillRef>
+          <a:effectRef idx="0">
+            <a:schemeClr val="accent1"/>
+          </a:effectRef>
+          <a:fontRef idx="minor">
+            <a:schemeClr val="lt1"/>
+          </a:fontRef>
+        </p:style>
+        <p:txBody>
+          <a:bodyPr rtlCol="0" anchor="ctr"/>
+          <a:lstStyle/>
+          <a:p>
+            <a:pPr algn="ctr"/>
+            <a:endParaRPr lang="en-US"/>
+          </a:p>
+        </p:txBody>
+      </p:sp>
+      <p:sp>
+        <p:nvSpPr>
+          <p:cNvPr id="15" name="Rectangle 14">
+            <a:extLst>
+              <a:ext uri="{FF2B5EF4-FFF2-40B4-BE49-F238E27FC236}">
+                <a16:creationId xmlns:a16="http://schemas.microsoft.com/office/drawing/2014/main" id="{F476DA95-3715-1431-758D-60AD0D46F318}"/>
+              </a:ext>
+            </a:extLst>
+          </p:cNvPr>
+          <p:cNvSpPr/>
+          <p:nvPr/>
+        </p:nvSpPr>
+        <p:spPr>
+          <a:xfrm>
+            <a:off x="3505123" y="1854688"/>
+            <a:ext cx="217909" cy="1788003"/>
+          </a:xfrm>
+          <a:prstGeom prst="rect">
+            <a:avLst/>
+          </a:prstGeom>
+        </p:spPr>
+        <p:style>
+          <a:lnRef idx="2">
+            <a:schemeClr val="accent1">
+              <a:shade val="15000"/>
+            </a:schemeClr>
+          </a:lnRef>
+          <a:fillRef idx="1">
+            <a:schemeClr val="accent1"/>
+          </a:fillRef>
+          <a:effectRef idx="0">
+            <a:schemeClr val="accent1"/>
+          </a:effectRef>
+          <a:fontRef idx="minor">
+            <a:schemeClr val="lt1"/>
+          </a:fontRef>
+        </p:style>
+        <p:txBody>
+          <a:bodyPr rtlCol="0" anchor="ctr"/>
+          <a:lstStyle/>
+          <a:p>
+            <a:pPr algn="ctr"/>
+            <a:endParaRPr lang="en-US"/>
+          </a:p>
+        </p:txBody>
+      </p:sp>
+      <p:sp>
+        <p:nvSpPr>
+          <p:cNvPr id="16" name="Rectangle 15">
+            <a:extLst>
+              <a:ext uri="{FF2B5EF4-FFF2-40B4-BE49-F238E27FC236}">
+                <a16:creationId xmlns:a16="http://schemas.microsoft.com/office/drawing/2014/main" id="{5ED3887F-53C2-1D2B-4ED2-F63B5B935C22}"/>
+              </a:ext>
+            </a:extLst>
+          </p:cNvPr>
+          <p:cNvSpPr/>
+          <p:nvPr/>
+        </p:nvSpPr>
+        <p:spPr>
+          <a:xfrm>
+            <a:off x="3738102" y="2226369"/>
+            <a:ext cx="313673" cy="1416322"/>
+          </a:xfrm>
+          <a:prstGeom prst="rect">
+            <a:avLst/>
+          </a:prstGeom>
+        </p:spPr>
+        <p:style>
+          <a:lnRef idx="2">
+            <a:schemeClr val="accent1">
+              <a:shade val="15000"/>
+            </a:schemeClr>
+          </a:lnRef>
+          <a:fillRef idx="1">
+            <a:schemeClr val="accent1"/>
+          </a:fillRef>
+          <a:effectRef idx="0">
+            <a:schemeClr val="accent1"/>
+          </a:effectRef>
+          <a:fontRef idx="minor">
+            <a:schemeClr val="lt1"/>
+          </a:fontRef>
+        </p:style>
+        <p:txBody>
+          <a:bodyPr rtlCol="0" anchor="ctr"/>
+          <a:lstStyle/>
+          <a:p>
+            <a:pPr algn="ctr"/>
+            <a:endParaRPr lang="en-US"/>
+          </a:p>
+        </p:txBody>
+      </p:sp>
+      <p:sp>
+        <p:nvSpPr>
+          <p:cNvPr id="17" name="Rectangle 16">
+            <a:extLst>
+              <a:ext uri="{FF2B5EF4-FFF2-40B4-BE49-F238E27FC236}">
+                <a16:creationId xmlns:a16="http://schemas.microsoft.com/office/drawing/2014/main" id="{8F463CB4-5C35-12EE-7F4E-0788894B62B7}"/>
+              </a:ext>
+            </a:extLst>
+          </p:cNvPr>
+          <p:cNvSpPr/>
+          <p:nvPr/>
+        </p:nvSpPr>
+        <p:spPr>
+          <a:xfrm>
+            <a:off x="4051775" y="1994712"/>
+            <a:ext cx="313673" cy="1628105"/>
+          </a:xfrm>
+          <a:prstGeom prst="rect">
+            <a:avLst/>
+          </a:prstGeom>
+        </p:spPr>
+        <p:style>
+          <a:lnRef idx="2">
+            <a:schemeClr val="accent1">
+              <a:shade val="15000"/>
+            </a:schemeClr>
+          </a:lnRef>
+          <a:fillRef idx="1">
+            <a:schemeClr val="accent1"/>
+          </a:fillRef>
+          <a:effectRef idx="0">
+            <a:schemeClr val="accent1"/>
+          </a:effectRef>
+          <a:fontRef idx="minor">
+            <a:schemeClr val="lt1"/>
+          </a:fontRef>
+        </p:style>
+        <p:txBody>
+          <a:bodyPr rtlCol="0" anchor="ctr"/>
+          <a:lstStyle/>
+          <a:p>
+            <a:pPr algn="ctr"/>
+            <a:endParaRPr lang="en-US"/>
+          </a:p>
+        </p:txBody>
+      </p:sp>
+      <p:sp>
+        <p:nvSpPr>
+          <p:cNvPr id="18" name="Rectangle 17">
+            <a:extLst>
+              <a:ext uri="{FF2B5EF4-FFF2-40B4-BE49-F238E27FC236}">
+                <a16:creationId xmlns:a16="http://schemas.microsoft.com/office/drawing/2014/main" id="{73D03FC0-56BD-8F90-2B98-E2B828661BA9}"/>
+              </a:ext>
+            </a:extLst>
+          </p:cNvPr>
+          <p:cNvSpPr/>
+          <p:nvPr/>
+        </p:nvSpPr>
+        <p:spPr>
+          <a:xfrm>
+            <a:off x="5179256" y="1277504"/>
+            <a:ext cx="217909" cy="2365188"/>
+          </a:xfrm>
+          <a:prstGeom prst="rect">
+            <a:avLst/>
+          </a:prstGeom>
+        </p:spPr>
+        <p:style>
+          <a:lnRef idx="2">
+            <a:schemeClr val="accent1">
+              <a:shade val="15000"/>
+            </a:schemeClr>
+          </a:lnRef>
+          <a:fillRef idx="1">
+            <a:schemeClr val="accent1"/>
+          </a:fillRef>
+          <a:effectRef idx="0">
+            <a:schemeClr val="accent1"/>
+          </a:effectRef>
+          <a:fontRef idx="minor">
+            <a:schemeClr val="lt1"/>
+          </a:fontRef>
+        </p:style>
+        <p:txBody>
+          <a:bodyPr rtlCol="0" anchor="ctr"/>
+          <a:lstStyle/>
+          <a:p>
+            <a:pPr algn="ctr"/>
+            <a:endParaRPr lang="en-US"/>
+          </a:p>
+        </p:txBody>
+      </p:sp>
+      <p:sp>
+        <p:nvSpPr>
+          <p:cNvPr id="19" name="Rectangle 18">
+            <a:extLst>
+              <a:ext uri="{FF2B5EF4-FFF2-40B4-BE49-F238E27FC236}">
+                <a16:creationId xmlns:a16="http://schemas.microsoft.com/office/drawing/2014/main" id="{B8168AC8-4AC4-2F8E-2289-57093AA1E5D8}"/>
+              </a:ext>
+            </a:extLst>
+          </p:cNvPr>
+          <p:cNvSpPr/>
+          <p:nvPr/>
+        </p:nvSpPr>
+        <p:spPr>
+          <a:xfrm>
+            <a:off x="5412235" y="1769166"/>
+            <a:ext cx="313673" cy="1873525"/>
+          </a:xfrm>
+          <a:prstGeom prst="rect">
+            <a:avLst/>
+          </a:prstGeom>
+        </p:spPr>
+        <p:style>
+          <a:lnRef idx="2">
+            <a:schemeClr val="accent1">
+              <a:shade val="15000"/>
+            </a:schemeClr>
+          </a:lnRef>
+          <a:fillRef idx="1">
+            <a:schemeClr val="accent1"/>
+          </a:fillRef>
+          <a:effectRef idx="0">
+            <a:schemeClr val="accent1"/>
+          </a:effectRef>
+          <a:fontRef idx="minor">
+            <a:schemeClr val="lt1"/>
+          </a:fontRef>
+        </p:style>
+        <p:txBody>
+          <a:bodyPr rtlCol="0" anchor="ctr"/>
+          <a:lstStyle/>
+          <a:p>
+            <a:pPr algn="ctr"/>
+            <a:endParaRPr lang="en-US"/>
+          </a:p>
+        </p:txBody>
+      </p:sp>
+      <p:sp>
+        <p:nvSpPr>
+          <p:cNvPr id="20" name="Rectangle 19">
+            <a:extLst>
+              <a:ext uri="{FF2B5EF4-FFF2-40B4-BE49-F238E27FC236}">
+                <a16:creationId xmlns:a16="http://schemas.microsoft.com/office/drawing/2014/main" id="{759A33CB-F4AB-8677-DB55-63AA1C023898}"/>
+              </a:ext>
+            </a:extLst>
+          </p:cNvPr>
+          <p:cNvSpPr/>
+          <p:nvPr/>
+        </p:nvSpPr>
+        <p:spPr>
+          <a:xfrm>
+            <a:off x="5725908" y="1469144"/>
+            <a:ext cx="313673" cy="2153674"/>
+          </a:xfrm>
+          <a:prstGeom prst="rect">
+            <a:avLst/>
+          </a:prstGeom>
+        </p:spPr>
+        <p:style>
+          <a:lnRef idx="2">
+            <a:schemeClr val="accent1">
+              <a:shade val="15000"/>
+            </a:schemeClr>
+          </a:lnRef>
+          <a:fillRef idx="1">
+            <a:schemeClr val="accent1"/>
+          </a:fillRef>
+          <a:effectRef idx="0">
+            <a:schemeClr val="accent1"/>
+          </a:effectRef>
+          <a:fontRef idx="minor">
+            <a:schemeClr val="lt1"/>
+          </a:fontRef>
+        </p:style>
+        <p:txBody>
+          <a:bodyPr rtlCol="0" anchor="ctr"/>
+          <a:lstStyle/>
+          <a:p>
+            <a:pPr algn="ctr"/>
+            <a:endParaRPr lang="en-US"/>
+          </a:p>
+        </p:txBody>
+      </p:sp>
+      <p:sp>
+        <p:nvSpPr>
+          <p:cNvPr id="22" name="Rectangle 21">
+            <a:extLst>
+              <a:ext uri="{FF2B5EF4-FFF2-40B4-BE49-F238E27FC236}">
+                <a16:creationId xmlns:a16="http://schemas.microsoft.com/office/drawing/2014/main" id="{EAF26E2C-E346-4A43-D917-CA708AC35CD2}"/>
+              </a:ext>
+            </a:extLst>
+          </p:cNvPr>
+          <p:cNvSpPr/>
+          <p:nvPr/>
+        </p:nvSpPr>
+        <p:spPr>
+          <a:xfrm>
+            <a:off x="9726039" y="2375460"/>
+            <a:ext cx="217909" cy="1342572"/>
+          </a:xfrm>
+          <a:prstGeom prst="rect">
+            <a:avLst/>
+          </a:prstGeom>
+        </p:spPr>
+        <p:style>
+          <a:lnRef idx="2">
+            <a:schemeClr val="accent1">
+              <a:shade val="15000"/>
+            </a:schemeClr>
+          </a:lnRef>
+          <a:fillRef idx="1">
+            <a:schemeClr val="accent1"/>
+          </a:fillRef>
+          <a:effectRef idx="0">
+            <a:schemeClr val="accent1"/>
+          </a:effectRef>
+          <a:fontRef idx="minor">
+            <a:schemeClr val="lt1"/>
+          </a:fontRef>
+        </p:style>
+        <p:txBody>
+          <a:bodyPr rtlCol="0" anchor="ctr"/>
+          <a:lstStyle/>
+          <a:p>
+            <a:pPr algn="ctr"/>
+            <a:endParaRPr lang="en-US"/>
+          </a:p>
+        </p:txBody>
+      </p:sp>
+      <p:sp>
+        <p:nvSpPr>
+          <p:cNvPr id="23" name="Rectangle 22">
+            <a:extLst>
+              <a:ext uri="{FF2B5EF4-FFF2-40B4-BE49-F238E27FC236}">
+                <a16:creationId xmlns:a16="http://schemas.microsoft.com/office/drawing/2014/main" id="{61F36A03-4CF1-3F98-4421-EC5BC6E7BBDD}"/>
+              </a:ext>
+            </a:extLst>
+          </p:cNvPr>
+          <p:cNvSpPr/>
+          <p:nvPr/>
+        </p:nvSpPr>
+        <p:spPr>
+          <a:xfrm>
+            <a:off x="9959018" y="2654546"/>
+            <a:ext cx="313673" cy="1063485"/>
+          </a:xfrm>
+          <a:prstGeom prst="rect">
+            <a:avLst/>
+          </a:prstGeom>
+        </p:spPr>
+        <p:style>
+          <a:lnRef idx="2">
+            <a:schemeClr val="accent1">
+              <a:shade val="15000"/>
+            </a:schemeClr>
+          </a:lnRef>
+          <a:fillRef idx="1">
+            <a:schemeClr val="accent1"/>
+          </a:fillRef>
+          <a:effectRef idx="0">
+            <a:schemeClr val="accent1"/>
+          </a:effectRef>
+          <a:fontRef idx="minor">
+            <a:schemeClr val="lt1"/>
+          </a:fontRef>
+        </p:style>
+        <p:txBody>
+          <a:bodyPr rtlCol="0" anchor="ctr"/>
+          <a:lstStyle/>
+          <a:p>
+            <a:pPr algn="ctr"/>
+            <a:endParaRPr lang="en-US"/>
+          </a:p>
+        </p:txBody>
+      </p:sp>
+      <p:sp>
+        <p:nvSpPr>
+          <p:cNvPr id="24" name="Rectangle 23">
+            <a:extLst>
+              <a:ext uri="{FF2B5EF4-FFF2-40B4-BE49-F238E27FC236}">
+                <a16:creationId xmlns:a16="http://schemas.microsoft.com/office/drawing/2014/main" id="{2E625C11-3EC6-699C-131D-88BF6D2D5693}"/>
+              </a:ext>
+            </a:extLst>
+          </p:cNvPr>
+          <p:cNvSpPr/>
+          <p:nvPr/>
+        </p:nvSpPr>
+        <p:spPr>
+          <a:xfrm>
+            <a:off x="10272691" y="2475650"/>
+            <a:ext cx="313673" cy="1222508"/>
+          </a:xfrm>
+          <a:prstGeom prst="rect">
+            <a:avLst/>
+          </a:prstGeom>
+        </p:spPr>
+        <p:style>
+          <a:lnRef idx="2">
+            <a:schemeClr val="accent1">
+              <a:shade val="15000"/>
+            </a:schemeClr>
+          </a:lnRef>
+          <a:fillRef idx="1">
+            <a:schemeClr val="accent1"/>
+          </a:fillRef>
+          <a:effectRef idx="0">
+            <a:schemeClr val="accent1"/>
+          </a:effectRef>
+          <a:fontRef idx="minor">
+            <a:schemeClr val="lt1"/>
+          </a:fontRef>
+        </p:style>
+        <p:txBody>
+          <a:bodyPr rtlCol="0" anchor="ctr"/>
+          <a:lstStyle/>
+          <a:p>
+            <a:pPr algn="ctr"/>
+            <a:endParaRPr lang="en-US"/>
+          </a:p>
+        </p:txBody>
+      </p:sp>
+      <p:sp>
+        <p:nvSpPr>
+          <p:cNvPr id="3" name="TextBox 2">
+            <a:extLst>
+              <a:ext uri="{FF2B5EF4-FFF2-40B4-BE49-F238E27FC236}">
+                <a16:creationId xmlns:a16="http://schemas.microsoft.com/office/drawing/2014/main" id="{F25AAA33-4629-E86B-9233-EBF1D7DD5629}"/>
+              </a:ext>
+            </a:extLst>
+          </p:cNvPr>
+          <p:cNvSpPr txBox="1"/>
+          <p:nvPr/>
+        </p:nvSpPr>
+        <p:spPr>
+          <a:xfrm>
+            <a:off x="2635148" y="3083607"/>
+            <a:ext cx="449162" cy="369332"/>
+          </a:xfrm>
+          <a:prstGeom prst="rect">
+            <a:avLst/>
+          </a:prstGeom>
+          <a:noFill/>
+        </p:spPr>
+        <p:txBody>
+          <a:bodyPr wrap="none" rtlCol="0">
+            <a:spAutoFit/>
+          </a:bodyPr>
+          <a:lstStyle/>
+          <a:p>
+            <a:r>
+              <a:rPr lang="en-US" dirty="0"/>
+              <a:t>2ft</a:t>
+            </a:r>
+          </a:p>
+        </p:txBody>
+      </p:sp>
+      <p:sp>
+        <p:nvSpPr>
+          <p:cNvPr id="4" name="TextBox 3">
+            <a:extLst>
+              <a:ext uri="{FF2B5EF4-FFF2-40B4-BE49-F238E27FC236}">
+                <a16:creationId xmlns:a16="http://schemas.microsoft.com/office/drawing/2014/main" id="{0AADD36C-A473-E0B8-8DC5-70070D549B49}"/>
+              </a:ext>
+            </a:extLst>
+          </p:cNvPr>
+          <p:cNvSpPr txBox="1"/>
+          <p:nvPr/>
+        </p:nvSpPr>
+        <p:spPr>
+          <a:xfrm>
+            <a:off x="1831932" y="1962709"/>
+            <a:ext cx="889987" cy="369332"/>
+          </a:xfrm>
+          <a:prstGeom prst="rect">
+            <a:avLst/>
+          </a:prstGeom>
+          <a:noFill/>
+        </p:spPr>
+        <p:txBody>
+          <a:bodyPr wrap="none" rtlCol="0">
+            <a:spAutoFit/>
+          </a:bodyPr>
+          <a:lstStyle/>
+          <a:p>
+            <a:r>
+              <a:rPr lang="en-US" dirty="0"/>
+              <a:t>E   C  W</a:t>
+            </a:r>
+          </a:p>
+        </p:txBody>
+      </p:sp>
+      <p:sp>
+        <p:nvSpPr>
+          <p:cNvPr id="7" name="TextBox 6">
+            <a:extLst>
+              <a:ext uri="{FF2B5EF4-FFF2-40B4-BE49-F238E27FC236}">
+                <a16:creationId xmlns:a16="http://schemas.microsoft.com/office/drawing/2014/main" id="{21EBA139-68F0-96D3-A6F5-BC14450B1EE5}"/>
+              </a:ext>
+            </a:extLst>
+          </p:cNvPr>
+          <p:cNvSpPr txBox="1"/>
+          <p:nvPr/>
+        </p:nvSpPr>
+        <p:spPr>
+          <a:xfrm>
+            <a:off x="2700698" y="2489752"/>
+            <a:ext cx="449162" cy="369332"/>
+          </a:xfrm>
+          <a:prstGeom prst="rect">
+            <a:avLst/>
+          </a:prstGeom>
+          <a:noFill/>
+        </p:spPr>
+        <p:txBody>
+          <a:bodyPr wrap="none" rtlCol="0">
+            <a:spAutoFit/>
+          </a:bodyPr>
+          <a:lstStyle/>
+          <a:p>
+            <a:r>
+              <a:rPr lang="en-US" dirty="0"/>
+              <a:t>6ft</a:t>
+            </a:r>
+          </a:p>
+        </p:txBody>
+      </p:sp>
+      <p:sp>
+        <p:nvSpPr>
+          <p:cNvPr id="21" name="Rectangle 20">
+            <a:extLst>
+              <a:ext uri="{FF2B5EF4-FFF2-40B4-BE49-F238E27FC236}">
+                <a16:creationId xmlns:a16="http://schemas.microsoft.com/office/drawing/2014/main" id="{0BC347A5-420A-A9D1-A3EA-80B87A92BC76}"/>
+              </a:ext>
+            </a:extLst>
+          </p:cNvPr>
+          <p:cNvSpPr/>
+          <p:nvPr/>
+        </p:nvSpPr>
+        <p:spPr>
+          <a:xfrm>
+            <a:off x="1813738" y="2980555"/>
+            <a:ext cx="217909" cy="680046"/>
+          </a:xfrm>
+          <a:prstGeom prst="rect">
+            <a:avLst/>
+          </a:prstGeom>
+          <a:solidFill>
+            <a:schemeClr val="accent2"/>
+          </a:solidFill>
+        </p:spPr>
+        <p:style>
+          <a:lnRef idx="2">
+            <a:schemeClr val="accent1">
+              <a:shade val="15000"/>
+            </a:schemeClr>
+          </a:lnRef>
+          <a:fillRef idx="1">
+            <a:schemeClr val="accent1"/>
+          </a:fillRef>
+          <a:effectRef idx="0">
+            <a:schemeClr val="accent1"/>
+          </a:effectRef>
+          <a:fontRef idx="minor">
+            <a:schemeClr val="lt1"/>
+          </a:fontRef>
+        </p:style>
+        <p:txBody>
+          <a:bodyPr rtlCol="0" anchor="ctr"/>
+          <a:lstStyle/>
+          <a:p>
+            <a:pPr algn="ctr"/>
+            <a:endParaRPr lang="en-US"/>
+          </a:p>
+        </p:txBody>
+      </p:sp>
+      <p:sp>
+        <p:nvSpPr>
+          <p:cNvPr id="28" name="Rectangle 27">
+            <a:extLst>
+              <a:ext uri="{FF2B5EF4-FFF2-40B4-BE49-F238E27FC236}">
+                <a16:creationId xmlns:a16="http://schemas.microsoft.com/office/drawing/2014/main" id="{93333E30-2C41-4BDF-1B54-BFB59253C7AF}"/>
+              </a:ext>
+            </a:extLst>
+          </p:cNvPr>
+          <p:cNvSpPr/>
+          <p:nvPr/>
+        </p:nvSpPr>
+        <p:spPr>
+          <a:xfrm>
+            <a:off x="2036778" y="3111979"/>
+            <a:ext cx="313673" cy="538682"/>
+          </a:xfrm>
+          <a:prstGeom prst="rect">
+            <a:avLst/>
+          </a:prstGeom>
+          <a:solidFill>
+            <a:schemeClr val="accent2"/>
+          </a:solidFill>
+        </p:spPr>
+        <p:style>
+          <a:lnRef idx="2">
+            <a:schemeClr val="accent1">
+              <a:shade val="15000"/>
+            </a:schemeClr>
+          </a:lnRef>
+          <a:fillRef idx="1">
+            <a:schemeClr val="accent1"/>
+          </a:fillRef>
+          <a:effectRef idx="0">
+            <a:schemeClr val="accent1"/>
+          </a:effectRef>
+          <a:fontRef idx="minor">
+            <a:schemeClr val="lt1"/>
+          </a:fontRef>
+        </p:style>
+        <p:txBody>
+          <a:bodyPr rtlCol="0" anchor="ctr"/>
+          <a:lstStyle/>
+          <a:p>
+            <a:pPr algn="ctr"/>
+            <a:endParaRPr lang="en-US"/>
+          </a:p>
+        </p:txBody>
+      </p:sp>
+      <p:sp>
+        <p:nvSpPr>
+          <p:cNvPr id="29" name="Rectangle 28">
+            <a:extLst>
+              <a:ext uri="{FF2B5EF4-FFF2-40B4-BE49-F238E27FC236}">
+                <a16:creationId xmlns:a16="http://schemas.microsoft.com/office/drawing/2014/main" id="{E3F6658B-922A-7F42-5CEA-807C836F1EDC}"/>
+              </a:ext>
+            </a:extLst>
+          </p:cNvPr>
+          <p:cNvSpPr/>
+          <p:nvPr/>
+        </p:nvSpPr>
+        <p:spPr>
+          <a:xfrm>
+            <a:off x="2360390" y="3021495"/>
+            <a:ext cx="313673" cy="619231"/>
+          </a:xfrm>
+          <a:prstGeom prst="rect">
+            <a:avLst/>
+          </a:prstGeom>
+          <a:solidFill>
+            <a:schemeClr val="accent2"/>
+          </a:solidFill>
+        </p:spPr>
+        <p:style>
+          <a:lnRef idx="2">
+            <a:schemeClr val="accent1">
+              <a:shade val="15000"/>
+            </a:schemeClr>
+          </a:lnRef>
+          <a:fillRef idx="1">
+            <a:schemeClr val="accent1"/>
+          </a:fillRef>
+          <a:effectRef idx="0">
+            <a:schemeClr val="accent1"/>
+          </a:effectRef>
+          <a:fontRef idx="minor">
+            <a:schemeClr val="lt1"/>
+          </a:fontRef>
+        </p:style>
+        <p:txBody>
+          <a:bodyPr rtlCol="0" anchor="ctr"/>
+          <a:lstStyle/>
+          <a:p>
+            <a:pPr algn="ctr"/>
+            <a:endParaRPr lang="en-US"/>
+          </a:p>
+        </p:txBody>
+      </p:sp>
+      <p:sp>
+        <p:nvSpPr>
+          <p:cNvPr id="31" name="TextBox 30">
+            <a:extLst>
+              <a:ext uri="{FF2B5EF4-FFF2-40B4-BE49-F238E27FC236}">
+                <a16:creationId xmlns:a16="http://schemas.microsoft.com/office/drawing/2014/main" id="{C0AC34FF-C1FC-4A1C-AAB4-5AC6389B7431}"/>
+              </a:ext>
+            </a:extLst>
+          </p:cNvPr>
+          <p:cNvSpPr txBox="1"/>
+          <p:nvPr/>
+        </p:nvSpPr>
+        <p:spPr>
+          <a:xfrm>
+            <a:off x="5725908" y="4979504"/>
+            <a:ext cx="939296" cy="646331"/>
+          </a:xfrm>
+          <a:prstGeom prst="rect">
+            <a:avLst/>
+          </a:prstGeom>
+          <a:noFill/>
+        </p:spPr>
+        <p:txBody>
+          <a:bodyPr wrap="none" rtlCol="0">
+            <a:spAutoFit/>
+          </a:bodyPr>
+          <a:lstStyle/>
+          <a:p>
+            <a:r>
+              <a:rPr lang="en-US" dirty="0"/>
+              <a:t>Average</a:t>
+            </a:r>
+          </a:p>
+          <a:p>
+            <a:endParaRPr lang="en-US" dirty="0"/>
+          </a:p>
+        </p:txBody>
+      </p:sp>
+    </p:spTree>
+    <p:extLst>
+      <p:ext uri="{BB962C8B-B14F-4D97-AF65-F5344CB8AC3E}">
+        <p14:creationId xmlns:p14="http://schemas.microsoft.com/office/powerpoint/2010/main" val="1572715396"/>
+      </p:ext>
+    </p:extLst>
+  </p:cSld>
+  <p:clrMapOvr>
+    <a:masterClrMapping/>
+  </p:clrMapOvr>
+</p:sld>
+</file>
+
+<file path=ppt/slides/slide8.xml><?xml version="1.0" encoding="utf-8"?>
+<p:sld xmlns:a="http://schemas.openxmlformats.org/drawingml/2006/main" xmlns:r="http://schemas.openxmlformats.org/officeDocument/2006/relationships" xmlns:p="http://schemas.openxmlformats.org/presentationml/2006/main">
+  <p:cSld>
+    <p:spTree>
+      <p:nvGrpSpPr>
+        <p:cNvPr id="1" name=""/>
+        <p:cNvGrpSpPr/>
+        <p:nvPr/>
+      </p:nvGrpSpPr>
+      <p:grpSpPr>
+        <a:xfrm>
+          <a:off x="0" y="0"/>
+          <a:ext cx="0" cy="0"/>
+          <a:chOff x="0" y="0"/>
+          <a:chExt cx="0" cy="0"/>
+        </a:xfrm>
+      </p:grpSpPr>
+      <p:sp>
+        <p:nvSpPr>
+          <p:cNvPr id="9" name="Arrow: Right 8">
+            <a:extLst>
+              <a:ext uri="{FF2B5EF4-FFF2-40B4-BE49-F238E27FC236}">
+                <a16:creationId xmlns:a16="http://schemas.microsoft.com/office/drawing/2014/main" id="{0CA961E8-2664-D234-CB69-038DE43FD1B0}"/>
+              </a:ext>
+            </a:extLst>
+          </p:cNvPr>
+          <p:cNvSpPr/>
+          <p:nvPr/>
+        </p:nvSpPr>
+        <p:spPr>
+          <a:xfrm rot="5400000">
+            <a:off x="4725514" y="993587"/>
+            <a:ext cx="1050587" cy="719847"/>
+          </a:xfrm>
+          <a:prstGeom prst="rightArrow">
+            <a:avLst/>
+          </a:prstGeom>
+        </p:spPr>
+        <p:style>
+          <a:lnRef idx="2">
+            <a:schemeClr val="accent1">
+              <a:shade val="50000"/>
+            </a:schemeClr>
+          </a:lnRef>
+          <a:fillRef idx="1">
+            <a:schemeClr val="accent1"/>
+          </a:fillRef>
+          <a:effectRef idx="0">
+            <a:schemeClr val="accent1"/>
+          </a:effectRef>
+          <a:fontRef idx="minor">
+            <a:schemeClr val="lt1"/>
+          </a:fontRef>
+        </p:style>
+        <p:txBody>
+          <a:bodyPr rtlCol="0" anchor="ctr"/>
+          <a:lstStyle/>
+          <a:p>
+            <a:pPr algn="ctr"/>
+            <a:endParaRPr lang="en-US"/>
+          </a:p>
+        </p:txBody>
+      </p:sp>
+      <p:sp>
+        <p:nvSpPr>
+          <p:cNvPr id="10" name="TextBox 9">
+            <a:extLst>
+              <a:ext uri="{FF2B5EF4-FFF2-40B4-BE49-F238E27FC236}">
+                <a16:creationId xmlns:a16="http://schemas.microsoft.com/office/drawing/2014/main" id="{C6B8B62D-45A2-27FB-9BA7-A1DDA8A672F9}"/>
+              </a:ext>
+            </a:extLst>
+          </p:cNvPr>
+          <p:cNvSpPr txBox="1"/>
+          <p:nvPr/>
+        </p:nvSpPr>
+        <p:spPr>
+          <a:xfrm>
+            <a:off x="4554142" y="16245"/>
+            <a:ext cx="1393330" cy="646331"/>
+          </a:xfrm>
+          <a:prstGeom prst="rect">
+            <a:avLst/>
+          </a:prstGeom>
+          <a:noFill/>
+        </p:spPr>
+        <p:txBody>
+          <a:bodyPr wrap="none" rtlCol="0">
+            <a:spAutoFit/>
+          </a:bodyPr>
+          <a:lstStyle/>
+          <a:p>
+            <a:pPr algn="ctr"/>
+            <a:r>
+              <a:rPr lang="en-US"/>
+              <a:t>GHI</a:t>
+            </a:r>
+          </a:p>
+          <a:p>
+            <a:pPr algn="ctr"/>
+            <a:r>
+              <a:rPr lang="en-US"/>
+              <a:t>(No Shading)</a:t>
+            </a:r>
+          </a:p>
+        </p:txBody>
+      </p:sp>
+      <p:sp>
+        <p:nvSpPr>
+          <p:cNvPr id="11" name="Arrow: Right 10">
+            <a:extLst>
+              <a:ext uri="{FF2B5EF4-FFF2-40B4-BE49-F238E27FC236}">
+                <a16:creationId xmlns:a16="http://schemas.microsoft.com/office/drawing/2014/main" id="{D03828F9-57DD-4400-F257-06B3349603AA}"/>
+              </a:ext>
+            </a:extLst>
+          </p:cNvPr>
+          <p:cNvSpPr/>
+          <p:nvPr/>
+        </p:nvSpPr>
+        <p:spPr>
+          <a:xfrm rot="5400000">
+            <a:off x="9879991" y="1191193"/>
+            <a:ext cx="667937" cy="590522"/>
+          </a:xfrm>
+          <a:prstGeom prst="rightArrow">
+            <a:avLst/>
+          </a:prstGeom>
+        </p:spPr>
+        <p:style>
+          <a:lnRef idx="2">
+            <a:schemeClr val="accent1">
+              <a:shade val="50000"/>
+            </a:schemeClr>
+          </a:lnRef>
+          <a:fillRef idx="1">
+            <a:schemeClr val="accent1"/>
+          </a:fillRef>
+          <a:effectRef idx="0">
+            <a:schemeClr val="accent1"/>
+          </a:effectRef>
+          <a:fontRef idx="minor">
+            <a:schemeClr val="lt1"/>
+          </a:fontRef>
+        </p:style>
+        <p:txBody>
+          <a:bodyPr rtlCol="0" anchor="ctr"/>
+          <a:lstStyle/>
+          <a:p>
+            <a:pPr algn="ctr"/>
+            <a:endParaRPr lang="en-US"/>
+          </a:p>
+        </p:txBody>
+      </p:sp>
+      <p:sp>
+        <p:nvSpPr>
+          <p:cNvPr id="13" name="TextBox 12">
+            <a:extLst>
+              <a:ext uri="{FF2B5EF4-FFF2-40B4-BE49-F238E27FC236}">
+                <a16:creationId xmlns:a16="http://schemas.microsoft.com/office/drawing/2014/main" id="{0976AB8C-23EE-8245-E462-23A6F37F83CE}"/>
+              </a:ext>
+            </a:extLst>
+          </p:cNvPr>
+          <p:cNvSpPr txBox="1"/>
+          <p:nvPr/>
+        </p:nvSpPr>
+        <p:spPr>
+          <a:xfrm>
+            <a:off x="9695794" y="841534"/>
+            <a:ext cx="1886607" cy="369332"/>
+          </a:xfrm>
+          <a:prstGeom prst="rect">
+            <a:avLst/>
+          </a:prstGeom>
+          <a:noFill/>
+        </p:spPr>
+        <p:txBody>
+          <a:bodyPr wrap="none" rtlCol="0">
+            <a:spAutoFit/>
+          </a:bodyPr>
+          <a:lstStyle/>
+          <a:p>
+            <a:r>
+              <a:rPr lang="en-US"/>
+              <a:t>Ground irradiance</a:t>
+            </a:r>
+          </a:p>
+        </p:txBody>
+      </p:sp>
+      <p:sp>
+        <p:nvSpPr>
+          <p:cNvPr id="14" name="Rectangle 13">
+            <a:extLst>
+              <a:ext uri="{FF2B5EF4-FFF2-40B4-BE49-F238E27FC236}">
+                <a16:creationId xmlns:a16="http://schemas.microsoft.com/office/drawing/2014/main" id="{A9DD3A0F-2697-DCB8-AC7C-AB23AABC31AD}"/>
+              </a:ext>
+            </a:extLst>
+          </p:cNvPr>
+          <p:cNvSpPr/>
+          <p:nvPr/>
+        </p:nvSpPr>
+        <p:spPr>
+          <a:xfrm rot="19667754">
+            <a:off x="8689915" y="630592"/>
+            <a:ext cx="2252327" cy="177476"/>
+          </a:xfrm>
+          <a:prstGeom prst="rect">
+            <a:avLst/>
+          </a:prstGeom>
+        </p:spPr>
+        <p:style>
+          <a:lnRef idx="2">
+            <a:schemeClr val="accent1">
+              <a:shade val="50000"/>
+            </a:schemeClr>
+          </a:lnRef>
+          <a:fillRef idx="1">
+            <a:schemeClr val="accent1"/>
+          </a:fillRef>
+          <a:effectRef idx="0">
+            <a:schemeClr val="accent1"/>
+          </a:effectRef>
+          <a:fontRef idx="minor">
+            <a:schemeClr val="lt1"/>
+          </a:fontRef>
+        </p:style>
+        <p:txBody>
+          <a:bodyPr rtlCol="0" anchor="ctr"/>
+          <a:lstStyle/>
+          <a:p>
+            <a:pPr algn="ctr"/>
+            <a:endParaRPr lang="en-US"/>
+          </a:p>
+        </p:txBody>
+      </p:sp>
+      <p:sp>
+        <p:nvSpPr>
+          <p:cNvPr id="15" name="TextBox 14">
+            <a:extLst>
+              <a:ext uri="{FF2B5EF4-FFF2-40B4-BE49-F238E27FC236}">
+                <a16:creationId xmlns:a16="http://schemas.microsoft.com/office/drawing/2014/main" id="{0BCBFE7B-2160-934E-DD4D-2875E1064096}"/>
+              </a:ext>
+            </a:extLst>
+          </p:cNvPr>
+          <p:cNvSpPr txBox="1"/>
+          <p:nvPr/>
+        </p:nvSpPr>
+        <p:spPr>
+          <a:xfrm>
+            <a:off x="2517517" y="3548323"/>
+            <a:ext cx="4063293" cy="923330"/>
+          </a:xfrm>
+          <a:prstGeom prst="rect">
+            <a:avLst/>
+          </a:prstGeom>
+          <a:noFill/>
+        </p:spPr>
+        <p:txBody>
+          <a:bodyPr wrap="none" rtlCol="0">
+            <a:spAutoFit/>
+          </a:bodyPr>
+          <a:lstStyle/>
+          <a:p>
+            <a:pPr algn="ctr"/>
+            <a:r>
+              <a:rPr lang="en-US" dirty="0"/>
+              <a:t>“Min Irradiance Levels on Ground” [%] =  </a:t>
+            </a:r>
+          </a:p>
+          <a:p>
+            <a:pPr algn="ctr"/>
+            <a:r>
+              <a:rPr lang="en-US" u="sng" dirty="0"/>
+              <a:t>min(Ground irradiance)</a:t>
+            </a:r>
+            <a:r>
+              <a:rPr lang="en-US" dirty="0"/>
+              <a:t>  </a:t>
+            </a:r>
+          </a:p>
+          <a:p>
+            <a:pPr algn="ctr"/>
+            <a:r>
+              <a:rPr lang="en-US" dirty="0"/>
+              <a:t>                    GHI </a:t>
+            </a:r>
+          </a:p>
+        </p:txBody>
+      </p:sp>
+      <p:sp>
+        <p:nvSpPr>
+          <p:cNvPr id="16" name="TextBox 15">
+            <a:extLst>
+              <a:ext uri="{FF2B5EF4-FFF2-40B4-BE49-F238E27FC236}">
+                <a16:creationId xmlns:a16="http://schemas.microsoft.com/office/drawing/2014/main" id="{EE164AA4-EB6F-0435-8E60-4228684725F5}"/>
+              </a:ext>
+            </a:extLst>
+          </p:cNvPr>
+          <p:cNvSpPr txBox="1"/>
+          <p:nvPr/>
+        </p:nvSpPr>
+        <p:spPr>
+          <a:xfrm>
+            <a:off x="13168990" y="6325296"/>
+            <a:ext cx="2287101" cy="923330"/>
+          </a:xfrm>
+          <a:prstGeom prst="rect">
+            <a:avLst/>
+          </a:prstGeom>
+          <a:noFill/>
+        </p:spPr>
+        <p:txBody>
+          <a:bodyPr wrap="none" rtlCol="0">
+            <a:spAutoFit/>
+          </a:bodyPr>
+          <a:lstStyle/>
+          <a:p>
+            <a:r>
+              <a:rPr lang="en-US"/>
+              <a:t>~Usually goal is </a:t>
+            </a:r>
+          </a:p>
+          <a:p>
+            <a:r>
+              <a:rPr lang="en-US"/>
+              <a:t>around 70% but varies</a:t>
+            </a:r>
+          </a:p>
+          <a:p>
+            <a:r>
+              <a:rPr lang="en-US"/>
+              <a:t>by crop</a:t>
+            </a:r>
+          </a:p>
+        </p:txBody>
+      </p:sp>
+      <p:sp>
+        <p:nvSpPr>
+          <p:cNvPr id="18" name="Rectangle 17">
+            <a:extLst>
+              <a:ext uri="{FF2B5EF4-FFF2-40B4-BE49-F238E27FC236}">
+                <a16:creationId xmlns:a16="http://schemas.microsoft.com/office/drawing/2014/main" id="{3899A9F6-53CD-7A0C-2C52-73DD5AAB43BF}"/>
+              </a:ext>
+            </a:extLst>
+          </p:cNvPr>
+          <p:cNvSpPr/>
+          <p:nvPr/>
+        </p:nvSpPr>
+        <p:spPr>
+          <a:xfrm flipV="1">
+            <a:off x="3549978" y="2024719"/>
+            <a:ext cx="3693111" cy="801729"/>
+          </a:xfrm>
+          <a:prstGeom prst="rect">
+            <a:avLst/>
+          </a:prstGeom>
+          <a:gradFill>
+            <a:gsLst>
+              <a:gs pos="0">
+                <a:srgbClr val="4472C4">
+                  <a:lumMod val="5000"/>
+                  <a:lumOff val="95000"/>
+                </a:srgbClr>
+              </a:gs>
+              <a:gs pos="100000">
+                <a:srgbClr val="70AD47"/>
+              </a:gs>
+            </a:gsLst>
+            <a:lin ang="5400000" scaled="1"/>
+          </a:gradFill>
+          <a:ln w="12700" cap="flat" cmpd="sng" algn="ctr">
+            <a:noFill/>
+            <a:prstDash val="solid"/>
+            <a:miter lim="800000"/>
+          </a:ln>
+          <a:effectLst/>
+        </p:spPr>
+        <p:txBody>
+          <a:bodyPr rtlCol="0" anchor="ctr"/>
+          <a:lstStyle/>
+          <a:p>
+            <a:pPr marL="0" marR="0" lvl="0" indent="0" algn="ctr" defTabSz="914400" eaLnBrk="1" fontAlgn="auto" latinLnBrk="0" hangingPunct="1">
+              <a:lnSpc>
+                <a:spcPct val="100000"/>
+              </a:lnSpc>
+              <a:spcBef>
+                <a:spcPts val="0"/>
+              </a:spcBef>
+              <a:spcAft>
+                <a:spcPts val="0"/>
+              </a:spcAft>
+              <a:buClrTx/>
+              <a:buSzTx/>
+              <a:buFontTx/>
+              <a:buNone/>
+              <a:tabLst/>
+              <a:defRPr/>
+            </a:pPr>
+            <a:endParaRPr kumimoji="0" lang="en-US" sz="1800" b="0" i="0" u="none" strike="noStrike" kern="0" cap="none" spc="0" normalizeH="0" baseline="0" noProof="0">
+              <a:ln>
+                <a:noFill/>
+              </a:ln>
+              <a:solidFill>
+                <a:prstClr val="white"/>
+              </a:solidFill>
+              <a:effectLst/>
+              <a:uLnTx/>
+              <a:uFillTx/>
+              <a:latin typeface="Calibri" panose="020F0502020204030204"/>
+              <a:ea typeface="+mn-ea"/>
+              <a:cs typeface="+mn-cs"/>
+            </a:endParaRPr>
+          </a:p>
+        </p:txBody>
+      </p:sp>
+      <p:sp>
+        <p:nvSpPr>
+          <p:cNvPr id="19" name="Rectangle 18">
+            <a:extLst>
+              <a:ext uri="{FF2B5EF4-FFF2-40B4-BE49-F238E27FC236}">
+                <a16:creationId xmlns:a16="http://schemas.microsoft.com/office/drawing/2014/main" id="{119581D1-B897-E19A-F340-3B59AF03DB3F}"/>
+              </a:ext>
+            </a:extLst>
+          </p:cNvPr>
+          <p:cNvSpPr/>
+          <p:nvPr/>
+        </p:nvSpPr>
+        <p:spPr>
+          <a:xfrm flipV="1">
+            <a:off x="8264970" y="2016522"/>
+            <a:ext cx="3693111" cy="801729"/>
+          </a:xfrm>
+          <a:prstGeom prst="rect">
+            <a:avLst/>
+          </a:prstGeom>
+          <a:gradFill>
+            <a:gsLst>
+              <a:gs pos="0">
+                <a:srgbClr val="4472C4">
+                  <a:lumMod val="5000"/>
+                  <a:lumOff val="95000"/>
+                </a:srgbClr>
+              </a:gs>
+              <a:gs pos="100000">
+                <a:srgbClr val="70AD47"/>
+              </a:gs>
+            </a:gsLst>
+            <a:lin ang="5400000" scaled="1"/>
+          </a:gradFill>
+          <a:ln w="12700" cap="flat" cmpd="sng" algn="ctr">
+            <a:noFill/>
+            <a:prstDash val="solid"/>
+            <a:miter lim="800000"/>
+          </a:ln>
+          <a:effectLst/>
+        </p:spPr>
+        <p:txBody>
+          <a:bodyPr rtlCol="0" anchor="ctr"/>
+          <a:lstStyle/>
+          <a:p>
+            <a:pPr marL="0" marR="0" lvl="0" indent="0" algn="ctr" defTabSz="914400" eaLnBrk="1" fontAlgn="auto" latinLnBrk="0" hangingPunct="1">
+              <a:lnSpc>
+                <a:spcPct val="100000"/>
+              </a:lnSpc>
+              <a:spcBef>
+                <a:spcPts val="0"/>
+              </a:spcBef>
+              <a:spcAft>
+                <a:spcPts val="0"/>
+              </a:spcAft>
+              <a:buClrTx/>
+              <a:buSzTx/>
+              <a:buFontTx/>
+              <a:buNone/>
+              <a:tabLst/>
+              <a:defRPr/>
+            </a:pPr>
+            <a:endParaRPr kumimoji="0" lang="en-US" sz="1800" b="0" i="0" u="none" strike="noStrike" kern="0" cap="none" spc="0" normalizeH="0" baseline="0" noProof="0">
+              <a:ln>
+                <a:noFill/>
+              </a:ln>
+              <a:solidFill>
+                <a:prstClr val="white"/>
+              </a:solidFill>
+              <a:effectLst/>
+              <a:uLnTx/>
+              <a:uFillTx/>
+              <a:latin typeface="Calibri" panose="020F0502020204030204"/>
+              <a:ea typeface="+mn-ea"/>
+              <a:cs typeface="+mn-cs"/>
+            </a:endParaRPr>
+          </a:p>
+        </p:txBody>
+      </p:sp>
+      <p:sp>
+        <p:nvSpPr>
+          <p:cNvPr id="2" name="Title 1">
+            <a:extLst>
+              <a:ext uri="{FF2B5EF4-FFF2-40B4-BE49-F238E27FC236}">
+                <a16:creationId xmlns:a16="http://schemas.microsoft.com/office/drawing/2014/main" id="{375505A8-194F-4BA8-AAE0-5CA9B6421FE7}"/>
+              </a:ext>
+            </a:extLst>
+          </p:cNvPr>
+          <p:cNvSpPr>
+            <a:spLocks noGrp="1"/>
+          </p:cNvSpPr>
+          <p:nvPr>
+            <p:ph type="title"/>
+          </p:nvPr>
+        </p:nvSpPr>
+        <p:spPr>
+          <a:xfrm>
+            <a:off x="609599" y="1"/>
+            <a:ext cx="3207392" cy="880843"/>
+          </a:xfrm>
+        </p:spPr>
+        <p:txBody>
+          <a:bodyPr/>
+          <a:lstStyle/>
+          <a:p>
+            <a:r>
+              <a:rPr lang="en-US" dirty="0"/>
+              <a:t>Metric</a:t>
+            </a:r>
+          </a:p>
+        </p:txBody>
+      </p:sp>
+      <p:sp>
+        <p:nvSpPr>
+          <p:cNvPr id="21" name="TextBox 20">
+            <a:extLst>
+              <a:ext uri="{FF2B5EF4-FFF2-40B4-BE49-F238E27FC236}">
+                <a16:creationId xmlns:a16="http://schemas.microsoft.com/office/drawing/2014/main" id="{ADE53076-DD88-A59A-80F9-FCE4CA06D9EB}"/>
+              </a:ext>
+            </a:extLst>
+          </p:cNvPr>
+          <p:cNvSpPr txBox="1"/>
+          <p:nvPr/>
+        </p:nvSpPr>
+        <p:spPr>
+          <a:xfrm>
+            <a:off x="8481761" y="3640656"/>
+            <a:ext cx="2721514" cy="738664"/>
+          </a:xfrm>
+          <a:prstGeom prst="rect">
+            <a:avLst/>
+          </a:prstGeom>
+          <a:noFill/>
+        </p:spPr>
+        <p:txBody>
+          <a:bodyPr wrap="none" rtlCol="0">
+            <a:spAutoFit/>
+          </a:bodyPr>
+          <a:lstStyle/>
+          <a:p>
+            <a:pPr algn="ctr"/>
+            <a:r>
+              <a:rPr lang="en-US" sz="1400" dirty="0"/>
+              <a:t>“Min Shading Levels on Ground” = </a:t>
+            </a:r>
+          </a:p>
+          <a:p>
+            <a:pPr algn="ctr"/>
+            <a:r>
+              <a:rPr lang="en-US" sz="1400" dirty="0"/>
+              <a:t>(1 -  </a:t>
+            </a:r>
+            <a:r>
+              <a:rPr lang="en-US" sz="1400" u="sng" dirty="0"/>
+              <a:t>min(Ground irradiance)</a:t>
+            </a:r>
+            <a:r>
+              <a:rPr lang="en-US" sz="1400" dirty="0"/>
+              <a:t> </a:t>
+            </a:r>
+          </a:p>
+          <a:p>
+            <a:pPr algn="ctr"/>
+            <a:r>
+              <a:rPr lang="en-US" sz="1400" dirty="0"/>
+              <a:t>Unshaded</a:t>
+            </a:r>
+          </a:p>
+        </p:txBody>
+      </p:sp>
+      <mc:AlternateContent xmlns:mc="http://schemas.openxmlformats.org/markup-compatibility/2006">
+        <mc:Choice xmlns:a14="http://schemas.microsoft.com/office/drawing/2010/main" Requires="a14">
+          <p:sp>
+            <p:nvSpPr>
+              <p:cNvPr id="22" name="TextBox 21">
+                <a:extLst>
+                  <a:ext uri="{FF2B5EF4-FFF2-40B4-BE49-F238E27FC236}">
+                    <a16:creationId xmlns:a16="http://schemas.microsoft.com/office/drawing/2014/main" id="{061F2EF7-7E6F-08F1-2A83-4073E1437A1B}"/>
+                  </a:ext>
+                </a:extLst>
+              </p:cNvPr>
+              <p:cNvSpPr txBox="1"/>
+              <p:nvPr/>
+            </p:nvSpPr>
+            <p:spPr>
+              <a:xfrm>
+                <a:off x="1828167" y="6068896"/>
+                <a:ext cx="3959296" cy="402931"/>
+              </a:xfrm>
+              <a:prstGeom prst="rect">
+                <a:avLst/>
+              </a:prstGeom>
+              <a:noFill/>
+            </p:spPr>
+            <p:txBody>
+              <a:bodyPr wrap="square" lIns="0" tIns="0" rIns="0" bIns="0" rtlCol="0">
+                <a:spAutoFit/>
+              </a:bodyPr>
+              <a:lstStyle/>
+              <a:p>
+                <a:pPr marL="0" marR="0" lvl="0" indent="0" algn="l" defTabSz="914400" rtl="0" eaLnBrk="1" fontAlgn="auto" latinLnBrk="0" hangingPunct="1">
+                  <a:lnSpc>
+                    <a:spcPct val="100000"/>
+                  </a:lnSpc>
+                  <a:spcBef>
+                    <a:spcPts val="0"/>
+                  </a:spcBef>
+                  <a:spcAft>
+                    <a:spcPts val="0"/>
+                  </a:spcAft>
+                  <a:buClrTx/>
+                  <a:buSzTx/>
+                  <a:buFontTx/>
+                  <a:buNone/>
+                  <a:tabLst/>
+                  <a:defRPr/>
+                </a:pPr>
+                <a:r>
+                  <a:rPr kumimoji="0" lang="en-US" sz="1800" b="0" i="0" u="none" strike="noStrike" kern="1200" cap="none" spc="0" normalizeH="0" baseline="0" noProof="0" dirty="0">
+                    <a:ln>
+                      <a:noFill/>
+                    </a:ln>
+                    <a:solidFill>
+                      <a:schemeClr val="tx1"/>
+                    </a:solidFill>
+                    <a:effectLst/>
+                    <a:uLnTx/>
+                    <a:uFillTx/>
+                    <a:latin typeface="Calibri" panose="020F0502020204030204"/>
+                    <a:ea typeface="+mn-ea"/>
+                    <a:cs typeface="+mn-cs"/>
+                  </a:rPr>
+                  <a:t> </a:t>
+                </a:r>
+                <a14:m>
+                  <m:oMath xmlns:m="http://schemas.openxmlformats.org/officeDocument/2006/math">
+                    <m:r>
+                      <m:rPr>
+                        <m:sty m:val="p"/>
+                      </m:rPr>
+                      <a:rPr kumimoji="0" lang="en-US" sz="1800" b="0" i="0" u="none" strike="noStrike" kern="1200" cap="none" spc="0" normalizeH="0" baseline="0" noProof="0" smtClean="0">
+                        <a:ln>
+                          <a:noFill/>
+                        </a:ln>
+                        <a:solidFill>
+                          <a:schemeClr val="tx1"/>
+                        </a:solidFill>
+                        <a:effectLst/>
+                        <a:uLnTx/>
+                        <a:uFillTx/>
+                        <a:latin typeface="Cambria Math" panose="02040503050406030204" pitchFamily="18" charset="0"/>
+                        <a:ea typeface="+mn-ea"/>
+                        <a:cs typeface="+mn-cs"/>
+                      </a:rPr>
+                      <m:t>nonuniformity</m:t>
+                    </m:r>
+                    <m:r>
+                      <a:rPr kumimoji="0" lang="en-US" sz="1800" b="0" i="0" u="none" strike="noStrike" kern="1200" cap="none" spc="0" normalizeH="0" baseline="0" noProof="0" smtClean="0">
+                        <a:ln>
+                          <a:noFill/>
+                        </a:ln>
+                        <a:solidFill>
+                          <a:schemeClr val="tx1"/>
+                        </a:solidFill>
+                        <a:effectLst/>
+                        <a:uLnTx/>
+                        <a:uFillTx/>
+                        <a:latin typeface="Cambria Math" panose="02040503050406030204" pitchFamily="18" charset="0"/>
+                        <a:ea typeface="+mn-ea"/>
+                        <a:cs typeface="+mn-cs"/>
+                      </a:rPr>
+                      <m:t>= </m:t>
+                    </m:r>
+                    <m:f>
+                      <m:fPr>
+                        <m:ctrlPr>
+                          <a:rPr kumimoji="0" lang="en-US" sz="1800" b="0" i="1" u="none" strike="noStrike" kern="1200" cap="none" spc="0" normalizeH="0" baseline="0" noProof="0" smtClean="0">
+                            <a:ln>
+                              <a:noFill/>
+                            </a:ln>
+                            <a:solidFill>
+                              <a:schemeClr val="tx1"/>
+                            </a:solidFill>
+                            <a:effectLst/>
+                            <a:uLnTx/>
+                            <a:uFillTx/>
+                            <a:latin typeface="Cambria Math" panose="02040503050406030204" pitchFamily="18" charset="0"/>
+                            <a:ea typeface="+mn-ea"/>
+                            <a:cs typeface="+mn-cs"/>
+                          </a:rPr>
+                        </m:ctrlPr>
+                      </m:fPr>
+                      <m:num>
+                        <m:r>
+                          <a:rPr kumimoji="0" lang="en-US" sz="1800" b="0" i="1" u="none" strike="noStrike" kern="1200" cap="none" spc="0" normalizeH="0" baseline="0" noProof="0" smtClean="0">
+                            <a:ln>
+                              <a:noFill/>
+                            </a:ln>
+                            <a:solidFill>
+                              <a:schemeClr val="tx1"/>
+                            </a:solidFill>
+                            <a:effectLst/>
+                            <a:uLnTx/>
+                            <a:uFillTx/>
+                            <a:latin typeface="Cambria Math" panose="02040503050406030204" pitchFamily="18" charset="0"/>
+                            <a:ea typeface="+mn-ea"/>
+                            <a:cs typeface="+mn-cs"/>
+                          </a:rPr>
+                          <m:t>𝑀𝑎𝑥</m:t>
+                        </m:r>
+                        <m:r>
+                          <a:rPr kumimoji="0" lang="en-US" sz="1800" b="0" i="1" u="none" strike="noStrike" kern="1200" cap="none" spc="0" normalizeH="0" baseline="0" noProof="0" smtClean="0">
+                            <a:ln>
+                              <a:noFill/>
+                            </a:ln>
+                            <a:solidFill>
+                              <a:schemeClr val="tx1"/>
+                            </a:solidFill>
+                            <a:effectLst/>
+                            <a:uLnTx/>
+                            <a:uFillTx/>
+                            <a:latin typeface="Cambria Math" panose="02040503050406030204" pitchFamily="18" charset="0"/>
+                            <a:ea typeface="+mn-ea"/>
+                            <a:cs typeface="+mn-cs"/>
+                          </a:rPr>
+                          <m:t> −</m:t>
+                        </m:r>
+                        <m:r>
+                          <a:rPr kumimoji="0" lang="en-US" sz="1800" b="0" i="1" u="none" strike="noStrike" kern="1200" cap="none" spc="0" normalizeH="0" baseline="0" noProof="0" smtClean="0">
+                            <a:ln>
+                              <a:noFill/>
+                            </a:ln>
+                            <a:solidFill>
+                              <a:schemeClr val="tx1"/>
+                            </a:solidFill>
+                            <a:effectLst/>
+                            <a:uLnTx/>
+                            <a:uFillTx/>
+                            <a:latin typeface="Cambria Math" panose="02040503050406030204" pitchFamily="18" charset="0"/>
+                            <a:ea typeface="+mn-ea"/>
+                            <a:cs typeface="+mn-cs"/>
+                          </a:rPr>
+                          <m:t>𝑀𝑖𝑛</m:t>
+                        </m:r>
+                      </m:num>
+                      <m:den>
+                        <m:r>
+                          <a:rPr kumimoji="0" lang="en-US" sz="1800" b="0" i="1" u="none" strike="noStrike" kern="1200" cap="none" spc="0" normalizeH="0" baseline="0" noProof="0" smtClean="0">
+                            <a:ln>
+                              <a:noFill/>
+                            </a:ln>
+                            <a:solidFill>
+                              <a:schemeClr val="tx1"/>
+                            </a:solidFill>
+                            <a:effectLst/>
+                            <a:uLnTx/>
+                            <a:uFillTx/>
+                            <a:latin typeface="Cambria Math" panose="02040503050406030204" pitchFamily="18" charset="0"/>
+                            <a:ea typeface="+mn-ea"/>
+                            <a:cs typeface="+mn-cs"/>
+                          </a:rPr>
+                          <m:t>𝑀𝑎𝑥</m:t>
+                        </m:r>
+                      </m:den>
+                    </m:f>
+                    <m:r>
+                      <a:rPr kumimoji="0" lang="en-US" sz="1800" b="0" i="1" u="none" strike="noStrike" kern="1200" cap="none" spc="0" normalizeH="0" baseline="0" noProof="0" smtClean="0">
+                        <a:ln>
+                          <a:noFill/>
+                        </a:ln>
+                        <a:solidFill>
+                          <a:schemeClr val="tx1"/>
+                        </a:solidFill>
+                        <a:effectLst/>
+                        <a:uLnTx/>
+                        <a:uFillTx/>
+                        <a:latin typeface="Cambria Math" panose="02040503050406030204" pitchFamily="18" charset="0"/>
+                        <a:ea typeface="+mn-ea"/>
+                        <a:cs typeface="+mn-cs"/>
+                      </a:rPr>
+                      <m:t>𝑥</m:t>
+                    </m:r>
+                    <m:r>
+                      <a:rPr kumimoji="0" lang="en-US" sz="1800" b="0" i="1" u="none" strike="noStrike" kern="1200" cap="none" spc="0" normalizeH="0" baseline="0" noProof="0" smtClean="0">
+                        <a:ln>
+                          <a:noFill/>
+                        </a:ln>
+                        <a:solidFill>
+                          <a:schemeClr val="tx1"/>
+                        </a:solidFill>
+                        <a:effectLst/>
+                        <a:uLnTx/>
+                        <a:uFillTx/>
+                        <a:latin typeface="Cambria Math" panose="02040503050406030204" pitchFamily="18" charset="0"/>
+                        <a:ea typeface="+mn-ea"/>
+                        <a:cs typeface="+mn-cs"/>
+                      </a:rPr>
+                      <m:t>100 [%]</m:t>
+                    </m:r>
+                  </m:oMath>
+                </a14:m>
+                <a:endParaRPr kumimoji="0" lang="en-US" sz="1800" b="0" i="0" u="none" strike="noStrike" kern="1200" cap="none" spc="0" normalizeH="0" baseline="0" noProof="0" dirty="0">
+                  <a:ln>
+                    <a:noFill/>
+                  </a:ln>
+                  <a:solidFill>
+                    <a:schemeClr val="tx1"/>
+                  </a:solidFill>
+                  <a:effectLst/>
+                  <a:uLnTx/>
+                  <a:uFillTx/>
+                  <a:latin typeface="Calibri" panose="020F0502020204030204"/>
+                  <a:ea typeface="+mn-ea"/>
+                  <a:cs typeface="+mn-cs"/>
+                </a:endParaRPr>
+              </a:p>
+            </p:txBody>
+          </p:sp>
+        </mc:Choice>
+        <mc:Fallback>
+          <p:sp>
+            <p:nvSpPr>
+              <p:cNvPr id="22" name="TextBox 21">
+                <a:extLst>
+                  <a:ext uri="{FF2B5EF4-FFF2-40B4-BE49-F238E27FC236}">
+                    <a16:creationId xmlns:a16="http://schemas.microsoft.com/office/drawing/2014/main" id="{061F2EF7-7E6F-08F1-2A83-4073E1437A1B}"/>
+                  </a:ext>
+                </a:extLst>
+              </p:cNvPr>
+              <p:cNvSpPr txBox="1">
+                <a:spLocks noRot="1" noChangeAspect="1" noMove="1" noResize="1" noEditPoints="1" noAdjustHandles="1" noChangeArrowheads="1" noChangeShapeType="1" noTextEdit="1"/>
+              </p:cNvSpPr>
+              <p:nvPr/>
+            </p:nvSpPr>
+            <p:spPr>
+              <a:xfrm>
+                <a:off x="1828167" y="6068896"/>
+                <a:ext cx="3959296" cy="402931"/>
+              </a:xfrm>
+              <a:prstGeom prst="rect">
+                <a:avLst/>
+              </a:prstGeom>
+              <a:blipFill>
+                <a:blip r:embed="rId2"/>
+                <a:stretch>
+                  <a:fillRect l="-1387" t="-3030" b="-12121"/>
+                </a:stretch>
+              </a:blipFill>
+            </p:spPr>
+            <p:txBody>
+              <a:bodyPr/>
+              <a:lstStyle/>
+              <a:p>
+                <a:r>
+                  <a:rPr lang="en-US">
+                    <a:noFill/>
+                  </a:rPr>
+                  <a:t> </a:t>
+                </a:r>
+              </a:p>
+            </p:txBody>
+          </p:sp>
+        </mc:Fallback>
+      </mc:AlternateContent>
+      <mc:AlternateContent xmlns:mc="http://schemas.openxmlformats.org/markup-compatibility/2006">
+        <mc:Choice xmlns:a14="http://schemas.microsoft.com/office/drawing/2010/main" Requires="a14">
+          <p:sp>
+            <p:nvSpPr>
+              <p:cNvPr id="23" name="TextBox 22">
+                <a:extLst>
+                  <a:ext uri="{FF2B5EF4-FFF2-40B4-BE49-F238E27FC236}">
+                    <a16:creationId xmlns:a16="http://schemas.microsoft.com/office/drawing/2014/main" id="{36E7B3D1-C13A-FA32-AF3C-D11711ABA9BE}"/>
+                  </a:ext>
+                </a:extLst>
+              </p:cNvPr>
+              <p:cNvSpPr txBox="1"/>
+              <p:nvPr/>
+            </p:nvSpPr>
+            <p:spPr>
+              <a:xfrm>
+                <a:off x="5947472" y="6048345"/>
+                <a:ext cx="4609082" cy="444032"/>
+              </a:xfrm>
+              <a:prstGeom prst="rect">
+                <a:avLst/>
+              </a:prstGeom>
+              <a:noFill/>
+            </p:spPr>
+            <p:txBody>
+              <a:bodyPr wrap="none" lIns="0" tIns="0" rIns="0" bIns="0" rtlCol="0">
+                <a:spAutoFit/>
+              </a:bodyPr>
+              <a:lstStyle/>
+              <a:p>
+                <a:pPr marL="0" marR="0" lvl="0" indent="0" algn="l" defTabSz="914400" rtl="0" eaLnBrk="1" fontAlgn="auto" latinLnBrk="0" hangingPunct="1">
+                  <a:lnSpc>
+                    <a:spcPct val="100000"/>
+                  </a:lnSpc>
+                  <a:spcBef>
+                    <a:spcPts val="0"/>
+                  </a:spcBef>
+                  <a:spcAft>
+                    <a:spcPts val="0"/>
+                  </a:spcAft>
+                  <a:buClrTx/>
+                  <a:buSzTx/>
+                  <a:buFontTx/>
+                  <a:buNone/>
+                  <a:tabLst/>
+                  <a:defRPr/>
+                </a:pPr>
+                <a:r>
+                  <a:rPr kumimoji="0" lang="en-US" sz="1800" b="0" i="0" u="none" strike="noStrike" kern="1200" cap="none" spc="0" normalizeH="0" baseline="0" noProof="0" dirty="0">
+                    <a:ln>
+                      <a:noFill/>
+                    </a:ln>
+                    <a:solidFill>
+                      <a:schemeClr val="tx1"/>
+                    </a:solidFill>
+                    <a:effectLst/>
+                    <a:uLnTx/>
+                    <a:uFillTx/>
+                    <a:latin typeface="Calibri" panose="020F0502020204030204"/>
+                    <a:ea typeface="+mn-ea"/>
+                    <a:cs typeface="+mn-cs"/>
+                  </a:rPr>
+                  <a:t> </a:t>
+                </a:r>
+                <a14:m>
+                  <m:oMath xmlns:m="http://schemas.openxmlformats.org/officeDocument/2006/math">
+                    <m:r>
+                      <m:rPr>
+                        <m:sty m:val="p"/>
+                      </m:rPr>
+                      <a:rPr kumimoji="0" lang="en-US" sz="1800" b="0" i="0" u="none" strike="noStrike" kern="1200" cap="none" spc="0" normalizeH="0" baseline="0" noProof="0" smtClean="0">
+                        <a:ln>
+                          <a:noFill/>
+                        </a:ln>
+                        <a:solidFill>
+                          <a:schemeClr val="tx1"/>
+                        </a:solidFill>
+                        <a:effectLst/>
+                        <a:uLnTx/>
+                        <a:uFillTx/>
+                        <a:latin typeface="Cambria Math" panose="02040503050406030204" pitchFamily="18" charset="0"/>
+                        <a:ea typeface="+mn-ea"/>
+                        <a:cs typeface="+mn-cs"/>
+                      </a:rPr>
+                      <m:t>Bifacial</m:t>
+                    </m:r>
+                    <m:r>
+                      <a:rPr kumimoji="0" lang="en-US" sz="1800" b="0" i="0" u="none" strike="noStrike" kern="1200" cap="none" spc="0" normalizeH="0" baseline="0" noProof="0" smtClean="0">
+                        <a:ln>
+                          <a:noFill/>
+                        </a:ln>
+                        <a:solidFill>
+                          <a:schemeClr val="tx1"/>
+                        </a:solidFill>
+                        <a:effectLst/>
+                        <a:uLnTx/>
+                        <a:uFillTx/>
+                        <a:latin typeface="Cambria Math" panose="02040503050406030204" pitchFamily="18" charset="0"/>
+                        <a:ea typeface="+mn-ea"/>
+                        <a:cs typeface="+mn-cs"/>
+                      </a:rPr>
+                      <m:t> </m:t>
+                    </m:r>
+                    <m:r>
+                      <m:rPr>
+                        <m:sty m:val="p"/>
+                      </m:rPr>
+                      <a:rPr kumimoji="0" lang="en-US" sz="1800" b="0" i="0" u="none" strike="noStrike" kern="1200" cap="none" spc="0" normalizeH="0" baseline="0" noProof="0" smtClean="0">
+                        <a:ln>
+                          <a:noFill/>
+                        </a:ln>
+                        <a:solidFill>
+                          <a:schemeClr val="tx1"/>
+                        </a:solidFill>
+                        <a:effectLst/>
+                        <a:uLnTx/>
+                        <a:uFillTx/>
+                        <a:latin typeface="Cambria Math" panose="02040503050406030204" pitchFamily="18" charset="0"/>
+                        <a:ea typeface="+mn-ea"/>
+                        <a:cs typeface="+mn-cs"/>
+                      </a:rPr>
+                      <m:t>Gain</m:t>
+                    </m:r>
+                    <m:r>
+                      <a:rPr kumimoji="0" lang="en-US" sz="1800" b="0" i="0" u="none" strike="noStrike" kern="1200" cap="none" spc="0" normalizeH="0" baseline="0" noProof="0" smtClean="0">
+                        <a:ln>
+                          <a:noFill/>
+                        </a:ln>
+                        <a:solidFill>
+                          <a:schemeClr val="tx1"/>
+                        </a:solidFill>
+                        <a:effectLst/>
+                        <a:uLnTx/>
+                        <a:uFillTx/>
+                        <a:latin typeface="Cambria Math" panose="02040503050406030204" pitchFamily="18" charset="0"/>
+                        <a:ea typeface="+mn-ea"/>
+                        <a:cs typeface="+mn-cs"/>
+                      </a:rPr>
+                      <m:t> </m:t>
+                    </m:r>
+                    <m:r>
+                      <m:rPr>
+                        <m:sty m:val="p"/>
+                      </m:rPr>
+                      <a:rPr kumimoji="0" lang="en-US" sz="1800" b="0" i="0" u="none" strike="noStrike" kern="1200" cap="none" spc="0" normalizeH="0" baseline="0" noProof="0" smtClean="0">
+                        <a:ln>
+                          <a:noFill/>
+                        </a:ln>
+                        <a:solidFill>
+                          <a:schemeClr val="tx1"/>
+                        </a:solidFill>
+                        <a:effectLst/>
+                        <a:uLnTx/>
+                        <a:uFillTx/>
+                        <a:latin typeface="Cambria Math" panose="02040503050406030204" pitchFamily="18" charset="0"/>
+                        <a:ea typeface="+mn-ea"/>
+                        <a:cs typeface="+mn-cs"/>
+                      </a:rPr>
+                      <m:t>in</m:t>
+                    </m:r>
+                    <m:r>
+                      <a:rPr kumimoji="0" lang="en-US" sz="1800" b="0" i="0" u="none" strike="noStrike" kern="1200" cap="none" spc="0" normalizeH="0" baseline="0" noProof="0" smtClean="0">
+                        <a:ln>
+                          <a:noFill/>
+                        </a:ln>
+                        <a:solidFill>
+                          <a:schemeClr val="tx1"/>
+                        </a:solidFill>
+                        <a:effectLst/>
+                        <a:uLnTx/>
+                        <a:uFillTx/>
+                        <a:latin typeface="Cambria Math" panose="02040503050406030204" pitchFamily="18" charset="0"/>
+                        <a:ea typeface="+mn-ea"/>
+                        <a:cs typeface="+mn-cs"/>
+                      </a:rPr>
+                      <m:t> </m:t>
+                    </m:r>
+                    <m:r>
+                      <m:rPr>
+                        <m:sty m:val="p"/>
+                      </m:rPr>
+                      <a:rPr kumimoji="0" lang="en-US" sz="1800" b="0" i="0" u="none" strike="noStrike" kern="1200" cap="none" spc="0" normalizeH="0" baseline="0" noProof="0" smtClean="0">
+                        <a:ln>
+                          <a:noFill/>
+                        </a:ln>
+                        <a:solidFill>
+                          <a:schemeClr val="tx1"/>
+                        </a:solidFill>
+                        <a:effectLst/>
+                        <a:uLnTx/>
+                        <a:uFillTx/>
+                        <a:latin typeface="Cambria Math" panose="02040503050406030204" pitchFamily="18" charset="0"/>
+                        <a:ea typeface="+mn-ea"/>
+                        <a:cs typeface="+mn-cs"/>
+                      </a:rPr>
+                      <m:t>Irradiance</m:t>
+                    </m:r>
+                    <m:r>
+                      <a:rPr kumimoji="0" lang="en-US" sz="1800" b="0" i="0" u="none" strike="noStrike" kern="1200" cap="none" spc="0" normalizeH="0" baseline="0" noProof="0" smtClean="0">
+                        <a:ln>
+                          <a:noFill/>
+                        </a:ln>
+                        <a:solidFill>
+                          <a:schemeClr val="tx1"/>
+                        </a:solidFill>
+                        <a:effectLst/>
+                        <a:uLnTx/>
+                        <a:uFillTx/>
+                        <a:latin typeface="Cambria Math" panose="02040503050406030204" pitchFamily="18" charset="0"/>
+                        <a:ea typeface="+mn-ea"/>
+                        <a:cs typeface="+mn-cs"/>
+                      </a:rPr>
+                      <m:t>=</m:t>
+                    </m:r>
+                    <m:f>
+                      <m:fPr>
+                        <m:ctrlPr>
+                          <a:rPr kumimoji="0" lang="en-US" sz="1800" b="0" i="1" u="none" strike="noStrike" kern="1200" cap="none" spc="0" normalizeH="0" baseline="0" noProof="0" smtClean="0">
+                            <a:ln>
+                              <a:noFill/>
+                            </a:ln>
+                            <a:solidFill>
+                              <a:schemeClr val="tx1"/>
+                            </a:solidFill>
+                            <a:effectLst/>
+                            <a:uLnTx/>
+                            <a:uFillTx/>
+                            <a:latin typeface="Cambria Math" panose="02040503050406030204" pitchFamily="18" charset="0"/>
+                            <a:ea typeface="+mn-ea"/>
+                            <a:cs typeface="+mn-cs"/>
+                          </a:rPr>
+                        </m:ctrlPr>
+                      </m:fPr>
+                      <m:num>
+                        <m:nary>
+                          <m:naryPr>
+                            <m:chr m:val="∑"/>
+                            <m:subHide m:val="on"/>
+                            <m:supHide m:val="on"/>
+                            <m:ctrlPr>
+                              <a:rPr kumimoji="0" lang="en-US" sz="1800" b="0" i="1" u="none" strike="noStrike" kern="1200" cap="none" spc="0" normalizeH="0" baseline="0" noProof="0" smtClean="0">
+                                <a:ln>
+                                  <a:noFill/>
+                                </a:ln>
+                                <a:solidFill>
+                                  <a:schemeClr val="tx1"/>
+                                </a:solidFill>
+                                <a:effectLst/>
+                                <a:uLnTx/>
+                                <a:uFillTx/>
+                                <a:latin typeface="Cambria Math" panose="02040503050406030204" pitchFamily="18" charset="0"/>
+                                <a:ea typeface="+mn-ea"/>
+                                <a:cs typeface="+mn-cs"/>
+                              </a:rPr>
+                            </m:ctrlPr>
+                          </m:naryPr>
+                          <m:sub/>
+                          <m:sup/>
+                          <m:e>
+                            <m:r>
+                              <a:rPr kumimoji="0" lang="en-US" sz="1800" b="0" i="1" u="none" strike="noStrike" kern="1200" cap="none" spc="0" normalizeH="0" baseline="0" noProof="0" smtClean="0">
+                                <a:ln>
+                                  <a:noFill/>
+                                </a:ln>
+                                <a:solidFill>
+                                  <a:schemeClr val="tx1"/>
+                                </a:solidFill>
+                                <a:effectLst/>
+                                <a:uLnTx/>
+                                <a:uFillTx/>
+                                <a:latin typeface="Cambria Math" panose="02040503050406030204" pitchFamily="18" charset="0"/>
+                                <a:ea typeface="+mn-ea"/>
+                                <a:cs typeface="+mn-cs"/>
+                              </a:rPr>
+                              <m:t>𝐺𝑟𝑒𝑎𝑟</m:t>
+                            </m:r>
+                          </m:e>
+                        </m:nary>
+                      </m:num>
+                      <m:den>
+                        <m:nary>
+                          <m:naryPr>
+                            <m:chr m:val="∑"/>
+                            <m:subHide m:val="on"/>
+                            <m:supHide m:val="on"/>
+                            <m:ctrlPr>
+                              <a:rPr kumimoji="0" lang="en-US" sz="1800" b="0" i="1" u="none" strike="noStrike" kern="1200" cap="none" spc="0" normalizeH="0" baseline="0" noProof="0" smtClean="0">
+                                <a:ln>
+                                  <a:noFill/>
+                                </a:ln>
+                                <a:solidFill>
+                                  <a:schemeClr val="tx1"/>
+                                </a:solidFill>
+                                <a:effectLst/>
+                                <a:uLnTx/>
+                                <a:uFillTx/>
+                                <a:latin typeface="Cambria Math" panose="02040503050406030204" pitchFamily="18" charset="0"/>
+                                <a:ea typeface="+mn-ea"/>
+                                <a:cs typeface="+mn-cs"/>
+                              </a:rPr>
+                            </m:ctrlPr>
+                          </m:naryPr>
+                          <m:sub/>
+                          <m:sup/>
+                          <m:e>
+                            <m:r>
+                              <a:rPr kumimoji="0" lang="en-US" sz="1800" b="0" i="1" u="none" strike="noStrike" kern="1200" cap="none" spc="0" normalizeH="0" baseline="0" noProof="0" smtClean="0">
+                                <a:ln>
+                                  <a:noFill/>
+                                </a:ln>
+                                <a:solidFill>
+                                  <a:schemeClr val="tx1"/>
+                                </a:solidFill>
+                                <a:effectLst/>
+                                <a:uLnTx/>
+                                <a:uFillTx/>
+                                <a:latin typeface="Cambria Math" panose="02040503050406030204" pitchFamily="18" charset="0"/>
+                                <a:ea typeface="+mn-ea"/>
+                                <a:cs typeface="+mn-cs"/>
+                              </a:rPr>
+                              <m:t>𝐺𝑓𝑟𝑜𝑛𝑡</m:t>
+                            </m:r>
+                          </m:e>
+                        </m:nary>
+                      </m:den>
+                    </m:f>
+                    <m:r>
+                      <a:rPr kumimoji="0" lang="en-US" sz="1800" b="0" i="1" u="none" strike="noStrike" kern="1200" cap="none" spc="0" normalizeH="0" baseline="0" noProof="0" smtClean="0">
+                        <a:ln>
+                          <a:noFill/>
+                        </a:ln>
+                        <a:solidFill>
+                          <a:schemeClr val="tx1"/>
+                        </a:solidFill>
+                        <a:effectLst/>
+                        <a:uLnTx/>
+                        <a:uFillTx/>
+                        <a:latin typeface="Cambria Math" panose="02040503050406030204" pitchFamily="18" charset="0"/>
+                        <a:ea typeface="+mn-ea"/>
+                        <a:cs typeface="+mn-cs"/>
+                      </a:rPr>
+                      <m:t>𝑥</m:t>
+                    </m:r>
+                    <m:r>
+                      <a:rPr kumimoji="0" lang="en-US" sz="1800" b="0" i="1" u="none" strike="noStrike" kern="1200" cap="none" spc="0" normalizeH="0" baseline="0" noProof="0" smtClean="0">
+                        <a:ln>
+                          <a:noFill/>
+                        </a:ln>
+                        <a:solidFill>
+                          <a:schemeClr val="tx1"/>
+                        </a:solidFill>
+                        <a:effectLst/>
+                        <a:uLnTx/>
+                        <a:uFillTx/>
+                        <a:latin typeface="Cambria Math" panose="02040503050406030204" pitchFamily="18" charset="0"/>
+                        <a:ea typeface="+mn-ea"/>
+                        <a:cs typeface="+mn-cs"/>
+                      </a:rPr>
+                      <m:t>100 [%]</m:t>
+                    </m:r>
+                  </m:oMath>
+                </a14:m>
+                <a:endParaRPr kumimoji="0" lang="en-US" sz="1800" b="0" i="0" u="none" strike="noStrike" kern="1200" cap="none" spc="0" normalizeH="0" baseline="0" noProof="0" dirty="0">
+                  <a:ln>
+                    <a:noFill/>
+                  </a:ln>
+                  <a:solidFill>
+                    <a:schemeClr val="tx1"/>
+                  </a:solidFill>
+                  <a:effectLst/>
+                  <a:uLnTx/>
+                  <a:uFillTx/>
+                  <a:latin typeface="Calibri" panose="020F0502020204030204"/>
+                  <a:ea typeface="+mn-ea"/>
+                  <a:cs typeface="+mn-cs"/>
+                </a:endParaRPr>
+              </a:p>
+            </p:txBody>
+          </p:sp>
+        </mc:Choice>
+        <mc:Fallback>
+          <p:sp>
+            <p:nvSpPr>
+              <p:cNvPr id="23" name="TextBox 22">
+                <a:extLst>
+                  <a:ext uri="{FF2B5EF4-FFF2-40B4-BE49-F238E27FC236}">
+                    <a16:creationId xmlns:a16="http://schemas.microsoft.com/office/drawing/2014/main" id="{36E7B3D1-C13A-FA32-AF3C-D11711ABA9BE}"/>
+                  </a:ext>
+                </a:extLst>
+              </p:cNvPr>
+              <p:cNvSpPr txBox="1">
+                <a:spLocks noRot="1" noChangeAspect="1" noMove="1" noResize="1" noEditPoints="1" noAdjustHandles="1" noChangeArrowheads="1" noChangeShapeType="1" noTextEdit="1"/>
+              </p:cNvSpPr>
+              <p:nvPr/>
+            </p:nvSpPr>
+            <p:spPr>
+              <a:xfrm>
+                <a:off x="5947472" y="6048345"/>
+                <a:ext cx="4609082" cy="444032"/>
+              </a:xfrm>
+              <a:prstGeom prst="rect">
+                <a:avLst/>
+              </a:prstGeom>
+              <a:blipFill>
+                <a:blip r:embed="rId3"/>
+                <a:stretch>
+                  <a:fillRect l="-661" t="-82192" r="-1587" b="-124658"/>
+                </a:stretch>
+              </a:blipFill>
+            </p:spPr>
+            <p:txBody>
+              <a:bodyPr/>
+              <a:lstStyle/>
+              <a:p>
+                <a:r>
+                  <a:rPr lang="en-US">
+                    <a:noFill/>
+                  </a:rPr>
+                  <a:t> </a:t>
+                </a:r>
+              </a:p>
+            </p:txBody>
+          </p:sp>
+        </mc:Fallback>
+      </mc:AlternateContent>
+      <p:sp>
+        <p:nvSpPr>
+          <p:cNvPr id="24" name="TextBox 23">
+            <a:extLst>
+              <a:ext uri="{FF2B5EF4-FFF2-40B4-BE49-F238E27FC236}">
+                <a16:creationId xmlns:a16="http://schemas.microsoft.com/office/drawing/2014/main" id="{218E2379-D8AF-2023-F1E9-2B726083BCA3}"/>
+              </a:ext>
+            </a:extLst>
+          </p:cNvPr>
+          <p:cNvSpPr txBox="1"/>
+          <p:nvPr/>
+        </p:nvSpPr>
+        <p:spPr>
+          <a:xfrm>
+            <a:off x="2335835" y="4516073"/>
+            <a:ext cx="4426661" cy="923330"/>
+          </a:xfrm>
+          <a:prstGeom prst="rect">
+            <a:avLst/>
+          </a:prstGeom>
+          <a:noFill/>
+        </p:spPr>
+        <p:txBody>
+          <a:bodyPr wrap="none" rtlCol="0">
+            <a:spAutoFit/>
+          </a:bodyPr>
+          <a:lstStyle/>
+          <a:p>
+            <a:pPr algn="ctr"/>
+            <a:r>
+              <a:rPr lang="en-US" dirty="0"/>
+              <a:t>“Average Irradiance Levels on Ground” [%] =  </a:t>
+            </a:r>
+          </a:p>
+          <a:p>
+            <a:pPr algn="ctr"/>
+            <a:r>
+              <a:rPr lang="en-US" u="sng" dirty="0"/>
+              <a:t>mean(Ground irradiance)</a:t>
+            </a:r>
+            <a:r>
+              <a:rPr lang="en-US" dirty="0"/>
+              <a:t>  </a:t>
+            </a:r>
+          </a:p>
+          <a:p>
+            <a:pPr algn="ctr"/>
+            <a:r>
+              <a:rPr lang="en-US" dirty="0"/>
+              <a:t>                    GHI </a:t>
+            </a:r>
+          </a:p>
+        </p:txBody>
+      </p:sp>
+      <p:sp>
+        <p:nvSpPr>
+          <p:cNvPr id="26" name="TextBox 25">
+            <a:extLst>
+              <a:ext uri="{FF2B5EF4-FFF2-40B4-BE49-F238E27FC236}">
+                <a16:creationId xmlns:a16="http://schemas.microsoft.com/office/drawing/2014/main" id="{101688D7-09D6-A471-4A11-DD205B40AE50}"/>
+              </a:ext>
+            </a:extLst>
+          </p:cNvPr>
+          <p:cNvSpPr txBox="1"/>
+          <p:nvPr/>
+        </p:nvSpPr>
+        <p:spPr>
+          <a:xfrm>
+            <a:off x="8339702" y="4645636"/>
+            <a:ext cx="3005631" cy="738664"/>
+          </a:xfrm>
+          <a:prstGeom prst="rect">
+            <a:avLst/>
+          </a:prstGeom>
+          <a:noFill/>
+        </p:spPr>
+        <p:txBody>
+          <a:bodyPr wrap="none" rtlCol="0">
+            <a:spAutoFit/>
+          </a:bodyPr>
+          <a:lstStyle/>
+          <a:p>
+            <a:pPr algn="ctr"/>
+            <a:r>
+              <a:rPr lang="en-US" sz="1400" dirty="0"/>
+              <a:t>“Average Shading Levels on Ground” = </a:t>
+            </a:r>
+          </a:p>
+          <a:p>
+            <a:pPr algn="ctr"/>
+            <a:r>
+              <a:rPr lang="en-US" sz="1400" dirty="0"/>
+              <a:t>(1 -  </a:t>
+            </a:r>
+            <a:r>
+              <a:rPr lang="en-US" sz="1400" u="sng" dirty="0"/>
+              <a:t>min(Ground irradiance)</a:t>
+            </a:r>
+            <a:r>
+              <a:rPr lang="en-US" sz="1400" dirty="0"/>
+              <a:t> </a:t>
+            </a:r>
+          </a:p>
+          <a:p>
+            <a:pPr algn="ctr"/>
+            <a:r>
+              <a:rPr lang="en-US" sz="1400" dirty="0"/>
+              <a:t>Unshaded</a:t>
+            </a:r>
+          </a:p>
+        </p:txBody>
+      </p:sp>
+      <p:sp>
+        <p:nvSpPr>
+          <p:cNvPr id="3" name="TextBox 2">
+            <a:extLst>
+              <a:ext uri="{FF2B5EF4-FFF2-40B4-BE49-F238E27FC236}">
+                <a16:creationId xmlns:a16="http://schemas.microsoft.com/office/drawing/2014/main" id="{0EB54C16-A472-F5A5-36DB-5CC193568072}"/>
+              </a:ext>
+            </a:extLst>
+          </p:cNvPr>
+          <p:cNvSpPr txBox="1"/>
+          <p:nvPr/>
+        </p:nvSpPr>
+        <p:spPr>
+          <a:xfrm>
+            <a:off x="609599" y="5702571"/>
+            <a:ext cx="943592" cy="369332"/>
+          </a:xfrm>
+          <a:prstGeom prst="rect">
+            <a:avLst/>
+          </a:prstGeom>
+          <a:noFill/>
+        </p:spPr>
+        <p:txBody>
+          <a:bodyPr wrap="none" rtlCol="0">
+            <a:spAutoFit/>
+          </a:bodyPr>
+          <a:lstStyle/>
+          <a:p>
+            <a:r>
+              <a:rPr lang="en-US" b="1"/>
+              <a:t>OTHERS</a:t>
+            </a:r>
+          </a:p>
+        </p:txBody>
+      </p:sp>
+      <p:cxnSp>
+        <p:nvCxnSpPr>
+          <p:cNvPr id="5" name="Straight Arrow Connector 4">
+            <a:extLst>
+              <a:ext uri="{FF2B5EF4-FFF2-40B4-BE49-F238E27FC236}">
+                <a16:creationId xmlns:a16="http://schemas.microsoft.com/office/drawing/2014/main" id="{3E1D74BC-51A9-7236-C78B-7C9045A64FB8}"/>
+              </a:ext>
+            </a:extLst>
+          </p:cNvPr>
+          <p:cNvCxnSpPr>
+            <a:cxnSpLocks/>
+          </p:cNvCxnSpPr>
+          <p:nvPr/>
+        </p:nvCxnSpPr>
+        <p:spPr>
+          <a:xfrm>
+            <a:off x="7243089" y="3876794"/>
+            <a:ext cx="520801" cy="0"/>
+          </a:xfrm>
+          <a:prstGeom prst="straightConnector1">
+            <a:avLst/>
+          </a:prstGeom>
+          <a:ln>
+            <a:headEnd type="triangle"/>
+            <a:tailEnd type="triangle"/>
+          </a:ln>
+        </p:spPr>
+        <p:style>
+          <a:lnRef idx="2">
+            <a:schemeClr val="accent5"/>
+          </a:lnRef>
+          <a:fillRef idx="0">
+            <a:schemeClr val="accent5"/>
+          </a:fillRef>
+          <a:effectRef idx="1">
+            <a:schemeClr val="accent5"/>
+          </a:effectRef>
+          <a:fontRef idx="minor">
+            <a:schemeClr val="tx1"/>
+          </a:fontRef>
+        </p:style>
+      </p:cxnSp>
+      <p:cxnSp>
+        <p:nvCxnSpPr>
+          <p:cNvPr id="28" name="Straight Arrow Connector 27">
+            <a:extLst>
+              <a:ext uri="{FF2B5EF4-FFF2-40B4-BE49-F238E27FC236}">
+                <a16:creationId xmlns:a16="http://schemas.microsoft.com/office/drawing/2014/main" id="{147AABFB-8A8A-BC91-39CC-833D6EF5E6DD}"/>
+              </a:ext>
+            </a:extLst>
+          </p:cNvPr>
+          <p:cNvCxnSpPr>
+            <a:cxnSpLocks/>
+          </p:cNvCxnSpPr>
+          <p:nvPr/>
+        </p:nvCxnSpPr>
+        <p:spPr>
+          <a:xfrm>
+            <a:off x="7243089" y="4977738"/>
+            <a:ext cx="520801" cy="0"/>
+          </a:xfrm>
+          <a:prstGeom prst="straightConnector1">
+            <a:avLst/>
+          </a:prstGeom>
+          <a:ln>
+            <a:headEnd type="triangle"/>
+            <a:tailEnd type="triangle"/>
+          </a:ln>
+        </p:spPr>
+        <p:style>
+          <a:lnRef idx="2">
+            <a:schemeClr val="accent5"/>
+          </a:lnRef>
+          <a:fillRef idx="0">
+            <a:schemeClr val="accent5"/>
+          </a:fillRef>
+          <a:effectRef idx="1">
+            <a:schemeClr val="accent5"/>
+          </a:effectRef>
+          <a:fontRef idx="minor">
+            <a:schemeClr val="tx1"/>
+          </a:fontRef>
+        </p:style>
+      </p:cxnSp>
+      <p:sp>
+        <p:nvSpPr>
+          <p:cNvPr id="29" name="TextBox 28">
+            <a:extLst>
+              <a:ext uri="{FF2B5EF4-FFF2-40B4-BE49-F238E27FC236}">
+                <a16:creationId xmlns:a16="http://schemas.microsoft.com/office/drawing/2014/main" id="{9A5EAB2B-09D6-9A61-3782-BB91614F35D8}"/>
+              </a:ext>
+            </a:extLst>
+          </p:cNvPr>
+          <p:cNvSpPr txBox="1"/>
+          <p:nvPr/>
+        </p:nvSpPr>
+        <p:spPr>
+          <a:xfrm>
+            <a:off x="3131820" y="2895518"/>
+            <a:ext cx="5684057" cy="461665"/>
+          </a:xfrm>
+          <a:prstGeom prst="rect">
+            <a:avLst/>
+          </a:prstGeom>
+          <a:noFill/>
+        </p:spPr>
+        <p:txBody>
+          <a:bodyPr wrap="none" rtlCol="0">
+            <a:spAutoFit/>
+          </a:bodyPr>
+          <a:lstStyle/>
+          <a:p>
+            <a:pPr algn="ctr"/>
+            <a:r>
+              <a:rPr lang="en-US" sz="2400" b="1"/>
+              <a:t>Irradiance Factor </a:t>
+            </a:r>
+            <a:r>
+              <a:rPr lang="en-US" sz="2400"/>
+              <a:t>=  Ground Irradiance / GHI</a:t>
+            </a:r>
+          </a:p>
+        </p:txBody>
+      </p:sp>
+    </p:spTree>
+    <p:extLst>
+      <p:ext uri="{BB962C8B-B14F-4D97-AF65-F5344CB8AC3E}">
+        <p14:creationId xmlns:p14="http://schemas.microsoft.com/office/powerpoint/2010/main" val="2404585040"/>
+      </p:ext>
+    </p:extLst>
+  </p:cSld>
+  <p:clrMapOvr>
+    <a:masterClrMapping/>
+  </p:clrMapOvr>
+</p:sld>
+</file>
+
+<file path=ppt/slides/slide9.xml><?xml version="1.0" encoding="utf-8"?>
+<p:sld xmlns:a="http://schemas.openxmlformats.org/drawingml/2006/main" xmlns:r="http://schemas.openxmlformats.org/officeDocument/2006/relationships" xmlns:p="http://schemas.openxmlformats.org/presentationml/2006/main">
+  <p:cSld>
+    <p:spTree>
+      <p:nvGrpSpPr>
+        <p:cNvPr id="1" name=""/>
+        <p:cNvGrpSpPr/>
+        <p:nvPr/>
+      </p:nvGrpSpPr>
+      <p:grpSpPr>
+        <a:xfrm>
+          <a:off x="0" y="0"/>
+          <a:ext cx="0" cy="0"/>
+          <a:chOff x="0" y="0"/>
+          <a:chExt cx="0" cy="0"/>
+        </a:xfrm>
+      </p:grpSpPr>
+      <p:sp>
+        <p:nvSpPr>
+          <p:cNvPr id="2" name="Title 1">
+            <a:extLst>
+              <a:ext uri="{FF2B5EF4-FFF2-40B4-BE49-F238E27FC236}">
+                <a16:creationId xmlns:a16="http://schemas.microsoft.com/office/drawing/2014/main" id="{6E1DCA71-8AD5-2D37-55CE-335E02373705}"/>
+              </a:ext>
+            </a:extLst>
+          </p:cNvPr>
+          <p:cNvSpPr>
+            <a:spLocks noGrp="1"/>
+          </p:cNvSpPr>
+          <p:nvPr>
+            <p:ph type="title"/>
+          </p:nvPr>
+        </p:nvSpPr>
+        <p:spPr/>
+        <p:txBody>
+          <a:bodyPr/>
+          <a:lstStyle/>
+          <a:p>
+            <a:r>
+              <a:rPr lang="en-US" dirty="0"/>
+              <a:t>Hourly ~ 1 day</a:t>
+            </a:r>
+            <a:br>
+              <a:rPr lang="en-US" dirty="0"/>
+            </a:br>
+            <a:endParaRPr lang="en-US" dirty="0"/>
+          </a:p>
+        </p:txBody>
+      </p:sp>
+      <p:sp>
+        <p:nvSpPr>
+          <p:cNvPr id="3" name="Content Placeholder 2">
+            <a:extLst>
+              <a:ext uri="{FF2B5EF4-FFF2-40B4-BE49-F238E27FC236}">
+                <a16:creationId xmlns:a16="http://schemas.microsoft.com/office/drawing/2014/main" id="{5313C7BB-49A8-E4B9-9FB3-CDE0B362C87C}"/>
+              </a:ext>
+            </a:extLst>
+          </p:cNvPr>
+          <p:cNvSpPr>
+            <a:spLocks noGrp="1"/>
+          </p:cNvSpPr>
+          <p:nvPr>
+            <p:ph idx="1"/>
+          </p:nvPr>
+        </p:nvSpPr>
+        <p:spPr/>
+        <p:txBody>
+          <a:bodyPr/>
+          <a:lstStyle/>
+          <a:p>
+            <a:r>
+              <a:rPr lang="en-US" dirty="0"/>
+              <a:t>~14 different weather file inputs , each one with values in one single hour </a:t>
+            </a:r>
+          </a:p>
+          <a:p>
+            <a:r>
+              <a:rPr lang="en-US" dirty="0"/>
+              <a:t>Not remove the hours, just set the DNI DHI GHI to 0. Keep  8760 </a:t>
+            </a:r>
+          </a:p>
+          <a:p>
+            <a:r>
+              <a:rPr lang="en-US" dirty="0"/>
+              <a:t>14 </a:t>
+            </a:r>
+            <a:r>
+              <a:rPr lang="en-US" dirty="0" err="1"/>
+              <a:t>simulatons</a:t>
+            </a:r>
+            <a:endParaRPr lang="en-US" dirty="0"/>
+          </a:p>
+          <a:p>
+            <a:r>
+              <a:rPr lang="en-US" dirty="0"/>
+              <a:t>14 simulations ~ 1 day  </a:t>
+            </a:r>
+          </a:p>
+        </p:txBody>
+      </p:sp>
+    </p:spTree>
+    <p:extLst>
+      <p:ext uri="{BB962C8B-B14F-4D97-AF65-F5344CB8AC3E}">
+        <p14:creationId xmlns:p14="http://schemas.microsoft.com/office/powerpoint/2010/main" val="352960359"/>
       </p:ext>
     </p:extLst>
   </p:cSld>
